--- a/Leonida, Althani Miguel/Learning Materials/MongoDB.pptx
+++ b/Leonida, Althani Miguel/Learning Materials/MongoDB.pptx
@@ -4,10 +4,17 @@
   <p:sldMasterIdLst>
     <p:sldMasterId id="2147483648" r:id="rId1"/>
   </p:sldMasterIdLst>
+  <p:notesMasterIdLst>
+    <p:notesMasterId r:id="rId9"/>
+  </p:notesMasterIdLst>
   <p:sldIdLst>
     <p:sldId id="257" r:id="rId2"/>
     <p:sldId id="256" r:id="rId3"/>
-    <p:sldId id="258" r:id="rId4"/>
+    <p:sldId id="263" r:id="rId4"/>
+    <p:sldId id="260" r:id="rId5"/>
+    <p:sldId id="261" r:id="rId6"/>
+    <p:sldId id="262" r:id="rId7"/>
+    <p:sldId id="264" r:id="rId8"/>
   </p:sldIdLst>
   <p:sldSz cx="12192000" cy="6858000"/>
   <p:notesSz cx="6858000" cy="9144000"/>
@@ -106,7 +113,781 @@
       </a:defRPr>
     </a:lvl9pPr>
   </p:defaultTextStyle>
+  <p:extLst>
+    <p:ext uri="{EFAFB233-063F-42B5-8137-9DF3F51BA10A}">
+      <p15:sldGuideLst xmlns:p15="http://schemas.microsoft.com/office/powerpoint/2012/main"/>
+    </p:ext>
+  </p:extLst>
 </p:presentation>
+</file>
+
+<file path=ppt/notesMasters/notesMaster1.xml><?xml version="1.0" encoding="utf-8"?>
+<p:notesMaster xmlns:a="http://schemas.openxmlformats.org/drawingml/2006/main" xmlns:r="http://schemas.openxmlformats.org/officeDocument/2006/relationships" xmlns:p="http://schemas.openxmlformats.org/presentationml/2006/main">
+  <p:cSld>
+    <p:bg>
+      <p:bgRef idx="1001">
+        <a:schemeClr val="bg1"/>
+      </p:bgRef>
+    </p:bg>
+    <p:spTree>
+      <p:nvGrpSpPr>
+        <p:cNvPr id="1" name=""/>
+        <p:cNvGrpSpPr/>
+        <p:nvPr/>
+      </p:nvGrpSpPr>
+      <p:grpSpPr>
+        <a:xfrm>
+          <a:off x="0" y="0"/>
+          <a:ext cx="0" cy="0"/>
+          <a:chOff x="0" y="0"/>
+          <a:chExt cx="0" cy="0"/>
+        </a:xfrm>
+      </p:grpSpPr>
+      <p:sp>
+        <p:nvSpPr>
+          <p:cNvPr id="2" name="Header Placeholder 1"/>
+          <p:cNvSpPr>
+            <a:spLocks noGrp="1"/>
+          </p:cNvSpPr>
+          <p:nvPr>
+            <p:ph type="hdr" sz="quarter"/>
+          </p:nvPr>
+        </p:nvSpPr>
+        <p:spPr>
+          <a:xfrm>
+            <a:off x="0" y="0"/>
+            <a:ext cx="2971800" cy="458788"/>
+          </a:xfrm>
+          <a:prstGeom prst="rect">
+            <a:avLst/>
+          </a:prstGeom>
+        </p:spPr>
+        <p:txBody>
+          <a:bodyPr vert="horz" lIns="91440" tIns="45720" rIns="91440" bIns="45720" rtlCol="0"/>
+          <a:lstStyle>
+            <a:lvl1pPr algn="l">
+              <a:defRPr sz="1200"/>
+            </a:lvl1pPr>
+          </a:lstStyle>
+          <a:p>
+            <a:endParaRPr lang="en-US"/>
+          </a:p>
+        </p:txBody>
+      </p:sp>
+      <p:sp>
+        <p:nvSpPr>
+          <p:cNvPr id="3" name="Date Placeholder 2"/>
+          <p:cNvSpPr>
+            <a:spLocks noGrp="1"/>
+          </p:cNvSpPr>
+          <p:nvPr>
+            <p:ph type="dt" idx="1"/>
+          </p:nvPr>
+        </p:nvSpPr>
+        <p:spPr>
+          <a:xfrm>
+            <a:off x="3884613" y="0"/>
+            <a:ext cx="2971800" cy="458788"/>
+          </a:xfrm>
+          <a:prstGeom prst="rect">
+            <a:avLst/>
+          </a:prstGeom>
+        </p:spPr>
+        <p:txBody>
+          <a:bodyPr vert="horz" lIns="91440" tIns="45720" rIns="91440" bIns="45720" rtlCol="0"/>
+          <a:lstStyle>
+            <a:lvl1pPr algn="r">
+              <a:defRPr sz="1200"/>
+            </a:lvl1pPr>
+          </a:lstStyle>
+          <a:p>
+            <a:fld id="{596D68F3-4EF0-4F7D-B44B-A434A8AD3D61}" type="datetimeFigureOut">
+              <a:rPr lang="en-US" smtClean="0"/>
+              <a:t>10/8/2023</a:t>
+            </a:fld>
+            <a:endParaRPr lang="en-US"/>
+          </a:p>
+        </p:txBody>
+      </p:sp>
+      <p:sp>
+        <p:nvSpPr>
+          <p:cNvPr id="4" name="Slide Image Placeholder 3"/>
+          <p:cNvSpPr>
+            <a:spLocks noGrp="1" noRot="1" noChangeAspect="1"/>
+          </p:cNvSpPr>
+          <p:nvPr>
+            <p:ph type="sldImg" idx="2"/>
+          </p:nvPr>
+        </p:nvSpPr>
+        <p:spPr>
+          <a:xfrm>
+            <a:off x="685800" y="1143000"/>
+            <a:ext cx="5486400" cy="3086100"/>
+          </a:xfrm>
+          <a:prstGeom prst="rect">
+            <a:avLst/>
+          </a:prstGeom>
+          <a:noFill/>
+          <a:ln w="12700">
+            <a:solidFill>
+              <a:prstClr val="black"/>
+            </a:solidFill>
+          </a:ln>
+        </p:spPr>
+        <p:txBody>
+          <a:bodyPr vert="horz" lIns="91440" tIns="45720" rIns="91440" bIns="45720" rtlCol="0" anchor="ctr"/>
+          <a:lstStyle/>
+          <a:p>
+            <a:endParaRPr lang="en-US"/>
+          </a:p>
+        </p:txBody>
+      </p:sp>
+      <p:sp>
+        <p:nvSpPr>
+          <p:cNvPr id="5" name="Notes Placeholder 4"/>
+          <p:cNvSpPr>
+            <a:spLocks noGrp="1"/>
+          </p:cNvSpPr>
+          <p:nvPr>
+            <p:ph type="body" sz="quarter" idx="3"/>
+          </p:nvPr>
+        </p:nvSpPr>
+        <p:spPr>
+          <a:xfrm>
+            <a:off x="685800" y="4400550"/>
+            <a:ext cx="5486400" cy="3600450"/>
+          </a:xfrm>
+          <a:prstGeom prst="rect">
+            <a:avLst/>
+          </a:prstGeom>
+        </p:spPr>
+        <p:txBody>
+          <a:bodyPr vert="horz" lIns="91440" tIns="45720" rIns="91440" bIns="45720" rtlCol="0"/>
+          <a:lstStyle/>
+          <a:p>
+            <a:pPr lvl="0"/>
+            <a:r>
+              <a:rPr lang="en-US"/>
+              <a:t>Click to edit Master text styles</a:t>
+            </a:r>
+          </a:p>
+          <a:p>
+            <a:pPr lvl="1"/>
+            <a:r>
+              <a:rPr lang="en-US"/>
+              <a:t>Second level</a:t>
+            </a:r>
+          </a:p>
+          <a:p>
+            <a:pPr lvl="2"/>
+            <a:r>
+              <a:rPr lang="en-US"/>
+              <a:t>Third level</a:t>
+            </a:r>
+          </a:p>
+          <a:p>
+            <a:pPr lvl="3"/>
+            <a:r>
+              <a:rPr lang="en-US"/>
+              <a:t>Fourth level</a:t>
+            </a:r>
+          </a:p>
+          <a:p>
+            <a:pPr lvl="4"/>
+            <a:r>
+              <a:rPr lang="en-US"/>
+              <a:t>Fifth level</a:t>
+            </a:r>
+          </a:p>
+        </p:txBody>
+      </p:sp>
+      <p:sp>
+        <p:nvSpPr>
+          <p:cNvPr id="6" name="Footer Placeholder 5"/>
+          <p:cNvSpPr>
+            <a:spLocks noGrp="1"/>
+          </p:cNvSpPr>
+          <p:nvPr>
+            <p:ph type="ftr" sz="quarter" idx="4"/>
+          </p:nvPr>
+        </p:nvSpPr>
+        <p:spPr>
+          <a:xfrm>
+            <a:off x="0" y="8685213"/>
+            <a:ext cx="2971800" cy="458787"/>
+          </a:xfrm>
+          <a:prstGeom prst="rect">
+            <a:avLst/>
+          </a:prstGeom>
+        </p:spPr>
+        <p:txBody>
+          <a:bodyPr vert="horz" lIns="91440" tIns="45720" rIns="91440" bIns="45720" rtlCol="0" anchor="b"/>
+          <a:lstStyle>
+            <a:lvl1pPr algn="l">
+              <a:defRPr sz="1200"/>
+            </a:lvl1pPr>
+          </a:lstStyle>
+          <a:p>
+            <a:endParaRPr lang="en-US"/>
+          </a:p>
+        </p:txBody>
+      </p:sp>
+      <p:sp>
+        <p:nvSpPr>
+          <p:cNvPr id="7" name="Slide Number Placeholder 6"/>
+          <p:cNvSpPr>
+            <a:spLocks noGrp="1"/>
+          </p:cNvSpPr>
+          <p:nvPr>
+            <p:ph type="sldNum" sz="quarter" idx="5"/>
+          </p:nvPr>
+        </p:nvSpPr>
+        <p:spPr>
+          <a:xfrm>
+            <a:off x="3884613" y="8685213"/>
+            <a:ext cx="2971800" cy="458787"/>
+          </a:xfrm>
+          <a:prstGeom prst="rect">
+            <a:avLst/>
+          </a:prstGeom>
+        </p:spPr>
+        <p:txBody>
+          <a:bodyPr vert="horz" lIns="91440" tIns="45720" rIns="91440" bIns="45720" rtlCol="0" anchor="b"/>
+          <a:lstStyle>
+            <a:lvl1pPr algn="r">
+              <a:defRPr sz="1200"/>
+            </a:lvl1pPr>
+          </a:lstStyle>
+          <a:p>
+            <a:fld id="{5228EBE8-9ACC-4AC1-A3FB-76C5993282A9}" type="slidenum">
+              <a:rPr lang="en-US" smtClean="0"/>
+              <a:t>‹#›</a:t>
+            </a:fld>
+            <a:endParaRPr lang="en-US"/>
+          </a:p>
+        </p:txBody>
+      </p:sp>
+    </p:spTree>
+    <p:extLst>
+      <p:ext uri="{BB962C8B-B14F-4D97-AF65-F5344CB8AC3E}">
+        <p14:creationId xmlns:p14="http://schemas.microsoft.com/office/powerpoint/2010/main" val="682613066"/>
+      </p:ext>
+    </p:extLst>
+  </p:cSld>
+  <p:clrMap bg1="lt1" tx1="dk1" bg2="lt2" tx2="dk2" accent1="accent1" accent2="accent2" accent3="accent3" accent4="accent4" accent5="accent5" accent6="accent6" hlink="hlink" folHlink="folHlink"/>
+  <p:notesStyle>
+    <a:lvl1pPr marL="0" algn="l" defTabSz="914400" rtl="0" eaLnBrk="1" latinLnBrk="0" hangingPunct="1">
+      <a:defRPr sz="1200" kern="1200">
+        <a:solidFill>
+          <a:schemeClr val="tx1"/>
+        </a:solidFill>
+        <a:latin typeface="+mn-lt"/>
+        <a:ea typeface="+mn-ea"/>
+        <a:cs typeface="+mn-cs"/>
+      </a:defRPr>
+    </a:lvl1pPr>
+    <a:lvl2pPr marL="457200" algn="l" defTabSz="914400" rtl="0" eaLnBrk="1" latinLnBrk="0" hangingPunct="1">
+      <a:defRPr sz="1200" kern="1200">
+        <a:solidFill>
+          <a:schemeClr val="tx1"/>
+        </a:solidFill>
+        <a:latin typeface="+mn-lt"/>
+        <a:ea typeface="+mn-ea"/>
+        <a:cs typeface="+mn-cs"/>
+      </a:defRPr>
+    </a:lvl2pPr>
+    <a:lvl3pPr marL="914400" algn="l" defTabSz="914400" rtl="0" eaLnBrk="1" latinLnBrk="0" hangingPunct="1">
+      <a:defRPr sz="1200" kern="1200">
+        <a:solidFill>
+          <a:schemeClr val="tx1"/>
+        </a:solidFill>
+        <a:latin typeface="+mn-lt"/>
+        <a:ea typeface="+mn-ea"/>
+        <a:cs typeface="+mn-cs"/>
+      </a:defRPr>
+    </a:lvl3pPr>
+    <a:lvl4pPr marL="1371600" algn="l" defTabSz="914400" rtl="0" eaLnBrk="1" latinLnBrk="0" hangingPunct="1">
+      <a:defRPr sz="1200" kern="1200">
+        <a:solidFill>
+          <a:schemeClr val="tx1"/>
+        </a:solidFill>
+        <a:latin typeface="+mn-lt"/>
+        <a:ea typeface="+mn-ea"/>
+        <a:cs typeface="+mn-cs"/>
+      </a:defRPr>
+    </a:lvl4pPr>
+    <a:lvl5pPr marL="1828800" algn="l" defTabSz="914400" rtl="0" eaLnBrk="1" latinLnBrk="0" hangingPunct="1">
+      <a:defRPr sz="1200" kern="1200">
+        <a:solidFill>
+          <a:schemeClr val="tx1"/>
+        </a:solidFill>
+        <a:latin typeface="+mn-lt"/>
+        <a:ea typeface="+mn-ea"/>
+        <a:cs typeface="+mn-cs"/>
+      </a:defRPr>
+    </a:lvl5pPr>
+    <a:lvl6pPr marL="2286000" algn="l" defTabSz="914400" rtl="0" eaLnBrk="1" latinLnBrk="0" hangingPunct="1">
+      <a:defRPr sz="1200" kern="1200">
+        <a:solidFill>
+          <a:schemeClr val="tx1"/>
+        </a:solidFill>
+        <a:latin typeface="+mn-lt"/>
+        <a:ea typeface="+mn-ea"/>
+        <a:cs typeface="+mn-cs"/>
+      </a:defRPr>
+    </a:lvl6pPr>
+    <a:lvl7pPr marL="2743200" algn="l" defTabSz="914400" rtl="0" eaLnBrk="1" latinLnBrk="0" hangingPunct="1">
+      <a:defRPr sz="1200" kern="1200">
+        <a:solidFill>
+          <a:schemeClr val="tx1"/>
+        </a:solidFill>
+        <a:latin typeface="+mn-lt"/>
+        <a:ea typeface="+mn-ea"/>
+        <a:cs typeface="+mn-cs"/>
+      </a:defRPr>
+    </a:lvl7pPr>
+    <a:lvl8pPr marL="3200400" algn="l" defTabSz="914400" rtl="0" eaLnBrk="1" latinLnBrk="0" hangingPunct="1">
+      <a:defRPr sz="1200" kern="1200">
+        <a:solidFill>
+          <a:schemeClr val="tx1"/>
+        </a:solidFill>
+        <a:latin typeface="+mn-lt"/>
+        <a:ea typeface="+mn-ea"/>
+        <a:cs typeface="+mn-cs"/>
+      </a:defRPr>
+    </a:lvl8pPr>
+    <a:lvl9pPr marL="3657600" algn="l" defTabSz="914400" rtl="0" eaLnBrk="1" latinLnBrk="0" hangingPunct="1">
+      <a:defRPr sz="1200" kern="1200">
+        <a:solidFill>
+          <a:schemeClr val="tx1"/>
+        </a:solidFill>
+        <a:latin typeface="+mn-lt"/>
+        <a:ea typeface="+mn-ea"/>
+        <a:cs typeface="+mn-cs"/>
+      </a:defRPr>
+    </a:lvl9pPr>
+  </p:notesStyle>
+</p:notesMaster>
+</file>
+
+<file path=ppt/notesSlides/notesSlide1.xml><?xml version="1.0" encoding="utf-8"?>
+<p:notes xmlns:a="http://schemas.openxmlformats.org/drawingml/2006/main" xmlns:r="http://schemas.openxmlformats.org/officeDocument/2006/relationships" xmlns:p="http://schemas.openxmlformats.org/presentationml/2006/main">
+  <p:cSld>
+    <p:spTree>
+      <p:nvGrpSpPr>
+        <p:cNvPr id="1" name=""/>
+        <p:cNvGrpSpPr/>
+        <p:nvPr/>
+      </p:nvGrpSpPr>
+      <p:grpSpPr>
+        <a:xfrm>
+          <a:off x="0" y="0"/>
+          <a:ext cx="0" cy="0"/>
+          <a:chOff x="0" y="0"/>
+          <a:chExt cx="0" cy="0"/>
+        </a:xfrm>
+      </p:grpSpPr>
+      <p:sp>
+        <p:nvSpPr>
+          <p:cNvPr id="2" name="Slide Image Placeholder 1"/>
+          <p:cNvSpPr>
+            <a:spLocks noGrp="1" noRot="1" noChangeAspect="1"/>
+          </p:cNvSpPr>
+          <p:nvPr>
+            <p:ph type="sldImg"/>
+          </p:nvPr>
+        </p:nvSpPr>
+        <p:spPr/>
+      </p:sp>
+      <p:sp>
+        <p:nvSpPr>
+          <p:cNvPr id="3" name="Notes Placeholder 2"/>
+          <p:cNvSpPr>
+            <a:spLocks noGrp="1"/>
+          </p:cNvSpPr>
+          <p:nvPr>
+            <p:ph type="body" idx="1"/>
+          </p:nvPr>
+        </p:nvSpPr>
+        <p:spPr/>
+        <p:txBody>
+          <a:bodyPr/>
+          <a:lstStyle/>
+          <a:p>
+            <a:endParaRPr lang="en-US" dirty="0"/>
+          </a:p>
+        </p:txBody>
+      </p:sp>
+      <p:sp>
+        <p:nvSpPr>
+          <p:cNvPr id="4" name="Slide Number Placeholder 3"/>
+          <p:cNvSpPr>
+            <a:spLocks noGrp="1"/>
+          </p:cNvSpPr>
+          <p:nvPr>
+            <p:ph type="sldNum" sz="quarter" idx="5"/>
+          </p:nvPr>
+        </p:nvSpPr>
+        <p:spPr/>
+        <p:txBody>
+          <a:bodyPr/>
+          <a:lstStyle/>
+          <a:p>
+            <a:fld id="{5228EBE8-9ACC-4AC1-A3FB-76C5993282A9}" type="slidenum">
+              <a:rPr lang="en-US" smtClean="0"/>
+              <a:t>3</a:t>
+            </a:fld>
+            <a:endParaRPr lang="en-US"/>
+          </a:p>
+        </p:txBody>
+      </p:sp>
+    </p:spTree>
+    <p:extLst>
+      <p:ext uri="{BB962C8B-B14F-4D97-AF65-F5344CB8AC3E}">
+        <p14:creationId xmlns:p14="http://schemas.microsoft.com/office/powerpoint/2010/main" val="2623900915"/>
+      </p:ext>
+    </p:extLst>
+  </p:cSld>
+  <p:clrMapOvr>
+    <a:masterClrMapping/>
+  </p:clrMapOvr>
+</p:notes>
+</file>
+
+<file path=ppt/notesSlides/notesSlide2.xml><?xml version="1.0" encoding="utf-8"?>
+<p:notes xmlns:a="http://schemas.openxmlformats.org/drawingml/2006/main" xmlns:r="http://schemas.openxmlformats.org/officeDocument/2006/relationships" xmlns:p="http://schemas.openxmlformats.org/presentationml/2006/main">
+  <p:cSld>
+    <p:spTree>
+      <p:nvGrpSpPr>
+        <p:cNvPr id="1" name=""/>
+        <p:cNvGrpSpPr/>
+        <p:nvPr/>
+      </p:nvGrpSpPr>
+      <p:grpSpPr>
+        <a:xfrm>
+          <a:off x="0" y="0"/>
+          <a:ext cx="0" cy="0"/>
+          <a:chOff x="0" y="0"/>
+          <a:chExt cx="0" cy="0"/>
+        </a:xfrm>
+      </p:grpSpPr>
+      <p:sp>
+        <p:nvSpPr>
+          <p:cNvPr id="2" name="Slide Image Placeholder 1"/>
+          <p:cNvSpPr>
+            <a:spLocks noGrp="1" noRot="1" noChangeAspect="1"/>
+          </p:cNvSpPr>
+          <p:nvPr>
+            <p:ph type="sldImg"/>
+          </p:nvPr>
+        </p:nvSpPr>
+        <p:spPr/>
+      </p:sp>
+      <p:sp>
+        <p:nvSpPr>
+          <p:cNvPr id="3" name="Notes Placeholder 2"/>
+          <p:cNvSpPr>
+            <a:spLocks noGrp="1"/>
+          </p:cNvSpPr>
+          <p:nvPr>
+            <p:ph type="body" idx="1"/>
+          </p:nvPr>
+        </p:nvSpPr>
+        <p:spPr/>
+        <p:txBody>
+          <a:bodyPr/>
+          <a:lstStyle/>
+          <a:p>
+            <a:endParaRPr lang="en-US" dirty="0"/>
+          </a:p>
+        </p:txBody>
+      </p:sp>
+      <p:sp>
+        <p:nvSpPr>
+          <p:cNvPr id="4" name="Slide Number Placeholder 3"/>
+          <p:cNvSpPr>
+            <a:spLocks noGrp="1"/>
+          </p:cNvSpPr>
+          <p:nvPr>
+            <p:ph type="sldNum" sz="quarter" idx="5"/>
+          </p:nvPr>
+        </p:nvSpPr>
+        <p:spPr/>
+        <p:txBody>
+          <a:bodyPr/>
+          <a:lstStyle/>
+          <a:p>
+            <a:fld id="{5228EBE8-9ACC-4AC1-A3FB-76C5993282A9}" type="slidenum">
+              <a:rPr lang="en-US" smtClean="0"/>
+              <a:t>4</a:t>
+            </a:fld>
+            <a:endParaRPr lang="en-US"/>
+          </a:p>
+        </p:txBody>
+      </p:sp>
+    </p:spTree>
+    <p:extLst>
+      <p:ext uri="{BB962C8B-B14F-4D97-AF65-F5344CB8AC3E}">
+        <p14:creationId xmlns:p14="http://schemas.microsoft.com/office/powerpoint/2010/main" val="1286891095"/>
+      </p:ext>
+    </p:extLst>
+  </p:cSld>
+  <p:clrMapOvr>
+    <a:masterClrMapping/>
+  </p:clrMapOvr>
+</p:notes>
+</file>
+
+<file path=ppt/notesSlides/notesSlide3.xml><?xml version="1.0" encoding="utf-8"?>
+<p:notes xmlns:a="http://schemas.openxmlformats.org/drawingml/2006/main" xmlns:r="http://schemas.openxmlformats.org/officeDocument/2006/relationships" xmlns:p="http://schemas.openxmlformats.org/presentationml/2006/main">
+  <p:cSld>
+    <p:spTree>
+      <p:nvGrpSpPr>
+        <p:cNvPr id="1" name=""/>
+        <p:cNvGrpSpPr/>
+        <p:nvPr/>
+      </p:nvGrpSpPr>
+      <p:grpSpPr>
+        <a:xfrm>
+          <a:off x="0" y="0"/>
+          <a:ext cx="0" cy="0"/>
+          <a:chOff x="0" y="0"/>
+          <a:chExt cx="0" cy="0"/>
+        </a:xfrm>
+      </p:grpSpPr>
+      <p:sp>
+        <p:nvSpPr>
+          <p:cNvPr id="2" name="Slide Image Placeholder 1"/>
+          <p:cNvSpPr>
+            <a:spLocks noGrp="1" noRot="1" noChangeAspect="1"/>
+          </p:cNvSpPr>
+          <p:nvPr>
+            <p:ph type="sldImg"/>
+          </p:nvPr>
+        </p:nvSpPr>
+        <p:spPr/>
+      </p:sp>
+      <p:sp>
+        <p:nvSpPr>
+          <p:cNvPr id="3" name="Notes Placeholder 2"/>
+          <p:cNvSpPr>
+            <a:spLocks noGrp="1"/>
+          </p:cNvSpPr>
+          <p:nvPr>
+            <p:ph type="body" idx="1"/>
+          </p:nvPr>
+        </p:nvSpPr>
+        <p:spPr/>
+        <p:txBody>
+          <a:bodyPr/>
+          <a:lstStyle/>
+          <a:p>
+            <a:endParaRPr lang="en-US" dirty="0"/>
+          </a:p>
+        </p:txBody>
+      </p:sp>
+      <p:sp>
+        <p:nvSpPr>
+          <p:cNvPr id="4" name="Slide Number Placeholder 3"/>
+          <p:cNvSpPr>
+            <a:spLocks noGrp="1"/>
+          </p:cNvSpPr>
+          <p:nvPr>
+            <p:ph type="sldNum" sz="quarter" idx="5"/>
+          </p:nvPr>
+        </p:nvSpPr>
+        <p:spPr/>
+        <p:txBody>
+          <a:bodyPr/>
+          <a:lstStyle/>
+          <a:p>
+            <a:fld id="{5228EBE8-9ACC-4AC1-A3FB-76C5993282A9}" type="slidenum">
+              <a:rPr lang="en-US" smtClean="0"/>
+              <a:t>5</a:t>
+            </a:fld>
+            <a:endParaRPr lang="en-US"/>
+          </a:p>
+        </p:txBody>
+      </p:sp>
+    </p:spTree>
+    <p:extLst>
+      <p:ext uri="{BB962C8B-B14F-4D97-AF65-F5344CB8AC3E}">
+        <p14:creationId xmlns:p14="http://schemas.microsoft.com/office/powerpoint/2010/main" val="302600182"/>
+      </p:ext>
+    </p:extLst>
+  </p:cSld>
+  <p:clrMapOvr>
+    <a:masterClrMapping/>
+  </p:clrMapOvr>
+</p:notes>
+</file>
+
+<file path=ppt/notesSlides/notesSlide4.xml><?xml version="1.0" encoding="utf-8"?>
+<p:notes xmlns:a="http://schemas.openxmlformats.org/drawingml/2006/main" xmlns:r="http://schemas.openxmlformats.org/officeDocument/2006/relationships" xmlns:p="http://schemas.openxmlformats.org/presentationml/2006/main">
+  <p:cSld>
+    <p:spTree>
+      <p:nvGrpSpPr>
+        <p:cNvPr id="1" name=""/>
+        <p:cNvGrpSpPr/>
+        <p:nvPr/>
+      </p:nvGrpSpPr>
+      <p:grpSpPr>
+        <a:xfrm>
+          <a:off x="0" y="0"/>
+          <a:ext cx="0" cy="0"/>
+          <a:chOff x="0" y="0"/>
+          <a:chExt cx="0" cy="0"/>
+        </a:xfrm>
+      </p:grpSpPr>
+      <p:sp>
+        <p:nvSpPr>
+          <p:cNvPr id="2" name="Slide Image Placeholder 1"/>
+          <p:cNvSpPr>
+            <a:spLocks noGrp="1" noRot="1" noChangeAspect="1"/>
+          </p:cNvSpPr>
+          <p:nvPr>
+            <p:ph type="sldImg"/>
+          </p:nvPr>
+        </p:nvSpPr>
+        <p:spPr/>
+      </p:sp>
+      <p:sp>
+        <p:nvSpPr>
+          <p:cNvPr id="3" name="Notes Placeholder 2"/>
+          <p:cNvSpPr>
+            <a:spLocks noGrp="1"/>
+          </p:cNvSpPr>
+          <p:nvPr>
+            <p:ph type="body" idx="1"/>
+          </p:nvPr>
+        </p:nvSpPr>
+        <p:spPr/>
+        <p:txBody>
+          <a:bodyPr/>
+          <a:lstStyle/>
+          <a:p>
+            <a:endParaRPr lang="en-US" dirty="0"/>
+          </a:p>
+        </p:txBody>
+      </p:sp>
+      <p:sp>
+        <p:nvSpPr>
+          <p:cNvPr id="4" name="Slide Number Placeholder 3"/>
+          <p:cNvSpPr>
+            <a:spLocks noGrp="1"/>
+          </p:cNvSpPr>
+          <p:nvPr>
+            <p:ph type="sldNum" sz="quarter" idx="5"/>
+          </p:nvPr>
+        </p:nvSpPr>
+        <p:spPr/>
+        <p:txBody>
+          <a:bodyPr/>
+          <a:lstStyle/>
+          <a:p>
+            <a:fld id="{5228EBE8-9ACC-4AC1-A3FB-76C5993282A9}" type="slidenum">
+              <a:rPr lang="en-US" smtClean="0"/>
+              <a:t>6</a:t>
+            </a:fld>
+            <a:endParaRPr lang="en-US"/>
+          </a:p>
+        </p:txBody>
+      </p:sp>
+    </p:spTree>
+    <p:extLst>
+      <p:ext uri="{BB962C8B-B14F-4D97-AF65-F5344CB8AC3E}">
+        <p14:creationId xmlns:p14="http://schemas.microsoft.com/office/powerpoint/2010/main" val="1572550283"/>
+      </p:ext>
+    </p:extLst>
+  </p:cSld>
+  <p:clrMapOvr>
+    <a:masterClrMapping/>
+  </p:clrMapOvr>
+</p:notes>
+</file>
+
+<file path=ppt/notesSlides/notesSlide5.xml><?xml version="1.0" encoding="utf-8"?>
+<p:notes xmlns:a="http://schemas.openxmlformats.org/drawingml/2006/main" xmlns:r="http://schemas.openxmlformats.org/officeDocument/2006/relationships" xmlns:p="http://schemas.openxmlformats.org/presentationml/2006/main">
+  <p:cSld>
+    <p:spTree>
+      <p:nvGrpSpPr>
+        <p:cNvPr id="1" name=""/>
+        <p:cNvGrpSpPr/>
+        <p:nvPr/>
+      </p:nvGrpSpPr>
+      <p:grpSpPr>
+        <a:xfrm>
+          <a:off x="0" y="0"/>
+          <a:ext cx="0" cy="0"/>
+          <a:chOff x="0" y="0"/>
+          <a:chExt cx="0" cy="0"/>
+        </a:xfrm>
+      </p:grpSpPr>
+      <p:sp>
+        <p:nvSpPr>
+          <p:cNvPr id="2" name="Slide Image Placeholder 1"/>
+          <p:cNvSpPr>
+            <a:spLocks noGrp="1" noRot="1" noChangeAspect="1"/>
+          </p:cNvSpPr>
+          <p:nvPr>
+            <p:ph type="sldImg"/>
+          </p:nvPr>
+        </p:nvSpPr>
+        <p:spPr/>
+      </p:sp>
+      <p:sp>
+        <p:nvSpPr>
+          <p:cNvPr id="3" name="Notes Placeholder 2"/>
+          <p:cNvSpPr>
+            <a:spLocks noGrp="1"/>
+          </p:cNvSpPr>
+          <p:nvPr>
+            <p:ph type="body" idx="1"/>
+          </p:nvPr>
+        </p:nvSpPr>
+        <p:spPr/>
+        <p:txBody>
+          <a:bodyPr/>
+          <a:lstStyle/>
+          <a:p>
+            <a:endParaRPr lang="en-US" dirty="0"/>
+          </a:p>
+        </p:txBody>
+      </p:sp>
+      <p:sp>
+        <p:nvSpPr>
+          <p:cNvPr id="4" name="Slide Number Placeholder 3"/>
+          <p:cNvSpPr>
+            <a:spLocks noGrp="1"/>
+          </p:cNvSpPr>
+          <p:nvPr>
+            <p:ph type="sldNum" sz="quarter" idx="5"/>
+          </p:nvPr>
+        </p:nvSpPr>
+        <p:spPr/>
+        <p:txBody>
+          <a:bodyPr/>
+          <a:lstStyle/>
+          <a:p>
+            <a:fld id="{5228EBE8-9ACC-4AC1-A3FB-76C5993282A9}" type="slidenum">
+              <a:rPr lang="en-US" smtClean="0"/>
+              <a:t>7</a:t>
+            </a:fld>
+            <a:endParaRPr lang="en-US"/>
+          </a:p>
+        </p:txBody>
+      </p:sp>
+    </p:spTree>
+    <p:extLst>
+      <p:ext uri="{BB962C8B-B14F-4D97-AF65-F5344CB8AC3E}">
+        <p14:creationId xmlns:p14="http://schemas.microsoft.com/office/powerpoint/2010/main" val="3699688200"/>
+      </p:ext>
+    </p:extLst>
+  </p:cSld>
+  <p:clrMapOvr>
+    <a:masterClrMapping/>
+  </p:clrMapOvr>
+</p:notes>
 </file>
 
 <file path=ppt/slideLayouts/slideLayout1.xml><?xml version="1.0" encoding="utf-8"?>
@@ -256,7 +1037,7 @@
           <a:p>
             <a:fld id="{BA5608F2-7880-4366-A24C-CEFB83BDBAA1}" type="datetimeFigureOut">
               <a:rPr lang="en-US" smtClean="0"/>
-              <a:t>10/6/2023</a:t>
+              <a:t>10/8/2023</a:t>
             </a:fld>
             <a:endParaRPr lang="en-US"/>
           </a:p>
@@ -454,7 +1235,7 @@
           <a:p>
             <a:fld id="{BA5608F2-7880-4366-A24C-CEFB83BDBAA1}" type="datetimeFigureOut">
               <a:rPr lang="en-US" smtClean="0"/>
-              <a:t>10/6/2023</a:t>
+              <a:t>10/8/2023</a:t>
             </a:fld>
             <a:endParaRPr lang="en-US"/>
           </a:p>
@@ -662,7 +1443,7 @@
           <a:p>
             <a:fld id="{BA5608F2-7880-4366-A24C-CEFB83BDBAA1}" type="datetimeFigureOut">
               <a:rPr lang="en-US" smtClean="0"/>
-              <a:t>10/6/2023</a:t>
+              <a:t>10/8/2023</a:t>
             </a:fld>
             <a:endParaRPr lang="en-US"/>
           </a:p>
@@ -860,7 +1641,7 @@
           <a:p>
             <a:fld id="{BA5608F2-7880-4366-A24C-CEFB83BDBAA1}" type="datetimeFigureOut">
               <a:rPr lang="en-US" smtClean="0"/>
-              <a:t>10/6/2023</a:t>
+              <a:t>10/8/2023</a:t>
             </a:fld>
             <a:endParaRPr lang="en-US"/>
           </a:p>
@@ -1135,7 +1916,7 @@
           <a:p>
             <a:fld id="{BA5608F2-7880-4366-A24C-CEFB83BDBAA1}" type="datetimeFigureOut">
               <a:rPr lang="en-US" smtClean="0"/>
-              <a:t>10/6/2023</a:t>
+              <a:t>10/8/2023</a:t>
             </a:fld>
             <a:endParaRPr lang="en-US"/>
           </a:p>
@@ -1400,7 +2181,7 @@
           <a:p>
             <a:fld id="{BA5608F2-7880-4366-A24C-CEFB83BDBAA1}" type="datetimeFigureOut">
               <a:rPr lang="en-US" smtClean="0"/>
-              <a:t>10/6/2023</a:t>
+              <a:t>10/8/2023</a:t>
             </a:fld>
             <a:endParaRPr lang="en-US"/>
           </a:p>
@@ -1812,7 +2593,7 @@
           <a:p>
             <a:fld id="{BA5608F2-7880-4366-A24C-CEFB83BDBAA1}" type="datetimeFigureOut">
               <a:rPr lang="en-US" smtClean="0"/>
-              <a:t>10/6/2023</a:t>
+              <a:t>10/8/2023</a:t>
             </a:fld>
             <a:endParaRPr lang="en-US"/>
           </a:p>
@@ -1953,7 +2734,7 @@
           <a:p>
             <a:fld id="{BA5608F2-7880-4366-A24C-CEFB83BDBAA1}" type="datetimeFigureOut">
               <a:rPr lang="en-US" smtClean="0"/>
-              <a:t>10/6/2023</a:t>
+              <a:t>10/8/2023</a:t>
             </a:fld>
             <a:endParaRPr lang="en-US"/>
           </a:p>
@@ -2066,7 +2847,7 @@
           <a:p>
             <a:fld id="{BA5608F2-7880-4366-A24C-CEFB83BDBAA1}" type="datetimeFigureOut">
               <a:rPr lang="en-US" smtClean="0"/>
-              <a:t>10/6/2023</a:t>
+              <a:t>10/8/2023</a:t>
             </a:fld>
             <a:endParaRPr lang="en-US"/>
           </a:p>
@@ -2377,7 +3158,7 @@
           <a:p>
             <a:fld id="{BA5608F2-7880-4366-A24C-CEFB83BDBAA1}" type="datetimeFigureOut">
               <a:rPr lang="en-US" smtClean="0"/>
-              <a:t>10/6/2023</a:t>
+              <a:t>10/8/2023</a:t>
             </a:fld>
             <a:endParaRPr lang="en-US"/>
           </a:p>
@@ -2665,7 +3446,7 @@
           <a:p>
             <a:fld id="{BA5608F2-7880-4366-A24C-CEFB83BDBAA1}" type="datetimeFigureOut">
               <a:rPr lang="en-US" smtClean="0"/>
-              <a:t>10/6/2023</a:t>
+              <a:t>10/8/2023</a:t>
             </a:fld>
             <a:endParaRPr lang="en-US"/>
           </a:p>
@@ -2906,7 +3687,7 @@
           <a:p>
             <a:fld id="{BA5608F2-7880-4366-A24C-CEFB83BDBAA1}" type="datetimeFigureOut">
               <a:rPr lang="en-US" smtClean="0"/>
-              <a:t>10/6/2023</a:t>
+              <a:t>10/8/2023</a:t>
             </a:fld>
             <a:endParaRPr lang="en-US"/>
           </a:p>
@@ -3621,6 +4402,7 @@
         </p:nvPicPr>
         <p:blipFill rotWithShape="1">
           <a:blip r:embed="rId10">
+            <a:alphaModFix amt="20000"/>
             <a:extLst>
               <a:ext uri="{BEBA8EAE-BF5A-486C-A8C5-ECC9F3942E4B}">
                 <a14:imgProps xmlns:a14="http://schemas.microsoft.com/office/drawing/2010/main">
@@ -3718,6 +4500,7 @@
         </p:nvPicPr>
         <p:blipFill rotWithShape="1">
           <a:blip r:embed="rId11">
+            <a:alphaModFix amt="20000"/>
             <a:extLst>
               <a:ext uri="{BEBA8EAE-BF5A-486C-A8C5-ECC9F3942E4B}">
                 <a14:imgProps xmlns:a14="http://schemas.microsoft.com/office/drawing/2010/main">
@@ -3841,7 +4624,7 @@
         </p:blipFill>
         <p:spPr>
           <a:xfrm rot="893319">
-            <a:off x="414027" y="5109094"/>
+            <a:off x="6765834" y="4249407"/>
             <a:ext cx="1929636" cy="1577401"/>
           </a:xfrm>
           <a:prstGeom prst="rect">
@@ -3865,6 +4648,7 @@
         </p:nvPicPr>
         <p:blipFill rotWithShape="1">
           <a:blip r:embed="rId12">
+            <a:alphaModFix amt="20000"/>
             <a:extLst>
               <a:ext uri="{BEBA8EAE-BF5A-486C-A8C5-ECC9F3942E4B}">
                 <a14:imgProps xmlns:a14="http://schemas.microsoft.com/office/drawing/2010/main">
@@ -4035,7 +4819,7 @@
         </p:blipFill>
         <p:spPr>
           <a:xfrm>
-            <a:off x="416892" y="6875912"/>
+            <a:off x="2056682" y="5618722"/>
             <a:ext cx="1175658" cy="961053"/>
           </a:xfrm>
           <a:prstGeom prst="rect">
@@ -4270,7 +5054,7 @@
         </p:blipFill>
         <p:spPr>
           <a:xfrm rot="893319">
-            <a:off x="10517740" y="7408035"/>
+            <a:off x="10351434" y="7480969"/>
             <a:ext cx="1175658" cy="961054"/>
           </a:xfrm>
           <a:prstGeom prst="rect">
@@ -4792,9 +5576,9 @@
           <a:stretch/>
         </p:blipFill>
         <p:spPr>
-          <a:xfrm rot="14162175">
-            <a:off x="3154611" y="7787647"/>
-            <a:ext cx="2060677" cy="1684522"/>
+          <a:xfrm rot="11864873">
+            <a:off x="2816974" y="1205174"/>
+            <a:ext cx="1711000" cy="1398675"/>
           </a:xfrm>
           <a:prstGeom prst="rect">
             <a:avLst/>
@@ -4943,7 +5727,7 @@
         </p:blipFill>
         <p:spPr>
           <a:xfrm rot="8331144">
-            <a:off x="7299840" y="7468429"/>
+            <a:off x="7370160" y="7306557"/>
             <a:ext cx="1194319" cy="1231642"/>
           </a:xfrm>
           <a:prstGeom prst="rect">
@@ -5036,8 +5820,8 @@
           <a:stretch/>
         </p:blipFill>
         <p:spPr>
-          <a:xfrm>
-            <a:off x="979602" y="3705767"/>
+          <a:xfrm rot="3234005">
+            <a:off x="773571" y="4350031"/>
             <a:ext cx="1194319" cy="1231642"/>
           </a:xfrm>
           <a:prstGeom prst="rect">
@@ -5106,7 +5890,7 @@
         </p:nvSpPr>
         <p:spPr>
           <a:xfrm>
-            <a:off x="1943260" y="2497976"/>
+            <a:off x="1943260" y="2446811"/>
             <a:ext cx="8305479" cy="1862048"/>
           </a:xfrm>
           <a:prstGeom prst="rect">
@@ -5236,526 +6020,6 @@
           </a:prstGeom>
         </p:spPr>
       </p:pic>
-      <p:pic>
-        <p:nvPicPr>
-          <p:cNvPr id="26" name="Picture 25">
-            <a:extLst>
-              <a:ext uri="{FF2B5EF4-FFF2-40B4-BE49-F238E27FC236}">
-                <a16:creationId xmlns:a16="http://schemas.microsoft.com/office/drawing/2014/main" id="{FD5D1E56-3F20-1A4B-54E8-C3D95A31885B}"/>
-              </a:ext>
-            </a:extLst>
-          </p:cNvPr>
-          <p:cNvPicPr>
-            <a:picLocks noChangeAspect="1"/>
-          </p:cNvPicPr>
-          <p:nvPr/>
-        </p:nvPicPr>
-        <p:blipFill rotWithShape="1">
-          <a:blip r:embed="rId4">
-            <a:extLst>
-              <a:ext uri="{BEBA8EAE-BF5A-486C-A8C5-ECC9F3942E4B}">
-                <a14:imgProps xmlns:a14="http://schemas.microsoft.com/office/drawing/2010/main">
-                  <a14:imgLayer r:embed="rId3">
-                    <a14:imgEffect>
-                      <a14:sharpenSoften amount="50000"/>
-                    </a14:imgEffect>
-                    <a14:imgEffect>
-                      <a14:colorTemperature colorTemp="4700"/>
-                    </a14:imgEffect>
-                  </a14:imgLayer>
-                </a14:imgProps>
-              </a:ext>
-              <a:ext uri="{28A0092B-C50C-407E-A947-70E740481C1C}">
-                <a14:useLocalDpi xmlns:a14="http://schemas.microsoft.com/office/drawing/2010/main" val="0"/>
-              </a:ext>
-            </a:extLst>
-          </a:blip>
-          <a:srcRect l="41247" t="42993" r="41610" b="43401"/>
-          <a:stretch/>
-        </p:blipFill>
-        <p:spPr>
-          <a:xfrm>
-            <a:off x="2292346" y="7090838"/>
-            <a:ext cx="1175657" cy="933063"/>
-          </a:xfrm>
-          <a:prstGeom prst="rect">
-            <a:avLst/>
-          </a:prstGeom>
-        </p:spPr>
-      </p:pic>
-      <p:pic>
-        <p:nvPicPr>
-          <p:cNvPr id="27" name="Picture 26">
-            <a:extLst>
-              <a:ext uri="{FF2B5EF4-FFF2-40B4-BE49-F238E27FC236}">
-                <a16:creationId xmlns:a16="http://schemas.microsoft.com/office/drawing/2014/main" id="{CD888F92-3897-625E-617A-3AC97FB644E2}"/>
-              </a:ext>
-            </a:extLst>
-          </p:cNvPr>
-          <p:cNvPicPr>
-            <a:picLocks noChangeAspect="1"/>
-          </p:cNvPicPr>
-          <p:nvPr/>
-        </p:nvPicPr>
-        <p:blipFill rotWithShape="1">
-          <a:blip r:embed="rId5">
-            <a:extLst>
-              <a:ext uri="{BEBA8EAE-BF5A-486C-A8C5-ECC9F3942E4B}">
-                <a14:imgProps xmlns:a14="http://schemas.microsoft.com/office/drawing/2010/main">
-                  <a14:imgLayer r:embed="rId6">
-                    <a14:imgEffect>
-                      <a14:sharpenSoften amount="50000"/>
-                    </a14:imgEffect>
-                    <a14:imgEffect>
-                      <a14:colorTemperature colorTemp="4700"/>
-                    </a14:imgEffect>
-                  </a14:imgLayer>
-                </a14:imgProps>
-              </a:ext>
-              <a:ext uri="{28A0092B-C50C-407E-A947-70E740481C1C}">
-                <a14:useLocalDpi xmlns:a14="http://schemas.microsoft.com/office/drawing/2010/main" val="0"/>
-              </a:ext>
-            </a:extLst>
-          </a:blip>
-          <a:srcRect l="41383" t="43129" r="41474" b="42858"/>
-          <a:stretch/>
-        </p:blipFill>
-        <p:spPr>
-          <a:xfrm>
-            <a:off x="416892" y="6875912"/>
-            <a:ext cx="1175658" cy="961053"/>
-          </a:xfrm>
-          <a:prstGeom prst="rect">
-            <a:avLst/>
-          </a:prstGeom>
-        </p:spPr>
-      </p:pic>
-      <p:pic>
-        <p:nvPicPr>
-          <p:cNvPr id="28" name="Picture 27">
-            <a:extLst>
-              <a:ext uri="{FF2B5EF4-FFF2-40B4-BE49-F238E27FC236}">
-                <a16:creationId xmlns:a16="http://schemas.microsoft.com/office/drawing/2014/main" id="{CF53269D-A937-A763-3D8A-937F61022524}"/>
-              </a:ext>
-            </a:extLst>
-          </p:cNvPr>
-          <p:cNvPicPr>
-            <a:picLocks noChangeAspect="1"/>
-          </p:cNvPicPr>
-          <p:nvPr/>
-        </p:nvPicPr>
-        <p:blipFill rotWithShape="1">
-          <a:blip r:embed="rId7">
-            <a:extLst>
-              <a:ext uri="{BEBA8EAE-BF5A-486C-A8C5-ECC9F3942E4B}">
-                <a14:imgProps xmlns:a14="http://schemas.microsoft.com/office/drawing/2010/main">
-                  <a14:imgLayer r:embed="rId8">
-                    <a14:imgEffect>
-                      <a14:sharpenSoften amount="50000"/>
-                    </a14:imgEffect>
-                    <a14:imgEffect>
-                      <a14:colorTemperature colorTemp="4700"/>
-                    </a14:imgEffect>
-                  </a14:imgLayer>
-                </a14:imgProps>
-              </a:ext>
-              <a:ext uri="{28A0092B-C50C-407E-A947-70E740481C1C}">
-                <a14:useLocalDpi xmlns:a14="http://schemas.microsoft.com/office/drawing/2010/main" val="0"/>
-              </a:ext>
-            </a:extLst>
-          </a:blip>
-          <a:srcRect l="42063" t="42857" r="40794" b="43129"/>
-          <a:stretch/>
-        </p:blipFill>
-        <p:spPr>
-          <a:xfrm rot="14162175">
-            <a:off x="1229822" y="10480741"/>
-            <a:ext cx="1175658" cy="961054"/>
-          </a:xfrm>
-          <a:prstGeom prst="rect">
-            <a:avLst/>
-          </a:prstGeom>
-        </p:spPr>
-      </p:pic>
-      <p:pic>
-        <p:nvPicPr>
-          <p:cNvPr id="30" name="Picture 29">
-            <a:extLst>
-              <a:ext uri="{FF2B5EF4-FFF2-40B4-BE49-F238E27FC236}">
-                <a16:creationId xmlns:a16="http://schemas.microsoft.com/office/drawing/2014/main" id="{CBB22A0C-2845-4A3F-783E-909445A0BB37}"/>
-              </a:ext>
-            </a:extLst>
-          </p:cNvPr>
-          <p:cNvPicPr>
-            <a:picLocks noChangeAspect="1"/>
-          </p:cNvPicPr>
-          <p:nvPr/>
-        </p:nvPicPr>
-        <p:blipFill rotWithShape="1">
-          <a:blip r:embed="rId4">
-            <a:extLst>
-              <a:ext uri="{BEBA8EAE-BF5A-486C-A8C5-ECC9F3942E4B}">
-                <a14:imgProps xmlns:a14="http://schemas.microsoft.com/office/drawing/2010/main">
-                  <a14:imgLayer r:embed="rId3">
-                    <a14:imgEffect>
-                      <a14:sharpenSoften amount="50000"/>
-                    </a14:imgEffect>
-                    <a14:imgEffect>
-                      <a14:colorTemperature colorTemp="4700"/>
-                    </a14:imgEffect>
-                  </a14:imgLayer>
-                </a14:imgProps>
-              </a:ext>
-              <a:ext uri="{28A0092B-C50C-407E-A947-70E740481C1C}">
-                <a14:useLocalDpi xmlns:a14="http://schemas.microsoft.com/office/drawing/2010/main" val="0"/>
-              </a:ext>
-            </a:extLst>
-          </a:blip>
-          <a:srcRect l="41247" t="42993" r="41610" b="43401"/>
-          <a:stretch/>
-        </p:blipFill>
-        <p:spPr>
-          <a:xfrm rot="8331144">
-            <a:off x="8650655" y="11710299"/>
-            <a:ext cx="1175657" cy="933063"/>
-          </a:xfrm>
-          <a:prstGeom prst="rect">
-            <a:avLst/>
-          </a:prstGeom>
-        </p:spPr>
-      </p:pic>
-      <p:pic>
-        <p:nvPicPr>
-          <p:cNvPr id="31" name="Picture 30">
-            <a:extLst>
-              <a:ext uri="{FF2B5EF4-FFF2-40B4-BE49-F238E27FC236}">
-                <a16:creationId xmlns:a16="http://schemas.microsoft.com/office/drawing/2014/main" id="{3EAC872E-7E25-96E7-9340-FBB1E9172CEB}"/>
-              </a:ext>
-            </a:extLst>
-          </p:cNvPr>
-          <p:cNvPicPr>
-            <a:picLocks noChangeAspect="1"/>
-          </p:cNvPicPr>
-          <p:nvPr/>
-        </p:nvPicPr>
-        <p:blipFill rotWithShape="1">
-          <a:blip r:embed="rId5">
-            <a:extLst>
-              <a:ext uri="{BEBA8EAE-BF5A-486C-A8C5-ECC9F3942E4B}">
-                <a14:imgProps xmlns:a14="http://schemas.microsoft.com/office/drawing/2010/main">
-                  <a14:imgLayer r:embed="rId6">
-                    <a14:imgEffect>
-                      <a14:sharpenSoften amount="50000"/>
-                    </a14:imgEffect>
-                    <a14:imgEffect>
-                      <a14:colorTemperature colorTemp="4700"/>
-                    </a14:imgEffect>
-                  </a14:imgLayer>
-                </a14:imgProps>
-              </a:ext>
-              <a:ext uri="{28A0092B-C50C-407E-A947-70E740481C1C}">
-                <a14:useLocalDpi xmlns:a14="http://schemas.microsoft.com/office/drawing/2010/main" val="0"/>
-              </a:ext>
-            </a:extLst>
-          </a:blip>
-          <a:srcRect l="41383" t="43129" r="41474" b="42858"/>
-          <a:stretch/>
-        </p:blipFill>
-        <p:spPr>
-          <a:xfrm rot="8331144">
-            <a:off x="10195116" y="10613558"/>
-            <a:ext cx="1175658" cy="961053"/>
-          </a:xfrm>
-          <a:prstGeom prst="rect">
-            <a:avLst/>
-          </a:prstGeom>
-        </p:spPr>
-      </p:pic>
-      <p:pic>
-        <p:nvPicPr>
-          <p:cNvPr id="33" name="Picture 32">
-            <a:extLst>
-              <a:ext uri="{FF2B5EF4-FFF2-40B4-BE49-F238E27FC236}">
-                <a16:creationId xmlns:a16="http://schemas.microsoft.com/office/drawing/2014/main" id="{A18F786F-70E0-3A9A-C1B9-EB811771F057}"/>
-              </a:ext>
-            </a:extLst>
-          </p:cNvPr>
-          <p:cNvPicPr>
-            <a:picLocks noChangeAspect="1"/>
-          </p:cNvPicPr>
-          <p:nvPr/>
-        </p:nvPicPr>
-        <p:blipFill rotWithShape="1">
-          <a:blip r:embed="rId9">
-            <a:extLst>
-              <a:ext uri="{BEBA8EAE-BF5A-486C-A8C5-ECC9F3942E4B}">
-                <a14:imgProps xmlns:a14="http://schemas.microsoft.com/office/drawing/2010/main">
-                  <a14:imgLayer r:embed="rId10">
-                    <a14:imgEffect>
-                      <a14:sharpenSoften amount="50000"/>
-                    </a14:imgEffect>
-                    <a14:imgEffect>
-                      <a14:colorTemperature colorTemp="4700"/>
-                    </a14:imgEffect>
-                  </a14:imgLayer>
-                </a14:imgProps>
-              </a:ext>
-              <a:ext uri="{28A0092B-C50C-407E-A947-70E740481C1C}">
-                <a14:useLocalDpi xmlns:a14="http://schemas.microsoft.com/office/drawing/2010/main" val="0"/>
-              </a:ext>
-            </a:extLst>
-          </a:blip>
-          <a:srcRect l="41247" t="41497" r="41338" b="40544"/>
-          <a:stretch/>
-        </p:blipFill>
-        <p:spPr>
-          <a:xfrm rot="8331144">
-            <a:off x="9162852" y="9831590"/>
-            <a:ext cx="1194319" cy="1231642"/>
-          </a:xfrm>
-          <a:prstGeom prst="rect">
-            <a:avLst/>
-          </a:prstGeom>
-        </p:spPr>
-      </p:pic>
-      <p:pic>
-        <p:nvPicPr>
-          <p:cNvPr id="36" name="Picture 35">
-            <a:extLst>
-              <a:ext uri="{FF2B5EF4-FFF2-40B4-BE49-F238E27FC236}">
-                <a16:creationId xmlns:a16="http://schemas.microsoft.com/office/drawing/2014/main" id="{F1E952A1-279E-9345-E7F3-5050C9F8C722}"/>
-              </a:ext>
-            </a:extLst>
-          </p:cNvPr>
-          <p:cNvPicPr>
-            <a:picLocks noChangeAspect="1"/>
-          </p:cNvPicPr>
-          <p:nvPr/>
-        </p:nvPicPr>
-        <p:blipFill rotWithShape="1">
-          <a:blip r:embed="rId7">
-            <a:extLst>
-              <a:ext uri="{BEBA8EAE-BF5A-486C-A8C5-ECC9F3942E4B}">
-                <a14:imgProps xmlns:a14="http://schemas.microsoft.com/office/drawing/2010/main">
-                  <a14:imgLayer r:embed="rId8">
-                    <a14:imgEffect>
-                      <a14:sharpenSoften amount="50000"/>
-                    </a14:imgEffect>
-                    <a14:imgEffect>
-                      <a14:colorTemperature colorTemp="4700"/>
-                    </a14:imgEffect>
-                  </a14:imgLayer>
-                </a14:imgProps>
-              </a:ext>
-              <a:ext uri="{28A0092B-C50C-407E-A947-70E740481C1C}">
-                <a14:useLocalDpi xmlns:a14="http://schemas.microsoft.com/office/drawing/2010/main" val="0"/>
-              </a:ext>
-            </a:extLst>
-          </a:blip>
-          <a:srcRect l="42063" t="42857" r="40794" b="43129"/>
-          <a:stretch/>
-        </p:blipFill>
-        <p:spPr>
-          <a:xfrm rot="14162175">
-            <a:off x="2683716" y="9315092"/>
-            <a:ext cx="1175658" cy="961054"/>
-          </a:xfrm>
-          <a:prstGeom prst="rect">
-            <a:avLst/>
-          </a:prstGeom>
-        </p:spPr>
-      </p:pic>
-      <p:pic>
-        <p:nvPicPr>
-          <p:cNvPr id="37" name="Picture 36">
-            <a:extLst>
-              <a:ext uri="{FF2B5EF4-FFF2-40B4-BE49-F238E27FC236}">
-                <a16:creationId xmlns:a16="http://schemas.microsoft.com/office/drawing/2014/main" id="{36EA4CAB-0C4E-DA0A-524D-ABDE221CBE73}"/>
-              </a:ext>
-            </a:extLst>
-          </p:cNvPr>
-          <p:cNvPicPr>
-            <a:picLocks noChangeAspect="1"/>
-          </p:cNvPicPr>
-          <p:nvPr/>
-        </p:nvPicPr>
-        <p:blipFill rotWithShape="1">
-          <a:blip r:embed="rId9">
-            <a:extLst>
-              <a:ext uri="{BEBA8EAE-BF5A-486C-A8C5-ECC9F3942E4B}">
-                <a14:imgProps xmlns:a14="http://schemas.microsoft.com/office/drawing/2010/main">
-                  <a14:imgLayer r:embed="rId10">
-                    <a14:imgEffect>
-                      <a14:sharpenSoften amount="50000"/>
-                    </a14:imgEffect>
-                    <a14:imgEffect>
-                      <a14:colorTemperature colorTemp="4700"/>
-                    </a14:imgEffect>
-                  </a14:imgLayer>
-                </a14:imgProps>
-              </a:ext>
-              <a:ext uri="{28A0092B-C50C-407E-A947-70E740481C1C}">
-                <a14:useLocalDpi xmlns:a14="http://schemas.microsoft.com/office/drawing/2010/main" val="0"/>
-              </a:ext>
-            </a:extLst>
-          </a:blip>
-          <a:srcRect l="41247" t="41497" r="41338" b="40544"/>
-          <a:stretch/>
-        </p:blipFill>
-        <p:spPr>
-          <a:xfrm>
-            <a:off x="3424952" y="11292731"/>
-            <a:ext cx="1194319" cy="1231642"/>
-          </a:xfrm>
-          <a:prstGeom prst="rect">
-            <a:avLst/>
-          </a:prstGeom>
-        </p:spPr>
-      </p:pic>
-      <p:pic>
-        <p:nvPicPr>
-          <p:cNvPr id="38" name="Picture 37">
-            <a:extLst>
-              <a:ext uri="{FF2B5EF4-FFF2-40B4-BE49-F238E27FC236}">
-                <a16:creationId xmlns:a16="http://schemas.microsoft.com/office/drawing/2014/main" id="{2D57DE14-AC2C-9F4E-F482-FA250CE14DDB}"/>
-              </a:ext>
-            </a:extLst>
-          </p:cNvPr>
-          <p:cNvPicPr>
-            <a:picLocks noChangeAspect="1"/>
-          </p:cNvPicPr>
-          <p:nvPr/>
-        </p:nvPicPr>
-        <p:blipFill rotWithShape="1">
-          <a:blip r:embed="rId7">
-            <a:extLst>
-              <a:ext uri="{BEBA8EAE-BF5A-486C-A8C5-ECC9F3942E4B}">
-                <a14:imgProps xmlns:a14="http://schemas.microsoft.com/office/drawing/2010/main">
-                  <a14:imgLayer r:embed="rId8">
-                    <a14:imgEffect>
-                      <a14:sharpenSoften amount="50000"/>
-                    </a14:imgEffect>
-                    <a14:imgEffect>
-                      <a14:colorTemperature colorTemp="4700"/>
-                    </a14:imgEffect>
-                  </a14:imgLayer>
-                </a14:imgProps>
-              </a:ext>
-              <a:ext uri="{28A0092B-C50C-407E-A947-70E740481C1C}">
-                <a14:useLocalDpi xmlns:a14="http://schemas.microsoft.com/office/drawing/2010/main" val="0"/>
-              </a:ext>
-            </a:extLst>
-          </a:blip>
-          <a:srcRect l="42063" t="42857" r="40794" b="43129"/>
-          <a:stretch/>
-        </p:blipFill>
-        <p:spPr>
-          <a:xfrm rot="893319">
-            <a:off x="110997" y="11362195"/>
-            <a:ext cx="1175658" cy="961054"/>
-          </a:xfrm>
-          <a:prstGeom prst="rect">
-            <a:avLst/>
-          </a:prstGeom>
-        </p:spPr>
-      </p:pic>
-      <p:pic>
-        <p:nvPicPr>
-          <p:cNvPr id="41" name="Picture 40">
-            <a:extLst>
-              <a:ext uri="{FF2B5EF4-FFF2-40B4-BE49-F238E27FC236}">
-                <a16:creationId xmlns:a16="http://schemas.microsoft.com/office/drawing/2014/main" id="{98113504-1AAF-BC1E-098C-4F91E902BC17}"/>
-              </a:ext>
-            </a:extLst>
-          </p:cNvPr>
-          <p:cNvPicPr>
-            <a:picLocks noChangeAspect="1"/>
-          </p:cNvPicPr>
-          <p:nvPr/>
-        </p:nvPicPr>
-        <p:blipFill rotWithShape="1">
-          <a:blip r:embed="rId9">
-            <a:extLst>
-              <a:ext uri="{BEBA8EAE-BF5A-486C-A8C5-ECC9F3942E4B}">
-                <a14:imgProps xmlns:a14="http://schemas.microsoft.com/office/drawing/2010/main">
-                  <a14:imgLayer r:embed="rId10">
-                    <a14:imgEffect>
-                      <a14:sharpenSoften amount="50000"/>
-                    </a14:imgEffect>
-                    <a14:imgEffect>
-                      <a14:colorTemperature colorTemp="4700"/>
-                    </a14:imgEffect>
-                  </a14:imgLayer>
-                </a14:imgProps>
-              </a:ext>
-              <a:ext uri="{28A0092B-C50C-407E-A947-70E740481C1C}">
-                <a14:useLocalDpi xmlns:a14="http://schemas.microsoft.com/office/drawing/2010/main" val="0"/>
-              </a:ext>
-            </a:extLst>
-          </a:blip>
-          <a:srcRect l="41247" t="41497" r="41338" b="40544"/>
-          <a:stretch/>
-        </p:blipFill>
-        <p:spPr>
-          <a:xfrm rot="8331144">
-            <a:off x="6117558" y="8276034"/>
-            <a:ext cx="1194319" cy="1231642"/>
-          </a:xfrm>
-          <a:prstGeom prst="rect">
-            <a:avLst/>
-          </a:prstGeom>
-        </p:spPr>
-      </p:pic>
-      <p:pic>
-        <p:nvPicPr>
-          <p:cNvPr id="48" name="Picture 47">
-            <a:extLst>
-              <a:ext uri="{FF2B5EF4-FFF2-40B4-BE49-F238E27FC236}">
-                <a16:creationId xmlns:a16="http://schemas.microsoft.com/office/drawing/2014/main" id="{B08BE48C-E818-D7E1-6221-F380CB088713}"/>
-              </a:ext>
-            </a:extLst>
-          </p:cNvPr>
-          <p:cNvPicPr>
-            <a:picLocks noChangeAspect="1"/>
-          </p:cNvPicPr>
-          <p:nvPr/>
-        </p:nvPicPr>
-        <p:blipFill rotWithShape="1">
-          <a:blip r:embed="rId11">
-            <a:extLst>
-              <a:ext uri="{BEBA8EAE-BF5A-486C-A8C5-ECC9F3942E4B}">
-                <a14:imgProps xmlns:a14="http://schemas.microsoft.com/office/drawing/2010/main">
-                  <a14:imgLayer r:embed="rId10">
-                    <a14:imgEffect>
-                      <a14:artisticBlur/>
-                    </a14:imgEffect>
-                    <a14:imgEffect>
-                      <a14:sharpenSoften amount="50000"/>
-                    </a14:imgEffect>
-                    <a14:imgEffect>
-                      <a14:colorTemperature colorTemp="4700"/>
-                    </a14:imgEffect>
-                  </a14:imgLayer>
-                </a14:imgProps>
-              </a:ext>
-              <a:ext uri="{28A0092B-C50C-407E-A947-70E740481C1C}">
-                <a14:useLocalDpi xmlns:a14="http://schemas.microsoft.com/office/drawing/2010/main" val="0"/>
-              </a:ext>
-            </a:extLst>
-          </a:blip>
-          <a:srcRect l="41247" t="41497" r="41338" b="40544"/>
-          <a:stretch/>
-        </p:blipFill>
-        <p:spPr>
-          <a:xfrm>
-            <a:off x="4607234" y="9537697"/>
-            <a:ext cx="2113038" cy="2179071"/>
-          </a:xfrm>
-          <a:prstGeom prst="rect">
-            <a:avLst/>
-          </a:prstGeom>
-        </p:spPr>
-      </p:pic>
       <p:sp>
         <p:nvSpPr>
           <p:cNvPr id="51" name="TextBox 50">
@@ -5770,8 +6034,8 @@
         </p:nvSpPr>
         <p:spPr>
           <a:xfrm>
-            <a:off x="1347246" y="2399710"/>
-            <a:ext cx="5647881" cy="3416320"/>
+            <a:off x="2213888" y="2056304"/>
+            <a:ext cx="5412820" cy="3293209"/>
           </a:xfrm>
           <a:prstGeom prst="rect">
             <a:avLst/>
@@ -5785,7 +6049,7 @@
           <a:lstStyle/>
           <a:p>
             <a:r>
-              <a:rPr lang="en-PH" sz="5400" dirty="0" err="1">
+              <a:rPr lang="en-PH" sz="4400" dirty="0" err="1">
                 <a:solidFill>
                   <a:schemeClr val="accent6">
                     <a:lumMod val="50000"/>
@@ -5797,7 +6061,7 @@
               <a:t>db</a:t>
             </a:r>
             <a:r>
-              <a:rPr lang="en-PH" sz="5400" dirty="0">
+              <a:rPr lang="en-PH" sz="4400" dirty="0">
                 <a:solidFill>
                   <a:schemeClr val="accent6">
                     <a:lumMod val="50000"/>
@@ -5808,8 +6072,10 @@
               </a:rPr>
               <a:t> means </a:t>
             </a:r>
+          </a:p>
+          <a:p>
             <a:r>
-              <a:rPr lang="en-PH" sz="5400" dirty="0">
+              <a:rPr lang="en-PH" sz="4400" dirty="0">
                 <a:solidFill>
                   <a:schemeClr val="accent6">
                     <a:lumMod val="50000"/>
@@ -5822,7 +6088,7 @@
               <a:t>database</a:t>
             </a:r>
             <a:r>
-              <a:rPr lang="en-PH" sz="5400" dirty="0">
+              <a:rPr lang="en-PH" sz="4400" dirty="0">
                 <a:solidFill>
                   <a:schemeClr val="accent6">
                     <a:lumMod val="50000"/>
@@ -5847,7 +6113,7 @@
           </a:p>
           <a:p>
             <a:r>
-              <a:rPr lang="en-PH" sz="5400" dirty="0">
+              <a:rPr lang="en-PH" sz="6000" dirty="0">
                 <a:solidFill>
                   <a:schemeClr val="accent6">
                     <a:lumMod val="50000"/>
@@ -5858,7 +6124,7 @@
               </a:rPr>
               <a:t>Yes, I store data!</a:t>
             </a:r>
-            <a:endParaRPr lang="en-US" sz="5400" dirty="0">
+            <a:endParaRPr lang="en-US" sz="6000" dirty="0">
               <a:solidFill>
                 <a:schemeClr val="accent6">
                   <a:lumMod val="50000"/>
@@ -5956,7 +6222,7 @@
         </p:blipFill>
         <p:spPr>
           <a:xfrm>
-            <a:off x="3726704" y="-638445"/>
+            <a:off x="3335213" y="-586173"/>
             <a:ext cx="920625" cy="752573"/>
           </a:xfrm>
           <a:prstGeom prst="rect">
@@ -5970,6 +6236,147 @@
             <a:extLst>
               <a:ext uri="{FF2B5EF4-FFF2-40B4-BE49-F238E27FC236}">
                 <a16:creationId xmlns:a16="http://schemas.microsoft.com/office/drawing/2014/main" id="{03660ABE-FE91-5769-2731-E6721BD9B65B}"/>
+              </a:ext>
+            </a:extLst>
+          </p:cNvPr>
+          <p:cNvPicPr>
+            <a:picLocks noChangeAspect="1"/>
+          </p:cNvPicPr>
+          <p:nvPr/>
+        </p:nvPicPr>
+        <p:blipFill rotWithShape="1">
+          <a:blip r:embed="rId7">
+            <a:extLst>
+              <a:ext uri="{BEBA8EAE-BF5A-486C-A8C5-ECC9F3942E4B}">
+                <a14:imgProps xmlns:a14="http://schemas.microsoft.com/office/drawing/2010/main">
+                  <a14:imgLayer r:embed="rId8">
+                    <a14:imgEffect>
+                      <a14:sharpenSoften amount="50000"/>
+                    </a14:imgEffect>
+                    <a14:imgEffect>
+                      <a14:colorTemperature colorTemp="4700"/>
+                    </a14:imgEffect>
+                  </a14:imgLayer>
+                </a14:imgProps>
+              </a:ext>
+              <a:ext uri="{28A0092B-C50C-407E-A947-70E740481C1C}">
+                <a14:useLocalDpi xmlns:a14="http://schemas.microsoft.com/office/drawing/2010/main" val="0"/>
+              </a:ext>
+            </a:extLst>
+          </a:blip>
+          <a:srcRect l="41247" t="41497" r="41338" b="40544"/>
+          <a:stretch/>
+        </p:blipFill>
+        <p:spPr>
+          <a:xfrm>
+            <a:off x="6153239" y="-346696"/>
+            <a:ext cx="935237" cy="964464"/>
+          </a:xfrm>
+          <a:prstGeom prst="rect">
+            <a:avLst/>
+          </a:prstGeom>
+        </p:spPr>
+      </p:pic>
+      <p:pic>
+        <p:nvPicPr>
+          <p:cNvPr id="12" name="Picture 11">
+            <a:extLst>
+              <a:ext uri="{FF2B5EF4-FFF2-40B4-BE49-F238E27FC236}">
+                <a16:creationId xmlns:a16="http://schemas.microsoft.com/office/drawing/2014/main" id="{8FBEF2C1-839A-D601-036D-ACCBD3672341}"/>
+              </a:ext>
+            </a:extLst>
+          </p:cNvPr>
+          <p:cNvPicPr>
+            <a:picLocks noChangeAspect="1"/>
+          </p:cNvPicPr>
+          <p:nvPr/>
+        </p:nvPicPr>
+        <p:blipFill rotWithShape="1">
+          <a:blip r:embed="rId4">
+            <a:extLst>
+              <a:ext uri="{BEBA8EAE-BF5A-486C-A8C5-ECC9F3942E4B}">
+                <a14:imgProps xmlns:a14="http://schemas.microsoft.com/office/drawing/2010/main">
+                  <a14:imgLayer r:embed="rId3">
+                    <a14:imgEffect>
+                      <a14:sharpenSoften amount="50000"/>
+                    </a14:imgEffect>
+                    <a14:imgEffect>
+                      <a14:colorTemperature colorTemp="4700"/>
+                    </a14:imgEffect>
+                  </a14:imgLayer>
+                </a14:imgProps>
+              </a:ext>
+              <a:ext uri="{28A0092B-C50C-407E-A947-70E740481C1C}">
+                <a14:useLocalDpi xmlns:a14="http://schemas.microsoft.com/office/drawing/2010/main" val="0"/>
+              </a:ext>
+            </a:extLst>
+          </a:blip>
+          <a:srcRect l="41247" t="42993" r="41610" b="43401"/>
+          <a:stretch/>
+        </p:blipFill>
+        <p:spPr>
+          <a:xfrm rot="8331144">
+            <a:off x="8890053" y="122452"/>
+            <a:ext cx="920624" cy="730655"/>
+          </a:xfrm>
+          <a:prstGeom prst="rect">
+            <a:avLst/>
+          </a:prstGeom>
+        </p:spPr>
+      </p:pic>
+      <p:pic>
+        <p:nvPicPr>
+          <p:cNvPr id="13" name="Picture 12">
+            <a:extLst>
+              <a:ext uri="{FF2B5EF4-FFF2-40B4-BE49-F238E27FC236}">
+                <a16:creationId xmlns:a16="http://schemas.microsoft.com/office/drawing/2014/main" id="{81796B7D-C113-4F58-818B-6AC14FB37F29}"/>
+              </a:ext>
+            </a:extLst>
+          </p:cNvPr>
+          <p:cNvPicPr>
+            <a:picLocks noChangeAspect="1"/>
+          </p:cNvPicPr>
+          <p:nvPr/>
+        </p:nvPicPr>
+        <p:blipFill rotWithShape="1">
+          <a:blip r:embed="rId5">
+            <a:extLst>
+              <a:ext uri="{BEBA8EAE-BF5A-486C-A8C5-ECC9F3942E4B}">
+                <a14:imgProps xmlns:a14="http://schemas.microsoft.com/office/drawing/2010/main">
+                  <a14:imgLayer r:embed="rId6">
+                    <a14:imgEffect>
+                      <a14:sharpenSoften amount="50000"/>
+                    </a14:imgEffect>
+                    <a14:imgEffect>
+                      <a14:colorTemperature colorTemp="4700"/>
+                    </a14:imgEffect>
+                  </a14:imgLayer>
+                </a14:imgProps>
+              </a:ext>
+              <a:ext uri="{28A0092B-C50C-407E-A947-70E740481C1C}">
+                <a14:useLocalDpi xmlns:a14="http://schemas.microsoft.com/office/drawing/2010/main" val="0"/>
+              </a:ext>
+            </a:extLst>
+          </a:blip>
+          <a:srcRect l="41383" t="43129" r="41474" b="42858"/>
+          <a:stretch/>
+        </p:blipFill>
+        <p:spPr>
+          <a:xfrm rot="8331144">
+            <a:off x="11128147" y="1618375"/>
+            <a:ext cx="920625" cy="752573"/>
+          </a:xfrm>
+          <a:prstGeom prst="rect">
+            <a:avLst/>
+          </a:prstGeom>
+        </p:spPr>
+      </p:pic>
+      <p:pic>
+        <p:nvPicPr>
+          <p:cNvPr id="14" name="Picture 13">
+            <a:extLst>
+              <a:ext uri="{FF2B5EF4-FFF2-40B4-BE49-F238E27FC236}">
+                <a16:creationId xmlns:a16="http://schemas.microsoft.com/office/drawing/2014/main" id="{BA161417-E4C1-6778-A3C6-BA9A6EF0C427}"/>
               </a:ext>
             </a:extLst>
           </p:cNvPr>
@@ -5998,13 +6405,63 @@
               </a:ext>
             </a:extLst>
           </a:blip>
+          <a:srcRect l="42063" t="42857" r="40794" b="43129"/>
+          <a:stretch/>
+        </p:blipFill>
+        <p:spPr>
+          <a:xfrm rot="893319">
+            <a:off x="12410981" y="-845411"/>
+            <a:ext cx="920625" cy="752574"/>
+          </a:xfrm>
+          <a:prstGeom prst="rect">
+            <a:avLst/>
+          </a:prstGeom>
+        </p:spPr>
+      </p:pic>
+      <p:pic>
+        <p:nvPicPr>
+          <p:cNvPr id="15" name="Picture 14">
+            <a:extLst>
+              <a:ext uri="{FF2B5EF4-FFF2-40B4-BE49-F238E27FC236}">
+                <a16:creationId xmlns:a16="http://schemas.microsoft.com/office/drawing/2014/main" id="{4321FAFF-A996-0B38-74C9-DE4B031BDCE4}"/>
+              </a:ext>
+            </a:extLst>
+          </p:cNvPr>
+          <p:cNvPicPr>
+            <a:picLocks noChangeAspect="1"/>
+          </p:cNvPicPr>
+          <p:nvPr/>
+        </p:nvPicPr>
+        <p:blipFill rotWithShape="1">
+          <a:blip r:embed="rId11">
+            <a:extLst>
+              <a:ext uri="{BEBA8EAE-BF5A-486C-A8C5-ECC9F3942E4B}">
+                <a14:imgProps xmlns:a14="http://schemas.microsoft.com/office/drawing/2010/main">
+                  <a14:imgLayer r:embed="rId8">
+                    <a14:imgEffect>
+                      <a14:artisticBlur/>
+                    </a14:imgEffect>
+                    <a14:imgEffect>
+                      <a14:sharpenSoften amount="50000"/>
+                    </a14:imgEffect>
+                    <a14:imgEffect>
+                      <a14:colorTemperature colorTemp="4700"/>
+                    </a14:imgEffect>
+                  </a14:imgLayer>
+                </a14:imgProps>
+              </a:ext>
+              <a:ext uri="{28A0092B-C50C-407E-A947-70E740481C1C}">
+                <a14:useLocalDpi xmlns:a14="http://schemas.microsoft.com/office/drawing/2010/main" val="0"/>
+              </a:ext>
+            </a:extLst>
+          </a:blip>
           <a:srcRect l="41247" t="41497" r="41338" b="40544"/>
           <a:stretch/>
         </p:blipFill>
         <p:spPr>
-          <a:xfrm>
-            <a:off x="6153239" y="-346696"/>
-            <a:ext cx="935237" cy="964464"/>
+          <a:xfrm rot="8331144">
+            <a:off x="9515785" y="-540917"/>
+            <a:ext cx="1336090" cy="1377844"/>
           </a:xfrm>
           <a:prstGeom prst="rect">
             <a:avLst/>
@@ -6013,10 +6470,10 @@
       </p:pic>
       <p:pic>
         <p:nvPicPr>
-          <p:cNvPr id="12" name="Picture 11">
-            <a:extLst>
-              <a:ext uri="{FF2B5EF4-FFF2-40B4-BE49-F238E27FC236}">
-                <a16:creationId xmlns:a16="http://schemas.microsoft.com/office/drawing/2014/main" id="{8FBEF2C1-839A-D601-036D-ACCBD3672341}"/>
+          <p:cNvPr id="17" name="Picture 16">
+            <a:extLst>
+              <a:ext uri="{FF2B5EF4-FFF2-40B4-BE49-F238E27FC236}">
+                <a16:creationId xmlns:a16="http://schemas.microsoft.com/office/drawing/2014/main" id="{3A484ABE-0715-AB09-B720-9E9685A8F3AF}"/>
               </a:ext>
             </a:extLst>
           </p:cNvPr>
@@ -6049,8 +6506,8 @@
           <a:stretch/>
         </p:blipFill>
         <p:spPr>
-          <a:xfrm rot="8331144">
-            <a:off x="8890053" y="122452"/>
+          <a:xfrm>
+            <a:off x="10415199" y="-717853"/>
             <a:ext cx="920624" cy="730655"/>
           </a:xfrm>
           <a:prstGeom prst="rect">
@@ -6060,10 +6517,348 @@
       </p:pic>
       <p:pic>
         <p:nvPicPr>
-          <p:cNvPr id="13" name="Picture 12">
-            <a:extLst>
-              <a:ext uri="{FF2B5EF4-FFF2-40B4-BE49-F238E27FC236}">
-                <a16:creationId xmlns:a16="http://schemas.microsoft.com/office/drawing/2014/main" id="{81796B7D-C113-4F58-818B-6AC14FB37F29}"/>
+          <p:cNvPr id="19" name="Picture 18">
+            <a:extLst>
+              <a:ext uri="{FF2B5EF4-FFF2-40B4-BE49-F238E27FC236}">
+                <a16:creationId xmlns:a16="http://schemas.microsoft.com/office/drawing/2014/main" id="{C1D9C69E-386A-3DA7-AA74-AEC22779FF37}"/>
+              </a:ext>
+            </a:extLst>
+          </p:cNvPr>
+          <p:cNvPicPr>
+            <a:picLocks noChangeAspect="1"/>
+          </p:cNvPicPr>
+          <p:nvPr/>
+        </p:nvPicPr>
+        <p:blipFill rotWithShape="1">
+          <a:blip r:embed="rId12">
+            <a:extLst>
+              <a:ext uri="{BEBA8EAE-BF5A-486C-A8C5-ECC9F3942E4B}">
+                <a14:imgProps xmlns:a14="http://schemas.microsoft.com/office/drawing/2010/main">
+                  <a14:imgLayer r:embed="rId10">
+                    <a14:imgEffect>
+                      <a14:artisticBlur/>
+                    </a14:imgEffect>
+                    <a14:imgEffect>
+                      <a14:sharpenSoften amount="50000"/>
+                    </a14:imgEffect>
+                    <a14:imgEffect>
+                      <a14:colorTemperature colorTemp="4700"/>
+                    </a14:imgEffect>
+                  </a14:imgLayer>
+                </a14:imgProps>
+              </a:ext>
+              <a:ext uri="{28A0092B-C50C-407E-A947-70E740481C1C}">
+                <a14:useLocalDpi xmlns:a14="http://schemas.microsoft.com/office/drawing/2010/main" val="0"/>
+              </a:ext>
+            </a:extLst>
+          </a:blip>
+          <a:srcRect l="42063" t="42857" r="40794" b="43129"/>
+          <a:stretch/>
+        </p:blipFill>
+        <p:spPr>
+          <a:xfrm rot="14162175">
+            <a:off x="4824240" y="46255"/>
+            <a:ext cx="1613657" cy="1319101"/>
+          </a:xfrm>
+          <a:prstGeom prst="rect">
+            <a:avLst/>
+          </a:prstGeom>
+        </p:spPr>
+      </p:pic>
+      <p:pic>
+        <p:nvPicPr>
+          <p:cNvPr id="20" name="Picture 19">
+            <a:extLst>
+              <a:ext uri="{FF2B5EF4-FFF2-40B4-BE49-F238E27FC236}">
+                <a16:creationId xmlns:a16="http://schemas.microsoft.com/office/drawing/2014/main" id="{774D3D65-D37D-EEA1-2D26-6C23EA647A51}"/>
+              </a:ext>
+            </a:extLst>
+          </p:cNvPr>
+          <p:cNvPicPr>
+            <a:picLocks noChangeAspect="1"/>
+          </p:cNvPicPr>
+          <p:nvPr/>
+        </p:nvPicPr>
+        <p:blipFill rotWithShape="1">
+          <a:blip r:embed="rId11">
+            <a:extLst>
+              <a:ext uri="{BEBA8EAE-BF5A-486C-A8C5-ECC9F3942E4B}">
+                <a14:imgProps xmlns:a14="http://schemas.microsoft.com/office/drawing/2010/main">
+                  <a14:imgLayer r:embed="rId8">
+                    <a14:imgEffect>
+                      <a14:artisticBlur/>
+                    </a14:imgEffect>
+                    <a14:imgEffect>
+                      <a14:sharpenSoften amount="50000"/>
+                    </a14:imgEffect>
+                    <a14:imgEffect>
+                      <a14:colorTemperature colorTemp="4700"/>
+                    </a14:imgEffect>
+                  </a14:imgLayer>
+                </a14:imgProps>
+              </a:ext>
+              <a:ext uri="{28A0092B-C50C-407E-A947-70E740481C1C}">
+                <a14:useLocalDpi xmlns:a14="http://schemas.microsoft.com/office/drawing/2010/main" val="0"/>
+              </a:ext>
+            </a:extLst>
+          </a:blip>
+          <a:srcRect l="41247" t="41497" r="41338" b="40544"/>
+          <a:stretch/>
+        </p:blipFill>
+        <p:spPr>
+          <a:xfrm>
+            <a:off x="7694691" y="-948185"/>
+            <a:ext cx="1654660" cy="1706369"/>
+          </a:xfrm>
+          <a:prstGeom prst="rect">
+            <a:avLst/>
+          </a:prstGeom>
+        </p:spPr>
+      </p:pic>
+      <p:pic>
+        <p:nvPicPr>
+          <p:cNvPr id="21" name="Picture 20">
+            <a:extLst>
+              <a:ext uri="{FF2B5EF4-FFF2-40B4-BE49-F238E27FC236}">
+                <a16:creationId xmlns:a16="http://schemas.microsoft.com/office/drawing/2014/main" id="{6136CEDA-9DBF-B713-23A3-6797BAAE3E39}"/>
+              </a:ext>
+            </a:extLst>
+          </p:cNvPr>
+          <p:cNvPicPr>
+            <a:picLocks noChangeAspect="1"/>
+          </p:cNvPicPr>
+          <p:nvPr/>
+        </p:nvPicPr>
+        <p:blipFill rotWithShape="1">
+          <a:blip r:embed="rId9">
+            <a:extLst>
+              <a:ext uri="{BEBA8EAE-BF5A-486C-A8C5-ECC9F3942E4B}">
+                <a14:imgProps xmlns:a14="http://schemas.microsoft.com/office/drawing/2010/main">
+                  <a14:imgLayer r:embed="rId10">
+                    <a14:imgEffect>
+                      <a14:sharpenSoften amount="50000"/>
+                    </a14:imgEffect>
+                    <a14:imgEffect>
+                      <a14:colorTemperature colorTemp="4700"/>
+                    </a14:imgEffect>
+                  </a14:imgLayer>
+                </a14:imgProps>
+              </a:ext>
+              <a:ext uri="{28A0092B-C50C-407E-A947-70E740481C1C}">
+                <a14:useLocalDpi xmlns:a14="http://schemas.microsoft.com/office/drawing/2010/main" val="0"/>
+              </a:ext>
+            </a:extLst>
+          </a:blip>
+          <a:srcRect l="42063" t="42857" r="40794" b="43129"/>
+          <a:stretch/>
+        </p:blipFill>
+        <p:spPr>
+          <a:xfrm rot="17986827">
+            <a:off x="6140523" y="427992"/>
+            <a:ext cx="1511043" cy="1235217"/>
+          </a:xfrm>
+          <a:prstGeom prst="rect">
+            <a:avLst/>
+          </a:prstGeom>
+        </p:spPr>
+      </p:pic>
+      <p:pic>
+        <p:nvPicPr>
+          <p:cNvPr id="23" name="Picture 22">
+            <a:extLst>
+              <a:ext uri="{FF2B5EF4-FFF2-40B4-BE49-F238E27FC236}">
+                <a16:creationId xmlns:a16="http://schemas.microsoft.com/office/drawing/2014/main" id="{81330F5A-C07D-97BD-D403-4945B9DCE908}"/>
+              </a:ext>
+            </a:extLst>
+          </p:cNvPr>
+          <p:cNvPicPr>
+            <a:picLocks noChangeAspect="1"/>
+          </p:cNvPicPr>
+          <p:nvPr/>
+        </p:nvPicPr>
+        <p:blipFill rotWithShape="1">
+          <a:blip r:embed="rId13">
+            <a:extLst>
+              <a:ext uri="{BEBA8EAE-BF5A-486C-A8C5-ECC9F3942E4B}">
+                <a14:imgProps xmlns:a14="http://schemas.microsoft.com/office/drawing/2010/main">
+                  <a14:imgLayer r:embed="rId6">
+                    <a14:imgEffect>
+                      <a14:artisticBlur/>
+                    </a14:imgEffect>
+                    <a14:imgEffect>
+                      <a14:sharpenSoften amount="50000"/>
+                    </a14:imgEffect>
+                    <a14:imgEffect>
+                      <a14:colorTemperature colorTemp="4700"/>
+                    </a14:imgEffect>
+                  </a14:imgLayer>
+                </a14:imgProps>
+              </a:ext>
+              <a:ext uri="{28A0092B-C50C-407E-A947-70E740481C1C}">
+                <a14:useLocalDpi xmlns:a14="http://schemas.microsoft.com/office/drawing/2010/main" val="0"/>
+              </a:ext>
+            </a:extLst>
+          </a:blip>
+          <a:srcRect l="41383" t="43129" r="41474" b="42858"/>
+          <a:stretch/>
+        </p:blipFill>
+        <p:spPr>
+          <a:xfrm rot="8331144">
+            <a:off x="10775333" y="-47279"/>
+            <a:ext cx="920625" cy="752573"/>
+          </a:xfrm>
+          <a:prstGeom prst="rect">
+            <a:avLst/>
+          </a:prstGeom>
+        </p:spPr>
+      </p:pic>
+      <p:pic>
+        <p:nvPicPr>
+          <p:cNvPr id="29" name="Picture 28">
+            <a:extLst>
+              <a:ext uri="{FF2B5EF4-FFF2-40B4-BE49-F238E27FC236}">
+                <a16:creationId xmlns:a16="http://schemas.microsoft.com/office/drawing/2014/main" id="{63661AAB-DA1F-C672-422C-2E25F305ABE0}"/>
+              </a:ext>
+            </a:extLst>
+          </p:cNvPr>
+          <p:cNvPicPr>
+            <a:picLocks noChangeAspect="1"/>
+          </p:cNvPicPr>
+          <p:nvPr/>
+        </p:nvPicPr>
+        <p:blipFill rotWithShape="1">
+          <a:blip r:embed="rId7">
+            <a:extLst>
+              <a:ext uri="{BEBA8EAE-BF5A-486C-A8C5-ECC9F3942E4B}">
+                <a14:imgProps xmlns:a14="http://schemas.microsoft.com/office/drawing/2010/main">
+                  <a14:imgLayer r:embed="rId8">
+                    <a14:imgEffect>
+                      <a14:sharpenSoften amount="50000"/>
+                    </a14:imgEffect>
+                    <a14:imgEffect>
+                      <a14:colorTemperature colorTemp="4700"/>
+                    </a14:imgEffect>
+                  </a14:imgLayer>
+                </a14:imgProps>
+              </a:ext>
+              <a:ext uri="{28A0092B-C50C-407E-A947-70E740481C1C}">
+                <a14:useLocalDpi xmlns:a14="http://schemas.microsoft.com/office/drawing/2010/main" val="0"/>
+              </a:ext>
+            </a:extLst>
+          </a:blip>
+          <a:srcRect l="41247" t="41497" r="41338" b="40544"/>
+          <a:stretch/>
+        </p:blipFill>
+        <p:spPr>
+          <a:xfrm>
+            <a:off x="11335822" y="2580898"/>
+            <a:ext cx="935237" cy="964464"/>
+          </a:xfrm>
+          <a:prstGeom prst="rect">
+            <a:avLst/>
+          </a:prstGeom>
+        </p:spPr>
+      </p:pic>
+      <p:pic>
+        <p:nvPicPr>
+          <p:cNvPr id="32" name="Picture 31">
+            <a:extLst>
+              <a:ext uri="{FF2B5EF4-FFF2-40B4-BE49-F238E27FC236}">
+                <a16:creationId xmlns:a16="http://schemas.microsoft.com/office/drawing/2014/main" id="{4A54E6AF-6DEE-44F9-F1FC-274AFCCF05CA}"/>
+              </a:ext>
+            </a:extLst>
+          </p:cNvPr>
+          <p:cNvPicPr>
+            <a:picLocks noChangeAspect="1"/>
+          </p:cNvPicPr>
+          <p:nvPr/>
+        </p:nvPicPr>
+        <p:blipFill rotWithShape="1">
+          <a:blip r:embed="rId9">
+            <a:extLst>
+              <a:ext uri="{BEBA8EAE-BF5A-486C-A8C5-ECC9F3942E4B}">
+                <a14:imgProps xmlns:a14="http://schemas.microsoft.com/office/drawing/2010/main">
+                  <a14:imgLayer r:embed="rId10">
+                    <a14:imgEffect>
+                      <a14:sharpenSoften amount="50000"/>
+                    </a14:imgEffect>
+                    <a14:imgEffect>
+                      <a14:colorTemperature colorTemp="4700"/>
+                    </a14:imgEffect>
+                  </a14:imgLayer>
+                </a14:imgProps>
+              </a:ext>
+              <a:ext uri="{28A0092B-C50C-407E-A947-70E740481C1C}">
+                <a14:useLocalDpi xmlns:a14="http://schemas.microsoft.com/office/drawing/2010/main" val="0"/>
+              </a:ext>
+            </a:extLst>
+          </a:blip>
+          <a:srcRect l="42063" t="42857" r="40794" b="43129"/>
+          <a:stretch/>
+        </p:blipFill>
+        <p:spPr>
+          <a:xfrm rot="15891656">
+            <a:off x="11550156" y="618840"/>
+            <a:ext cx="920625" cy="752574"/>
+          </a:xfrm>
+          <a:prstGeom prst="rect">
+            <a:avLst/>
+          </a:prstGeom>
+        </p:spPr>
+      </p:pic>
+      <p:pic>
+        <p:nvPicPr>
+          <p:cNvPr id="34" name="Picture 33">
+            <a:extLst>
+              <a:ext uri="{FF2B5EF4-FFF2-40B4-BE49-F238E27FC236}">
+                <a16:creationId xmlns:a16="http://schemas.microsoft.com/office/drawing/2014/main" id="{EC5F1B1B-9DF1-7360-EA2E-4B1BFC43ABF6}"/>
+              </a:ext>
+            </a:extLst>
+          </p:cNvPr>
+          <p:cNvPicPr>
+            <a:picLocks noChangeAspect="1"/>
+          </p:cNvPicPr>
+          <p:nvPr/>
+        </p:nvPicPr>
+        <p:blipFill rotWithShape="1">
+          <a:blip r:embed="rId4">
+            <a:extLst>
+              <a:ext uri="{BEBA8EAE-BF5A-486C-A8C5-ECC9F3942E4B}">
+                <a14:imgProps xmlns:a14="http://schemas.microsoft.com/office/drawing/2010/main">
+                  <a14:imgLayer r:embed="rId3">
+                    <a14:imgEffect>
+                      <a14:sharpenSoften amount="50000"/>
+                    </a14:imgEffect>
+                    <a14:imgEffect>
+                      <a14:colorTemperature colorTemp="4700"/>
+                    </a14:imgEffect>
+                  </a14:imgLayer>
+                </a14:imgProps>
+              </a:ext>
+              <a:ext uri="{28A0092B-C50C-407E-A947-70E740481C1C}">
+                <a14:useLocalDpi xmlns:a14="http://schemas.microsoft.com/office/drawing/2010/main" val="0"/>
+              </a:ext>
+            </a:extLst>
+          </a:blip>
+          <a:srcRect l="41247" t="42993" r="41610" b="43401"/>
+          <a:stretch/>
+        </p:blipFill>
+        <p:spPr>
+          <a:xfrm>
+            <a:off x="10088794" y="3062326"/>
+            <a:ext cx="920624" cy="730655"/>
+          </a:xfrm>
+          <a:prstGeom prst="rect">
+            <a:avLst/>
+          </a:prstGeom>
+        </p:spPr>
+      </p:pic>
+      <p:pic>
+        <p:nvPicPr>
+          <p:cNvPr id="35" name="Picture 34">
+            <a:extLst>
+              <a:ext uri="{FF2B5EF4-FFF2-40B4-BE49-F238E27FC236}">
+                <a16:creationId xmlns:a16="http://schemas.microsoft.com/office/drawing/2014/main" id="{BC9ACBBF-284D-0699-3888-F737A54C16D9}"/>
               </a:ext>
             </a:extLst>
           </p:cNvPr>
@@ -6096,8 +6891,8 @@
           <a:stretch/>
         </p:blipFill>
         <p:spPr>
-          <a:xfrm rot="8331144">
-            <a:off x="11128147" y="1618375"/>
+          <a:xfrm>
+            <a:off x="9618803" y="3558665"/>
             <a:ext cx="920625" cy="752573"/>
           </a:xfrm>
           <a:prstGeom prst="rect">
@@ -6107,10 +6902,351 @@
       </p:pic>
       <p:pic>
         <p:nvPicPr>
-          <p:cNvPr id="14" name="Picture 13">
-            <a:extLst>
-              <a:ext uri="{FF2B5EF4-FFF2-40B4-BE49-F238E27FC236}">
-                <a16:creationId xmlns:a16="http://schemas.microsoft.com/office/drawing/2014/main" id="{BA161417-E4C1-6778-A3C6-BA9A6EF0C427}"/>
+          <p:cNvPr id="40" name="Picture 39">
+            <a:extLst>
+              <a:ext uri="{FF2B5EF4-FFF2-40B4-BE49-F238E27FC236}">
+                <a16:creationId xmlns:a16="http://schemas.microsoft.com/office/drawing/2014/main" id="{8127CFC1-7200-EF9B-7E7D-4C2984A92BB0}"/>
+              </a:ext>
+            </a:extLst>
+          </p:cNvPr>
+          <p:cNvPicPr>
+            <a:picLocks noChangeAspect="1"/>
+          </p:cNvPicPr>
+          <p:nvPr/>
+        </p:nvPicPr>
+        <p:blipFill rotWithShape="1">
+          <a:blip r:embed="rId5">
+            <a:extLst>
+              <a:ext uri="{BEBA8EAE-BF5A-486C-A8C5-ECC9F3942E4B}">
+                <a14:imgProps xmlns:a14="http://schemas.microsoft.com/office/drawing/2010/main">
+                  <a14:imgLayer r:embed="rId6">
+                    <a14:imgEffect>
+                      <a14:sharpenSoften amount="50000"/>
+                    </a14:imgEffect>
+                    <a14:imgEffect>
+                      <a14:colorTemperature colorTemp="4700"/>
+                    </a14:imgEffect>
+                  </a14:imgLayer>
+                </a14:imgProps>
+              </a:ext>
+              <a:ext uri="{28A0092B-C50C-407E-A947-70E740481C1C}">
+                <a14:useLocalDpi xmlns:a14="http://schemas.microsoft.com/office/drawing/2010/main" val="0"/>
+              </a:ext>
+            </a:extLst>
+          </a:blip>
+          <a:srcRect l="41383" t="43129" r="41474" b="42858"/>
+          <a:stretch/>
+        </p:blipFill>
+        <p:spPr>
+          <a:xfrm rot="8331144">
+            <a:off x="8250708" y="3535180"/>
+            <a:ext cx="920625" cy="752573"/>
+          </a:xfrm>
+          <a:prstGeom prst="rect">
+            <a:avLst/>
+          </a:prstGeom>
+        </p:spPr>
+      </p:pic>
+      <p:pic>
+        <p:nvPicPr>
+          <p:cNvPr id="42" name="Picture 41">
+            <a:extLst>
+              <a:ext uri="{FF2B5EF4-FFF2-40B4-BE49-F238E27FC236}">
+                <a16:creationId xmlns:a16="http://schemas.microsoft.com/office/drawing/2014/main" id="{B3E92BB8-FD93-7A60-8426-DE8DC16FDF44}"/>
+              </a:ext>
+            </a:extLst>
+          </p:cNvPr>
+          <p:cNvPicPr>
+            <a:picLocks noChangeAspect="1"/>
+          </p:cNvPicPr>
+          <p:nvPr/>
+        </p:nvPicPr>
+        <p:blipFill rotWithShape="1">
+          <a:blip r:embed="rId4">
+            <a:extLst>
+              <a:ext uri="{BEBA8EAE-BF5A-486C-A8C5-ECC9F3942E4B}">
+                <a14:imgProps xmlns:a14="http://schemas.microsoft.com/office/drawing/2010/main">
+                  <a14:imgLayer r:embed="rId3">
+                    <a14:imgEffect>
+                      <a14:sharpenSoften amount="50000"/>
+                    </a14:imgEffect>
+                    <a14:imgEffect>
+                      <a14:colorTemperature colorTemp="4700"/>
+                    </a14:imgEffect>
+                  </a14:imgLayer>
+                </a14:imgProps>
+              </a:ext>
+              <a:ext uri="{28A0092B-C50C-407E-A947-70E740481C1C}">
+                <a14:useLocalDpi xmlns:a14="http://schemas.microsoft.com/office/drawing/2010/main" val="0"/>
+              </a:ext>
+            </a:extLst>
+          </a:blip>
+          <a:srcRect l="41247" t="42993" r="41610" b="43401"/>
+          <a:stretch/>
+        </p:blipFill>
+        <p:spPr>
+          <a:xfrm>
+            <a:off x="7567682" y="1587557"/>
+            <a:ext cx="920624" cy="730655"/>
+          </a:xfrm>
+          <a:prstGeom prst="rect">
+            <a:avLst/>
+          </a:prstGeom>
+        </p:spPr>
+      </p:pic>
+      <p:pic>
+        <p:nvPicPr>
+          <p:cNvPr id="46" name="Picture 45">
+            <a:extLst>
+              <a:ext uri="{FF2B5EF4-FFF2-40B4-BE49-F238E27FC236}">
+                <a16:creationId xmlns:a16="http://schemas.microsoft.com/office/drawing/2014/main" id="{C53C2BD6-830E-BC64-AF2F-66EC91F85ABD}"/>
+              </a:ext>
+            </a:extLst>
+          </p:cNvPr>
+          <p:cNvPicPr>
+            <a:picLocks noChangeAspect="1"/>
+          </p:cNvPicPr>
+          <p:nvPr/>
+        </p:nvPicPr>
+        <p:blipFill rotWithShape="1">
+          <a:blip r:embed="rId11">
+            <a:extLst>
+              <a:ext uri="{BEBA8EAE-BF5A-486C-A8C5-ECC9F3942E4B}">
+                <a14:imgProps xmlns:a14="http://schemas.microsoft.com/office/drawing/2010/main">
+                  <a14:imgLayer r:embed="rId8">
+                    <a14:imgEffect>
+                      <a14:artisticBlur/>
+                    </a14:imgEffect>
+                    <a14:imgEffect>
+                      <a14:sharpenSoften amount="50000"/>
+                    </a14:imgEffect>
+                    <a14:imgEffect>
+                      <a14:colorTemperature colorTemp="4700"/>
+                    </a14:imgEffect>
+                  </a14:imgLayer>
+                </a14:imgProps>
+              </a:ext>
+              <a:ext uri="{28A0092B-C50C-407E-A947-70E740481C1C}">
+                <a14:useLocalDpi xmlns:a14="http://schemas.microsoft.com/office/drawing/2010/main" val="0"/>
+              </a:ext>
+            </a:extLst>
+          </a:blip>
+          <a:srcRect l="41247" t="41497" r="41338" b="40544"/>
+          <a:stretch/>
+        </p:blipFill>
+        <p:spPr>
+          <a:xfrm rot="8331144">
+            <a:off x="10904111" y="3697076"/>
+            <a:ext cx="1336090" cy="1377844"/>
+          </a:xfrm>
+          <a:prstGeom prst="rect">
+            <a:avLst/>
+          </a:prstGeom>
+        </p:spPr>
+      </p:pic>
+      <p:pic>
+        <p:nvPicPr>
+          <p:cNvPr id="47" name="Picture 46">
+            <a:extLst>
+              <a:ext uri="{FF2B5EF4-FFF2-40B4-BE49-F238E27FC236}">
+                <a16:creationId xmlns:a16="http://schemas.microsoft.com/office/drawing/2014/main" id="{28346840-64E8-EC99-B9FD-C97B3FF252A1}"/>
+              </a:ext>
+            </a:extLst>
+          </p:cNvPr>
+          <p:cNvPicPr>
+            <a:picLocks noChangeAspect="1"/>
+          </p:cNvPicPr>
+          <p:nvPr/>
+        </p:nvPicPr>
+        <p:blipFill rotWithShape="1">
+          <a:blip r:embed="rId12">
+            <a:extLst>
+              <a:ext uri="{BEBA8EAE-BF5A-486C-A8C5-ECC9F3942E4B}">
+                <a14:imgProps xmlns:a14="http://schemas.microsoft.com/office/drawing/2010/main">
+                  <a14:imgLayer r:embed="rId10">
+                    <a14:imgEffect>
+                      <a14:artisticBlur/>
+                    </a14:imgEffect>
+                    <a14:imgEffect>
+                      <a14:sharpenSoften amount="50000"/>
+                    </a14:imgEffect>
+                    <a14:imgEffect>
+                      <a14:colorTemperature colorTemp="4700"/>
+                    </a14:imgEffect>
+                  </a14:imgLayer>
+                </a14:imgProps>
+              </a:ext>
+              <a:ext uri="{28A0092B-C50C-407E-A947-70E740481C1C}">
+                <a14:useLocalDpi xmlns:a14="http://schemas.microsoft.com/office/drawing/2010/main" val="0"/>
+              </a:ext>
+            </a:extLst>
+          </a:blip>
+          <a:srcRect l="42063" t="42857" r="40794" b="43129"/>
+          <a:stretch/>
+        </p:blipFill>
+        <p:spPr>
+          <a:xfrm rot="14162175">
+            <a:off x="8188584" y="865876"/>
+            <a:ext cx="1613657" cy="1319101"/>
+          </a:xfrm>
+          <a:prstGeom prst="rect">
+            <a:avLst/>
+          </a:prstGeom>
+        </p:spPr>
+      </p:pic>
+      <p:pic>
+        <p:nvPicPr>
+          <p:cNvPr id="49" name="Picture 48">
+            <a:extLst>
+              <a:ext uri="{FF2B5EF4-FFF2-40B4-BE49-F238E27FC236}">
+                <a16:creationId xmlns:a16="http://schemas.microsoft.com/office/drawing/2014/main" id="{F7A84ACA-A8D2-CDB5-4E77-EDCC9658C8E2}"/>
+              </a:ext>
+            </a:extLst>
+          </p:cNvPr>
+          <p:cNvPicPr>
+            <a:picLocks noChangeAspect="1"/>
+          </p:cNvPicPr>
+          <p:nvPr/>
+        </p:nvPicPr>
+        <p:blipFill rotWithShape="1">
+          <a:blip r:embed="rId12">
+            <a:extLst>
+              <a:ext uri="{BEBA8EAE-BF5A-486C-A8C5-ECC9F3942E4B}">
+                <a14:imgProps xmlns:a14="http://schemas.microsoft.com/office/drawing/2010/main">
+                  <a14:imgLayer r:embed="rId10">
+                    <a14:imgEffect>
+                      <a14:artisticBlur/>
+                    </a14:imgEffect>
+                    <a14:imgEffect>
+                      <a14:sharpenSoften amount="50000"/>
+                    </a14:imgEffect>
+                    <a14:imgEffect>
+                      <a14:colorTemperature colorTemp="4700"/>
+                    </a14:imgEffect>
+                  </a14:imgLayer>
+                </a14:imgProps>
+              </a:ext>
+              <a:ext uri="{28A0092B-C50C-407E-A947-70E740481C1C}">
+                <a14:useLocalDpi xmlns:a14="http://schemas.microsoft.com/office/drawing/2010/main" val="0"/>
+              </a:ext>
+            </a:extLst>
+          </a:blip>
+          <a:srcRect l="42063" t="42857" r="40794" b="43129"/>
+          <a:stretch/>
+        </p:blipFill>
+        <p:spPr>
+          <a:xfrm rot="893319">
+            <a:off x="9752128" y="1956995"/>
+            <a:ext cx="1511043" cy="1235217"/>
+          </a:xfrm>
+          <a:prstGeom prst="rect">
+            <a:avLst/>
+          </a:prstGeom>
+        </p:spPr>
+      </p:pic>
+      <p:pic>
+        <p:nvPicPr>
+          <p:cNvPr id="50" name="Picture 49">
+            <a:extLst>
+              <a:ext uri="{FF2B5EF4-FFF2-40B4-BE49-F238E27FC236}">
+                <a16:creationId xmlns:a16="http://schemas.microsoft.com/office/drawing/2014/main" id="{1CE44023-EE23-95FE-AE56-4E3AE2088BCF}"/>
+              </a:ext>
+            </a:extLst>
+          </p:cNvPr>
+          <p:cNvPicPr>
+            <a:picLocks noChangeAspect="1"/>
+          </p:cNvPicPr>
+          <p:nvPr/>
+        </p:nvPicPr>
+        <p:blipFill rotWithShape="1">
+          <a:blip r:embed="rId11">
+            <a:extLst>
+              <a:ext uri="{BEBA8EAE-BF5A-486C-A8C5-ECC9F3942E4B}">
+                <a14:imgProps xmlns:a14="http://schemas.microsoft.com/office/drawing/2010/main">
+                  <a14:imgLayer r:embed="rId8">
+                    <a14:imgEffect>
+                      <a14:artisticBlur/>
+                    </a14:imgEffect>
+                    <a14:imgEffect>
+                      <a14:sharpenSoften amount="50000"/>
+                    </a14:imgEffect>
+                    <a14:imgEffect>
+                      <a14:colorTemperature colorTemp="4700"/>
+                    </a14:imgEffect>
+                  </a14:imgLayer>
+                </a14:imgProps>
+              </a:ext>
+              <a:ext uri="{28A0092B-C50C-407E-A947-70E740481C1C}">
+                <a14:useLocalDpi xmlns:a14="http://schemas.microsoft.com/office/drawing/2010/main" val="0"/>
+              </a:ext>
+            </a:extLst>
+          </a:blip>
+          <a:srcRect l="41247" t="41497" r="41338" b="40544"/>
+          <a:stretch/>
+        </p:blipFill>
+        <p:spPr>
+          <a:xfrm rot="8331144">
+            <a:off x="8461649" y="2318037"/>
+            <a:ext cx="935237" cy="964464"/>
+          </a:xfrm>
+          <a:prstGeom prst="rect">
+            <a:avLst/>
+          </a:prstGeom>
+        </p:spPr>
+      </p:pic>
+      <p:pic>
+        <p:nvPicPr>
+          <p:cNvPr id="52" name="Picture 51">
+            <a:extLst>
+              <a:ext uri="{FF2B5EF4-FFF2-40B4-BE49-F238E27FC236}">
+                <a16:creationId xmlns:a16="http://schemas.microsoft.com/office/drawing/2014/main" id="{18A2889D-43E4-4A5C-CC78-D8D62B609E30}"/>
+              </a:ext>
+            </a:extLst>
+          </p:cNvPr>
+          <p:cNvPicPr>
+            <a:picLocks noChangeAspect="1"/>
+          </p:cNvPicPr>
+          <p:nvPr/>
+        </p:nvPicPr>
+        <p:blipFill rotWithShape="1">
+          <a:blip r:embed="rId5">
+            <a:extLst>
+              <a:ext uri="{BEBA8EAE-BF5A-486C-A8C5-ECC9F3942E4B}">
+                <a14:imgProps xmlns:a14="http://schemas.microsoft.com/office/drawing/2010/main">
+                  <a14:imgLayer r:embed="rId6">
+                    <a14:imgEffect>
+                      <a14:sharpenSoften amount="50000"/>
+                    </a14:imgEffect>
+                    <a14:imgEffect>
+                      <a14:colorTemperature colorTemp="4700"/>
+                    </a14:imgEffect>
+                  </a14:imgLayer>
+                </a14:imgProps>
+              </a:ext>
+              <a:ext uri="{28A0092B-C50C-407E-A947-70E740481C1C}">
+                <a14:useLocalDpi xmlns:a14="http://schemas.microsoft.com/office/drawing/2010/main" val="0"/>
+              </a:ext>
+            </a:extLst>
+          </a:blip>
+          <a:srcRect l="41383" t="43129" r="41474" b="42858"/>
+          <a:stretch/>
+        </p:blipFill>
+        <p:spPr>
+          <a:xfrm rot="8331144">
+            <a:off x="9954885" y="990362"/>
+            <a:ext cx="920625" cy="752573"/>
+          </a:xfrm>
+          <a:prstGeom prst="rect">
+            <a:avLst/>
+          </a:prstGeom>
+        </p:spPr>
+      </p:pic>
+      <p:pic>
+        <p:nvPicPr>
+          <p:cNvPr id="53" name="Picture 52">
+            <a:extLst>
+              <a:ext uri="{FF2B5EF4-FFF2-40B4-BE49-F238E27FC236}">
+                <a16:creationId xmlns:a16="http://schemas.microsoft.com/office/drawing/2014/main" id="{EB3A59A0-38FC-4D2F-E7EF-54573A9335CC}"/>
               </a:ext>
             </a:extLst>
           </p:cNvPr>
@@ -6139,13 +7275,13 @@
               </a:ext>
             </a:extLst>
           </a:blip>
-          <a:srcRect l="42063" t="42857" r="40794" b="43129"/>
+          <a:srcRect l="41247" t="41497" r="41338" b="40544"/>
           <a:stretch/>
         </p:blipFill>
         <p:spPr>
-          <a:xfrm rot="893319">
-            <a:off x="12410981" y="-845411"/>
-            <a:ext cx="920625" cy="752574"/>
+          <a:xfrm rot="16493690">
+            <a:off x="4206188" y="89738"/>
+            <a:ext cx="935237" cy="964464"/>
           </a:xfrm>
           <a:prstGeom prst="rect">
             <a:avLst/>
@@ -6154,304 +7290,10 @@
       </p:pic>
       <p:pic>
         <p:nvPicPr>
-          <p:cNvPr id="15" name="Picture 14">
-            <a:extLst>
-              <a:ext uri="{FF2B5EF4-FFF2-40B4-BE49-F238E27FC236}">
-                <a16:creationId xmlns:a16="http://schemas.microsoft.com/office/drawing/2014/main" id="{4321FAFF-A996-0B38-74C9-DE4B031BDCE4}"/>
-              </a:ext>
-            </a:extLst>
-          </p:cNvPr>
-          <p:cNvPicPr>
-            <a:picLocks noChangeAspect="1"/>
-          </p:cNvPicPr>
-          <p:nvPr/>
-        </p:nvPicPr>
-        <p:blipFill rotWithShape="1">
-          <a:blip r:embed="rId11">
-            <a:extLst>
-              <a:ext uri="{BEBA8EAE-BF5A-486C-A8C5-ECC9F3942E4B}">
-                <a14:imgProps xmlns:a14="http://schemas.microsoft.com/office/drawing/2010/main">
-                  <a14:imgLayer r:embed="rId10">
-                    <a14:imgEffect>
-                      <a14:artisticBlur/>
-                    </a14:imgEffect>
-                    <a14:imgEffect>
-                      <a14:sharpenSoften amount="50000"/>
-                    </a14:imgEffect>
-                    <a14:imgEffect>
-                      <a14:colorTemperature colorTemp="4700"/>
-                    </a14:imgEffect>
-                  </a14:imgLayer>
-                </a14:imgProps>
-              </a:ext>
-              <a:ext uri="{28A0092B-C50C-407E-A947-70E740481C1C}">
-                <a14:useLocalDpi xmlns:a14="http://schemas.microsoft.com/office/drawing/2010/main" val="0"/>
-              </a:ext>
-            </a:extLst>
-          </a:blip>
-          <a:srcRect l="41247" t="41497" r="41338" b="40544"/>
-          <a:stretch/>
-        </p:blipFill>
-        <p:spPr>
-          <a:xfrm rot="8331144">
-            <a:off x="9515785" y="-540917"/>
-            <a:ext cx="1336090" cy="1377844"/>
-          </a:xfrm>
-          <a:prstGeom prst="rect">
-            <a:avLst/>
-          </a:prstGeom>
-        </p:spPr>
-      </p:pic>
-      <p:pic>
-        <p:nvPicPr>
-          <p:cNvPr id="17" name="Picture 16">
-            <a:extLst>
-              <a:ext uri="{FF2B5EF4-FFF2-40B4-BE49-F238E27FC236}">
-                <a16:creationId xmlns:a16="http://schemas.microsoft.com/office/drawing/2014/main" id="{3A484ABE-0715-AB09-B720-9E9685A8F3AF}"/>
-              </a:ext>
-            </a:extLst>
-          </p:cNvPr>
-          <p:cNvPicPr>
-            <a:picLocks noChangeAspect="1"/>
-          </p:cNvPicPr>
-          <p:nvPr/>
-        </p:nvPicPr>
-        <p:blipFill rotWithShape="1">
-          <a:blip r:embed="rId4">
-            <a:extLst>
-              <a:ext uri="{BEBA8EAE-BF5A-486C-A8C5-ECC9F3942E4B}">
-                <a14:imgProps xmlns:a14="http://schemas.microsoft.com/office/drawing/2010/main">
-                  <a14:imgLayer r:embed="rId3">
-                    <a14:imgEffect>
-                      <a14:sharpenSoften amount="50000"/>
-                    </a14:imgEffect>
-                    <a14:imgEffect>
-                      <a14:colorTemperature colorTemp="4700"/>
-                    </a14:imgEffect>
-                  </a14:imgLayer>
-                </a14:imgProps>
-              </a:ext>
-              <a:ext uri="{28A0092B-C50C-407E-A947-70E740481C1C}">
-                <a14:useLocalDpi xmlns:a14="http://schemas.microsoft.com/office/drawing/2010/main" val="0"/>
-              </a:ext>
-            </a:extLst>
-          </a:blip>
-          <a:srcRect l="41247" t="42993" r="41610" b="43401"/>
-          <a:stretch/>
-        </p:blipFill>
-        <p:spPr>
-          <a:xfrm>
-            <a:off x="10415199" y="-717853"/>
-            <a:ext cx="920624" cy="730655"/>
-          </a:xfrm>
-          <a:prstGeom prst="rect">
-            <a:avLst/>
-          </a:prstGeom>
-        </p:spPr>
-      </p:pic>
-      <p:pic>
-        <p:nvPicPr>
-          <p:cNvPr id="19" name="Picture 18">
-            <a:extLst>
-              <a:ext uri="{FF2B5EF4-FFF2-40B4-BE49-F238E27FC236}">
-                <a16:creationId xmlns:a16="http://schemas.microsoft.com/office/drawing/2014/main" id="{C1D9C69E-386A-3DA7-AA74-AEC22779FF37}"/>
-              </a:ext>
-            </a:extLst>
-          </p:cNvPr>
-          <p:cNvPicPr>
-            <a:picLocks noChangeAspect="1"/>
-          </p:cNvPicPr>
-          <p:nvPr/>
-        </p:nvPicPr>
-        <p:blipFill rotWithShape="1">
-          <a:blip r:embed="rId12">
-            <a:extLst>
-              <a:ext uri="{BEBA8EAE-BF5A-486C-A8C5-ECC9F3942E4B}">
-                <a14:imgProps xmlns:a14="http://schemas.microsoft.com/office/drawing/2010/main">
-                  <a14:imgLayer r:embed="rId8">
-                    <a14:imgEffect>
-                      <a14:artisticBlur/>
-                    </a14:imgEffect>
-                    <a14:imgEffect>
-                      <a14:sharpenSoften amount="50000"/>
-                    </a14:imgEffect>
-                    <a14:imgEffect>
-                      <a14:colorTemperature colorTemp="4700"/>
-                    </a14:imgEffect>
-                  </a14:imgLayer>
-                </a14:imgProps>
-              </a:ext>
-              <a:ext uri="{28A0092B-C50C-407E-A947-70E740481C1C}">
-                <a14:useLocalDpi xmlns:a14="http://schemas.microsoft.com/office/drawing/2010/main" val="0"/>
-              </a:ext>
-            </a:extLst>
-          </a:blip>
-          <a:srcRect l="42063" t="42857" r="40794" b="43129"/>
-          <a:stretch/>
-        </p:blipFill>
-        <p:spPr>
-          <a:xfrm rot="14162175">
-            <a:off x="4532013" y="40265"/>
-            <a:ext cx="1613657" cy="1319101"/>
-          </a:xfrm>
-          <a:prstGeom prst="rect">
-            <a:avLst/>
-          </a:prstGeom>
-        </p:spPr>
-      </p:pic>
-      <p:pic>
-        <p:nvPicPr>
-          <p:cNvPr id="20" name="Picture 19">
-            <a:extLst>
-              <a:ext uri="{FF2B5EF4-FFF2-40B4-BE49-F238E27FC236}">
-                <a16:creationId xmlns:a16="http://schemas.microsoft.com/office/drawing/2014/main" id="{774D3D65-D37D-EEA1-2D26-6C23EA647A51}"/>
-              </a:ext>
-            </a:extLst>
-          </p:cNvPr>
-          <p:cNvPicPr>
-            <a:picLocks noChangeAspect="1"/>
-          </p:cNvPicPr>
-          <p:nvPr/>
-        </p:nvPicPr>
-        <p:blipFill rotWithShape="1">
-          <a:blip r:embed="rId11">
-            <a:extLst>
-              <a:ext uri="{BEBA8EAE-BF5A-486C-A8C5-ECC9F3942E4B}">
-                <a14:imgProps xmlns:a14="http://schemas.microsoft.com/office/drawing/2010/main">
-                  <a14:imgLayer r:embed="rId10">
-                    <a14:imgEffect>
-                      <a14:artisticBlur/>
-                    </a14:imgEffect>
-                    <a14:imgEffect>
-                      <a14:sharpenSoften amount="50000"/>
-                    </a14:imgEffect>
-                    <a14:imgEffect>
-                      <a14:colorTemperature colorTemp="4700"/>
-                    </a14:imgEffect>
-                  </a14:imgLayer>
-                </a14:imgProps>
-              </a:ext>
-              <a:ext uri="{28A0092B-C50C-407E-A947-70E740481C1C}">
-                <a14:useLocalDpi xmlns:a14="http://schemas.microsoft.com/office/drawing/2010/main" val="0"/>
-              </a:ext>
-            </a:extLst>
-          </a:blip>
-          <a:srcRect l="41247" t="41497" r="41338" b="40544"/>
-          <a:stretch/>
-        </p:blipFill>
-        <p:spPr>
-          <a:xfrm>
-            <a:off x="7694691" y="-948185"/>
-            <a:ext cx="1654660" cy="1706369"/>
-          </a:xfrm>
-          <a:prstGeom prst="rect">
-            <a:avLst/>
-          </a:prstGeom>
-        </p:spPr>
-      </p:pic>
-      <p:pic>
-        <p:nvPicPr>
-          <p:cNvPr id="21" name="Picture 20">
-            <a:extLst>
-              <a:ext uri="{FF2B5EF4-FFF2-40B4-BE49-F238E27FC236}">
-                <a16:creationId xmlns:a16="http://schemas.microsoft.com/office/drawing/2014/main" id="{6136CEDA-9DBF-B713-23A3-6797BAAE3E39}"/>
-              </a:ext>
-            </a:extLst>
-          </p:cNvPr>
-          <p:cNvPicPr>
-            <a:picLocks noChangeAspect="1"/>
-          </p:cNvPicPr>
-          <p:nvPr/>
-        </p:nvPicPr>
-        <p:blipFill rotWithShape="1">
-          <a:blip r:embed="rId7">
-            <a:extLst>
-              <a:ext uri="{BEBA8EAE-BF5A-486C-A8C5-ECC9F3942E4B}">
-                <a14:imgProps xmlns:a14="http://schemas.microsoft.com/office/drawing/2010/main">
-                  <a14:imgLayer r:embed="rId8">
-                    <a14:imgEffect>
-                      <a14:sharpenSoften amount="50000"/>
-                    </a14:imgEffect>
-                    <a14:imgEffect>
-                      <a14:colorTemperature colorTemp="4700"/>
-                    </a14:imgEffect>
-                  </a14:imgLayer>
-                </a14:imgProps>
-              </a:ext>
-              <a:ext uri="{28A0092B-C50C-407E-A947-70E740481C1C}">
-                <a14:useLocalDpi xmlns:a14="http://schemas.microsoft.com/office/drawing/2010/main" val="0"/>
-              </a:ext>
-            </a:extLst>
-          </a:blip>
-          <a:srcRect l="42063" t="42857" r="40794" b="43129"/>
-          <a:stretch/>
-        </p:blipFill>
-        <p:spPr>
-          <a:xfrm rot="893319">
-            <a:off x="6140523" y="427992"/>
-            <a:ext cx="1511043" cy="1235217"/>
-          </a:xfrm>
-          <a:prstGeom prst="rect">
-            <a:avLst/>
-          </a:prstGeom>
-        </p:spPr>
-      </p:pic>
-      <p:pic>
-        <p:nvPicPr>
-          <p:cNvPr id="23" name="Picture 22">
-            <a:extLst>
-              <a:ext uri="{FF2B5EF4-FFF2-40B4-BE49-F238E27FC236}">
-                <a16:creationId xmlns:a16="http://schemas.microsoft.com/office/drawing/2014/main" id="{81330F5A-C07D-97BD-D403-4945B9DCE908}"/>
-              </a:ext>
-            </a:extLst>
-          </p:cNvPr>
-          <p:cNvPicPr>
-            <a:picLocks noChangeAspect="1"/>
-          </p:cNvPicPr>
-          <p:nvPr/>
-        </p:nvPicPr>
-        <p:blipFill rotWithShape="1">
-          <a:blip r:embed="rId13">
-            <a:extLst>
-              <a:ext uri="{BEBA8EAE-BF5A-486C-A8C5-ECC9F3942E4B}">
-                <a14:imgProps xmlns:a14="http://schemas.microsoft.com/office/drawing/2010/main">
-                  <a14:imgLayer r:embed="rId6">
-                    <a14:imgEffect>
-                      <a14:artisticBlur/>
-                    </a14:imgEffect>
-                    <a14:imgEffect>
-                      <a14:sharpenSoften amount="50000"/>
-                    </a14:imgEffect>
-                    <a14:imgEffect>
-                      <a14:colorTemperature colorTemp="4700"/>
-                    </a14:imgEffect>
-                  </a14:imgLayer>
-                </a14:imgProps>
-              </a:ext>
-              <a:ext uri="{28A0092B-C50C-407E-A947-70E740481C1C}">
-                <a14:useLocalDpi xmlns:a14="http://schemas.microsoft.com/office/drawing/2010/main" val="0"/>
-              </a:ext>
-            </a:extLst>
-          </a:blip>
-          <a:srcRect l="41383" t="43129" r="41474" b="42858"/>
-          <a:stretch/>
-        </p:blipFill>
-        <p:spPr>
-          <a:xfrm rot="8331144">
-            <a:off x="10775333" y="-47279"/>
-            <a:ext cx="920625" cy="752573"/>
-          </a:xfrm>
-          <a:prstGeom prst="rect">
-            <a:avLst/>
-          </a:prstGeom>
-        </p:spPr>
-      </p:pic>
-      <p:pic>
-        <p:nvPicPr>
-          <p:cNvPr id="29" name="Picture 28">
-            <a:extLst>
-              <a:ext uri="{FF2B5EF4-FFF2-40B4-BE49-F238E27FC236}">
-                <a16:creationId xmlns:a16="http://schemas.microsoft.com/office/drawing/2014/main" id="{63661AAB-DA1F-C672-422C-2E25F305ABE0}"/>
+          <p:cNvPr id="54" name="Picture 53">
+            <a:extLst>
+              <a:ext uri="{FF2B5EF4-FFF2-40B4-BE49-F238E27FC236}">
+                <a16:creationId xmlns:a16="http://schemas.microsoft.com/office/drawing/2014/main" id="{8C11EDFE-573B-A765-D201-C2E4FA8E1FFC}"/>
               </a:ext>
             </a:extLst>
           </p:cNvPr>
@@ -6466,582 +7308,6 @@
               <a:ext uri="{BEBA8EAE-BF5A-486C-A8C5-ECC9F3942E4B}">
                 <a14:imgProps xmlns:a14="http://schemas.microsoft.com/office/drawing/2010/main">
                   <a14:imgLayer r:embed="rId10">
-                    <a14:imgEffect>
-                      <a14:sharpenSoften amount="50000"/>
-                    </a14:imgEffect>
-                    <a14:imgEffect>
-                      <a14:colorTemperature colorTemp="4700"/>
-                    </a14:imgEffect>
-                  </a14:imgLayer>
-                </a14:imgProps>
-              </a:ext>
-              <a:ext uri="{28A0092B-C50C-407E-A947-70E740481C1C}">
-                <a14:useLocalDpi xmlns:a14="http://schemas.microsoft.com/office/drawing/2010/main" val="0"/>
-              </a:ext>
-            </a:extLst>
-          </a:blip>
-          <a:srcRect l="41247" t="41497" r="41338" b="40544"/>
-          <a:stretch/>
-        </p:blipFill>
-        <p:spPr>
-          <a:xfrm>
-            <a:off x="11335822" y="2580898"/>
-            <a:ext cx="935237" cy="964464"/>
-          </a:xfrm>
-          <a:prstGeom prst="rect">
-            <a:avLst/>
-          </a:prstGeom>
-        </p:spPr>
-      </p:pic>
-      <p:pic>
-        <p:nvPicPr>
-          <p:cNvPr id="32" name="Picture 31">
-            <a:extLst>
-              <a:ext uri="{FF2B5EF4-FFF2-40B4-BE49-F238E27FC236}">
-                <a16:creationId xmlns:a16="http://schemas.microsoft.com/office/drawing/2014/main" id="{4A54E6AF-6DEE-44F9-F1FC-274AFCCF05CA}"/>
-              </a:ext>
-            </a:extLst>
-          </p:cNvPr>
-          <p:cNvPicPr>
-            <a:picLocks noChangeAspect="1"/>
-          </p:cNvPicPr>
-          <p:nvPr/>
-        </p:nvPicPr>
-        <p:blipFill rotWithShape="1">
-          <a:blip r:embed="rId7">
-            <a:extLst>
-              <a:ext uri="{BEBA8EAE-BF5A-486C-A8C5-ECC9F3942E4B}">
-                <a14:imgProps xmlns:a14="http://schemas.microsoft.com/office/drawing/2010/main">
-                  <a14:imgLayer r:embed="rId8">
-                    <a14:imgEffect>
-                      <a14:sharpenSoften amount="50000"/>
-                    </a14:imgEffect>
-                    <a14:imgEffect>
-                      <a14:colorTemperature colorTemp="4700"/>
-                    </a14:imgEffect>
-                  </a14:imgLayer>
-                </a14:imgProps>
-              </a:ext>
-              <a:ext uri="{28A0092B-C50C-407E-A947-70E740481C1C}">
-                <a14:useLocalDpi xmlns:a14="http://schemas.microsoft.com/office/drawing/2010/main" val="0"/>
-              </a:ext>
-            </a:extLst>
-          </a:blip>
-          <a:srcRect l="42063" t="42857" r="40794" b="43129"/>
-          <a:stretch/>
-        </p:blipFill>
-        <p:spPr>
-          <a:xfrm rot="893319">
-            <a:off x="11550156" y="618840"/>
-            <a:ext cx="920625" cy="752574"/>
-          </a:xfrm>
-          <a:prstGeom prst="rect">
-            <a:avLst/>
-          </a:prstGeom>
-        </p:spPr>
-      </p:pic>
-      <p:pic>
-        <p:nvPicPr>
-          <p:cNvPr id="34" name="Picture 33">
-            <a:extLst>
-              <a:ext uri="{FF2B5EF4-FFF2-40B4-BE49-F238E27FC236}">
-                <a16:creationId xmlns:a16="http://schemas.microsoft.com/office/drawing/2014/main" id="{EC5F1B1B-9DF1-7360-EA2E-4B1BFC43ABF6}"/>
-              </a:ext>
-            </a:extLst>
-          </p:cNvPr>
-          <p:cNvPicPr>
-            <a:picLocks noChangeAspect="1"/>
-          </p:cNvPicPr>
-          <p:nvPr/>
-        </p:nvPicPr>
-        <p:blipFill rotWithShape="1">
-          <a:blip r:embed="rId4">
-            <a:extLst>
-              <a:ext uri="{BEBA8EAE-BF5A-486C-A8C5-ECC9F3942E4B}">
-                <a14:imgProps xmlns:a14="http://schemas.microsoft.com/office/drawing/2010/main">
-                  <a14:imgLayer r:embed="rId3">
-                    <a14:imgEffect>
-                      <a14:sharpenSoften amount="50000"/>
-                    </a14:imgEffect>
-                    <a14:imgEffect>
-                      <a14:colorTemperature colorTemp="4700"/>
-                    </a14:imgEffect>
-                  </a14:imgLayer>
-                </a14:imgProps>
-              </a:ext>
-              <a:ext uri="{28A0092B-C50C-407E-A947-70E740481C1C}">
-                <a14:useLocalDpi xmlns:a14="http://schemas.microsoft.com/office/drawing/2010/main" val="0"/>
-              </a:ext>
-            </a:extLst>
-          </a:blip>
-          <a:srcRect l="41247" t="42993" r="41610" b="43401"/>
-          <a:stretch/>
-        </p:blipFill>
-        <p:spPr>
-          <a:xfrm>
-            <a:off x="10088794" y="3062326"/>
-            <a:ext cx="920624" cy="730655"/>
-          </a:xfrm>
-          <a:prstGeom prst="rect">
-            <a:avLst/>
-          </a:prstGeom>
-        </p:spPr>
-      </p:pic>
-      <p:pic>
-        <p:nvPicPr>
-          <p:cNvPr id="35" name="Picture 34">
-            <a:extLst>
-              <a:ext uri="{FF2B5EF4-FFF2-40B4-BE49-F238E27FC236}">
-                <a16:creationId xmlns:a16="http://schemas.microsoft.com/office/drawing/2014/main" id="{BC9ACBBF-284D-0699-3888-F737A54C16D9}"/>
-              </a:ext>
-            </a:extLst>
-          </p:cNvPr>
-          <p:cNvPicPr>
-            <a:picLocks noChangeAspect="1"/>
-          </p:cNvPicPr>
-          <p:nvPr/>
-        </p:nvPicPr>
-        <p:blipFill rotWithShape="1">
-          <a:blip r:embed="rId5">
-            <a:extLst>
-              <a:ext uri="{BEBA8EAE-BF5A-486C-A8C5-ECC9F3942E4B}">
-                <a14:imgProps xmlns:a14="http://schemas.microsoft.com/office/drawing/2010/main">
-                  <a14:imgLayer r:embed="rId6">
-                    <a14:imgEffect>
-                      <a14:sharpenSoften amount="50000"/>
-                    </a14:imgEffect>
-                    <a14:imgEffect>
-                      <a14:colorTemperature colorTemp="4700"/>
-                    </a14:imgEffect>
-                  </a14:imgLayer>
-                </a14:imgProps>
-              </a:ext>
-              <a:ext uri="{28A0092B-C50C-407E-A947-70E740481C1C}">
-                <a14:useLocalDpi xmlns:a14="http://schemas.microsoft.com/office/drawing/2010/main" val="0"/>
-              </a:ext>
-            </a:extLst>
-          </a:blip>
-          <a:srcRect l="41383" t="43129" r="41474" b="42858"/>
-          <a:stretch/>
-        </p:blipFill>
-        <p:spPr>
-          <a:xfrm>
-            <a:off x="9405047" y="3975789"/>
-            <a:ext cx="920625" cy="752573"/>
-          </a:xfrm>
-          <a:prstGeom prst="rect">
-            <a:avLst/>
-          </a:prstGeom>
-        </p:spPr>
-      </p:pic>
-      <p:pic>
-        <p:nvPicPr>
-          <p:cNvPr id="40" name="Picture 39">
-            <a:extLst>
-              <a:ext uri="{FF2B5EF4-FFF2-40B4-BE49-F238E27FC236}">
-                <a16:creationId xmlns:a16="http://schemas.microsoft.com/office/drawing/2014/main" id="{8127CFC1-7200-EF9B-7E7D-4C2984A92BB0}"/>
-              </a:ext>
-            </a:extLst>
-          </p:cNvPr>
-          <p:cNvPicPr>
-            <a:picLocks noChangeAspect="1"/>
-          </p:cNvPicPr>
-          <p:nvPr/>
-        </p:nvPicPr>
-        <p:blipFill rotWithShape="1">
-          <a:blip r:embed="rId5">
-            <a:extLst>
-              <a:ext uri="{BEBA8EAE-BF5A-486C-A8C5-ECC9F3942E4B}">
-                <a14:imgProps xmlns:a14="http://schemas.microsoft.com/office/drawing/2010/main">
-                  <a14:imgLayer r:embed="rId6">
-                    <a14:imgEffect>
-                      <a14:sharpenSoften amount="50000"/>
-                    </a14:imgEffect>
-                    <a14:imgEffect>
-                      <a14:colorTemperature colorTemp="4700"/>
-                    </a14:imgEffect>
-                  </a14:imgLayer>
-                </a14:imgProps>
-              </a:ext>
-              <a:ext uri="{28A0092B-C50C-407E-A947-70E740481C1C}">
-                <a14:useLocalDpi xmlns:a14="http://schemas.microsoft.com/office/drawing/2010/main" val="0"/>
-              </a:ext>
-            </a:extLst>
-          </a:blip>
-          <a:srcRect l="41383" t="43129" r="41474" b="42858"/>
-          <a:stretch/>
-        </p:blipFill>
-        <p:spPr>
-          <a:xfrm rot="8331144">
-            <a:off x="7902493" y="3979666"/>
-            <a:ext cx="920625" cy="752573"/>
-          </a:xfrm>
-          <a:prstGeom prst="rect">
-            <a:avLst/>
-          </a:prstGeom>
-        </p:spPr>
-      </p:pic>
-      <p:pic>
-        <p:nvPicPr>
-          <p:cNvPr id="42" name="Picture 41">
-            <a:extLst>
-              <a:ext uri="{FF2B5EF4-FFF2-40B4-BE49-F238E27FC236}">
-                <a16:creationId xmlns:a16="http://schemas.microsoft.com/office/drawing/2014/main" id="{B3E92BB8-FD93-7A60-8426-DE8DC16FDF44}"/>
-              </a:ext>
-            </a:extLst>
-          </p:cNvPr>
-          <p:cNvPicPr>
-            <a:picLocks noChangeAspect="1"/>
-          </p:cNvPicPr>
-          <p:nvPr/>
-        </p:nvPicPr>
-        <p:blipFill rotWithShape="1">
-          <a:blip r:embed="rId4">
-            <a:extLst>
-              <a:ext uri="{BEBA8EAE-BF5A-486C-A8C5-ECC9F3942E4B}">
-                <a14:imgProps xmlns:a14="http://schemas.microsoft.com/office/drawing/2010/main">
-                  <a14:imgLayer r:embed="rId3">
-                    <a14:imgEffect>
-                      <a14:sharpenSoften amount="50000"/>
-                    </a14:imgEffect>
-                    <a14:imgEffect>
-                      <a14:colorTemperature colorTemp="4700"/>
-                    </a14:imgEffect>
-                  </a14:imgLayer>
-                </a14:imgProps>
-              </a:ext>
-              <a:ext uri="{28A0092B-C50C-407E-A947-70E740481C1C}">
-                <a14:useLocalDpi xmlns:a14="http://schemas.microsoft.com/office/drawing/2010/main" val="0"/>
-              </a:ext>
-            </a:extLst>
-          </a:blip>
-          <a:srcRect l="41247" t="42993" r="41610" b="43401"/>
-          <a:stretch/>
-        </p:blipFill>
-        <p:spPr>
-          <a:xfrm>
-            <a:off x="7562827" y="1689073"/>
-            <a:ext cx="920624" cy="730655"/>
-          </a:xfrm>
-          <a:prstGeom prst="rect">
-            <a:avLst/>
-          </a:prstGeom>
-        </p:spPr>
-      </p:pic>
-      <p:pic>
-        <p:nvPicPr>
-          <p:cNvPr id="46" name="Picture 45">
-            <a:extLst>
-              <a:ext uri="{FF2B5EF4-FFF2-40B4-BE49-F238E27FC236}">
-                <a16:creationId xmlns:a16="http://schemas.microsoft.com/office/drawing/2014/main" id="{C53C2BD6-830E-BC64-AF2F-66EC91F85ABD}"/>
-              </a:ext>
-            </a:extLst>
-          </p:cNvPr>
-          <p:cNvPicPr>
-            <a:picLocks noChangeAspect="1"/>
-          </p:cNvPicPr>
-          <p:nvPr/>
-        </p:nvPicPr>
-        <p:blipFill rotWithShape="1">
-          <a:blip r:embed="rId11">
-            <a:extLst>
-              <a:ext uri="{BEBA8EAE-BF5A-486C-A8C5-ECC9F3942E4B}">
-                <a14:imgProps xmlns:a14="http://schemas.microsoft.com/office/drawing/2010/main">
-                  <a14:imgLayer r:embed="rId10">
-                    <a14:imgEffect>
-                      <a14:artisticBlur/>
-                    </a14:imgEffect>
-                    <a14:imgEffect>
-                      <a14:sharpenSoften amount="50000"/>
-                    </a14:imgEffect>
-                    <a14:imgEffect>
-                      <a14:colorTemperature colorTemp="4700"/>
-                    </a14:imgEffect>
-                  </a14:imgLayer>
-                </a14:imgProps>
-              </a:ext>
-              <a:ext uri="{28A0092B-C50C-407E-A947-70E740481C1C}">
-                <a14:useLocalDpi xmlns:a14="http://schemas.microsoft.com/office/drawing/2010/main" val="0"/>
-              </a:ext>
-            </a:extLst>
-          </a:blip>
-          <a:srcRect l="41247" t="41497" r="41338" b="40544"/>
-          <a:stretch/>
-        </p:blipFill>
-        <p:spPr>
-          <a:xfrm rot="8331144">
-            <a:off x="10904111" y="3697076"/>
-            <a:ext cx="1336090" cy="1377844"/>
-          </a:xfrm>
-          <a:prstGeom prst="rect">
-            <a:avLst/>
-          </a:prstGeom>
-        </p:spPr>
-      </p:pic>
-      <p:pic>
-        <p:nvPicPr>
-          <p:cNvPr id="47" name="Picture 46">
-            <a:extLst>
-              <a:ext uri="{FF2B5EF4-FFF2-40B4-BE49-F238E27FC236}">
-                <a16:creationId xmlns:a16="http://schemas.microsoft.com/office/drawing/2014/main" id="{28346840-64E8-EC99-B9FD-C97B3FF252A1}"/>
-              </a:ext>
-            </a:extLst>
-          </p:cNvPr>
-          <p:cNvPicPr>
-            <a:picLocks noChangeAspect="1"/>
-          </p:cNvPicPr>
-          <p:nvPr/>
-        </p:nvPicPr>
-        <p:blipFill rotWithShape="1">
-          <a:blip r:embed="rId12">
-            <a:extLst>
-              <a:ext uri="{BEBA8EAE-BF5A-486C-A8C5-ECC9F3942E4B}">
-                <a14:imgProps xmlns:a14="http://schemas.microsoft.com/office/drawing/2010/main">
-                  <a14:imgLayer r:embed="rId8">
-                    <a14:imgEffect>
-                      <a14:artisticBlur/>
-                    </a14:imgEffect>
-                    <a14:imgEffect>
-                      <a14:sharpenSoften amount="50000"/>
-                    </a14:imgEffect>
-                    <a14:imgEffect>
-                      <a14:colorTemperature colorTemp="4700"/>
-                    </a14:imgEffect>
-                  </a14:imgLayer>
-                </a14:imgProps>
-              </a:ext>
-              <a:ext uri="{28A0092B-C50C-407E-A947-70E740481C1C}">
-                <a14:useLocalDpi xmlns:a14="http://schemas.microsoft.com/office/drawing/2010/main" val="0"/>
-              </a:ext>
-            </a:extLst>
-          </a:blip>
-          <a:srcRect l="42063" t="42857" r="40794" b="43129"/>
-          <a:stretch/>
-        </p:blipFill>
-        <p:spPr>
-          <a:xfrm rot="14162175">
-            <a:off x="8188584" y="865876"/>
-            <a:ext cx="1613657" cy="1319101"/>
-          </a:xfrm>
-          <a:prstGeom prst="rect">
-            <a:avLst/>
-          </a:prstGeom>
-        </p:spPr>
-      </p:pic>
-      <p:pic>
-        <p:nvPicPr>
-          <p:cNvPr id="49" name="Picture 48">
-            <a:extLst>
-              <a:ext uri="{FF2B5EF4-FFF2-40B4-BE49-F238E27FC236}">
-                <a16:creationId xmlns:a16="http://schemas.microsoft.com/office/drawing/2014/main" id="{F7A84ACA-A8D2-CDB5-4E77-EDCC9658C8E2}"/>
-              </a:ext>
-            </a:extLst>
-          </p:cNvPr>
-          <p:cNvPicPr>
-            <a:picLocks noChangeAspect="1"/>
-          </p:cNvPicPr>
-          <p:nvPr/>
-        </p:nvPicPr>
-        <p:blipFill rotWithShape="1">
-          <a:blip r:embed="rId12">
-            <a:extLst>
-              <a:ext uri="{BEBA8EAE-BF5A-486C-A8C5-ECC9F3942E4B}">
-                <a14:imgProps xmlns:a14="http://schemas.microsoft.com/office/drawing/2010/main">
-                  <a14:imgLayer r:embed="rId8">
-                    <a14:imgEffect>
-                      <a14:artisticBlur/>
-                    </a14:imgEffect>
-                    <a14:imgEffect>
-                      <a14:sharpenSoften amount="50000"/>
-                    </a14:imgEffect>
-                    <a14:imgEffect>
-                      <a14:colorTemperature colorTemp="4700"/>
-                    </a14:imgEffect>
-                  </a14:imgLayer>
-                </a14:imgProps>
-              </a:ext>
-              <a:ext uri="{28A0092B-C50C-407E-A947-70E740481C1C}">
-                <a14:useLocalDpi xmlns:a14="http://schemas.microsoft.com/office/drawing/2010/main" val="0"/>
-              </a:ext>
-            </a:extLst>
-          </a:blip>
-          <a:srcRect l="42063" t="42857" r="40794" b="43129"/>
-          <a:stretch/>
-        </p:blipFill>
-        <p:spPr>
-          <a:xfrm rot="893319">
-            <a:off x="9752128" y="1956995"/>
-            <a:ext cx="1511043" cy="1235217"/>
-          </a:xfrm>
-          <a:prstGeom prst="rect">
-            <a:avLst/>
-          </a:prstGeom>
-        </p:spPr>
-      </p:pic>
-      <p:pic>
-        <p:nvPicPr>
-          <p:cNvPr id="50" name="Picture 49">
-            <a:extLst>
-              <a:ext uri="{FF2B5EF4-FFF2-40B4-BE49-F238E27FC236}">
-                <a16:creationId xmlns:a16="http://schemas.microsoft.com/office/drawing/2014/main" id="{1CE44023-EE23-95FE-AE56-4E3AE2088BCF}"/>
-              </a:ext>
-            </a:extLst>
-          </p:cNvPr>
-          <p:cNvPicPr>
-            <a:picLocks noChangeAspect="1"/>
-          </p:cNvPicPr>
-          <p:nvPr/>
-        </p:nvPicPr>
-        <p:blipFill rotWithShape="1">
-          <a:blip r:embed="rId11">
-            <a:extLst>
-              <a:ext uri="{BEBA8EAE-BF5A-486C-A8C5-ECC9F3942E4B}">
-                <a14:imgProps xmlns:a14="http://schemas.microsoft.com/office/drawing/2010/main">
-                  <a14:imgLayer r:embed="rId10">
-                    <a14:imgEffect>
-                      <a14:artisticBlur/>
-                    </a14:imgEffect>
-                    <a14:imgEffect>
-                      <a14:sharpenSoften amount="50000"/>
-                    </a14:imgEffect>
-                    <a14:imgEffect>
-                      <a14:colorTemperature colorTemp="4700"/>
-                    </a14:imgEffect>
-                  </a14:imgLayer>
-                </a14:imgProps>
-              </a:ext>
-              <a:ext uri="{28A0092B-C50C-407E-A947-70E740481C1C}">
-                <a14:useLocalDpi xmlns:a14="http://schemas.microsoft.com/office/drawing/2010/main" val="0"/>
-              </a:ext>
-            </a:extLst>
-          </a:blip>
-          <a:srcRect l="41247" t="41497" r="41338" b="40544"/>
-          <a:stretch/>
-        </p:blipFill>
-        <p:spPr>
-          <a:xfrm rot="8331144">
-            <a:off x="8461649" y="2318037"/>
-            <a:ext cx="935237" cy="964464"/>
-          </a:xfrm>
-          <a:prstGeom prst="rect">
-            <a:avLst/>
-          </a:prstGeom>
-        </p:spPr>
-      </p:pic>
-      <p:pic>
-        <p:nvPicPr>
-          <p:cNvPr id="52" name="Picture 51">
-            <a:extLst>
-              <a:ext uri="{FF2B5EF4-FFF2-40B4-BE49-F238E27FC236}">
-                <a16:creationId xmlns:a16="http://schemas.microsoft.com/office/drawing/2014/main" id="{18A2889D-43E4-4A5C-CC78-D8D62B609E30}"/>
-              </a:ext>
-            </a:extLst>
-          </p:cNvPr>
-          <p:cNvPicPr>
-            <a:picLocks noChangeAspect="1"/>
-          </p:cNvPicPr>
-          <p:nvPr/>
-        </p:nvPicPr>
-        <p:blipFill rotWithShape="1">
-          <a:blip r:embed="rId5">
-            <a:extLst>
-              <a:ext uri="{BEBA8EAE-BF5A-486C-A8C5-ECC9F3942E4B}">
-                <a14:imgProps xmlns:a14="http://schemas.microsoft.com/office/drawing/2010/main">
-                  <a14:imgLayer r:embed="rId6">
-                    <a14:imgEffect>
-                      <a14:sharpenSoften amount="50000"/>
-                    </a14:imgEffect>
-                    <a14:imgEffect>
-                      <a14:colorTemperature colorTemp="4700"/>
-                    </a14:imgEffect>
-                  </a14:imgLayer>
-                </a14:imgProps>
-              </a:ext>
-              <a:ext uri="{28A0092B-C50C-407E-A947-70E740481C1C}">
-                <a14:useLocalDpi xmlns:a14="http://schemas.microsoft.com/office/drawing/2010/main" val="0"/>
-              </a:ext>
-            </a:extLst>
-          </a:blip>
-          <a:srcRect l="41383" t="43129" r="41474" b="42858"/>
-          <a:stretch/>
-        </p:blipFill>
-        <p:spPr>
-          <a:xfrm rot="8331144">
-            <a:off x="9954885" y="990362"/>
-            <a:ext cx="920625" cy="752573"/>
-          </a:xfrm>
-          <a:prstGeom prst="rect">
-            <a:avLst/>
-          </a:prstGeom>
-        </p:spPr>
-      </p:pic>
-      <p:pic>
-        <p:nvPicPr>
-          <p:cNvPr id="53" name="Picture 52">
-            <a:extLst>
-              <a:ext uri="{FF2B5EF4-FFF2-40B4-BE49-F238E27FC236}">
-                <a16:creationId xmlns:a16="http://schemas.microsoft.com/office/drawing/2014/main" id="{EB3A59A0-38FC-4D2F-E7EF-54573A9335CC}"/>
-              </a:ext>
-            </a:extLst>
-          </p:cNvPr>
-          <p:cNvPicPr>
-            <a:picLocks noChangeAspect="1"/>
-          </p:cNvPicPr>
-          <p:nvPr/>
-        </p:nvPicPr>
-        <p:blipFill rotWithShape="1">
-          <a:blip r:embed="rId9">
-            <a:extLst>
-              <a:ext uri="{BEBA8EAE-BF5A-486C-A8C5-ECC9F3942E4B}">
-                <a14:imgProps xmlns:a14="http://schemas.microsoft.com/office/drawing/2010/main">
-                  <a14:imgLayer r:embed="rId10">
-                    <a14:imgEffect>
-                      <a14:sharpenSoften amount="50000"/>
-                    </a14:imgEffect>
-                    <a14:imgEffect>
-                      <a14:colorTemperature colorTemp="4700"/>
-                    </a14:imgEffect>
-                  </a14:imgLayer>
-                </a14:imgProps>
-              </a:ext>
-              <a:ext uri="{28A0092B-C50C-407E-A947-70E740481C1C}">
-                <a14:useLocalDpi xmlns:a14="http://schemas.microsoft.com/office/drawing/2010/main" val="0"/>
-              </a:ext>
-            </a:extLst>
-          </a:blip>
-          <a:srcRect l="41247" t="41497" r="41338" b="40544"/>
-          <a:stretch/>
-        </p:blipFill>
-        <p:spPr>
-          <a:xfrm>
-            <a:off x="3817633" y="223574"/>
-            <a:ext cx="935237" cy="964464"/>
-          </a:xfrm>
-          <a:prstGeom prst="rect">
-            <a:avLst/>
-          </a:prstGeom>
-        </p:spPr>
-      </p:pic>
-      <p:pic>
-        <p:nvPicPr>
-          <p:cNvPr id="54" name="Picture 53">
-            <a:extLst>
-              <a:ext uri="{FF2B5EF4-FFF2-40B4-BE49-F238E27FC236}">
-                <a16:creationId xmlns:a16="http://schemas.microsoft.com/office/drawing/2014/main" id="{8C11EDFE-573B-A765-D201-C2E4FA8E1FFC}"/>
-              </a:ext>
-            </a:extLst>
-          </p:cNvPr>
-          <p:cNvPicPr>
-            <a:picLocks noChangeAspect="1"/>
-          </p:cNvPicPr>
-          <p:nvPr/>
-        </p:nvPicPr>
-        <p:blipFill rotWithShape="1">
-          <a:blip r:embed="rId7">
-            <a:extLst>
-              <a:ext uri="{BEBA8EAE-BF5A-486C-A8C5-ECC9F3942E4B}">
-                <a14:imgProps xmlns:a14="http://schemas.microsoft.com/office/drawing/2010/main">
-                  <a14:imgLayer r:embed="rId8">
                     <a14:imgEffect>
                       <a14:sharpenSoften amount="50000"/>
                     </a14:imgEffect>
@@ -7079,13 +7345,13 @@
   <p:clrMapOvr>
     <a:masterClrMapping/>
   </p:clrMapOvr>
-  <mc:AlternateContent xmlns:mc="http://schemas.openxmlformats.org/markup-compatibility/2006">
-    <mc:Choice xmlns:p159="http://schemas.microsoft.com/office/powerpoint/2015/09/main" Requires="p159">
+  <mc:AlternateContent xmlns:mc="http://schemas.openxmlformats.org/markup-compatibility/2006" xmlns:p159="http://schemas.microsoft.com/office/powerpoint/2015/09/main">
+    <mc:Choice Requires="p159">
       <p:transition spd="med">
         <p159:morph option="byObject"/>
       </p:transition>
     </mc:Choice>
-    <mc:Fallback>
+    <mc:Fallback xmlns="">
       <p:transition spd="med">
         <p:fade/>
       </p:transition>
@@ -7111,10 +7377,1904 @@
           <a:chExt cx="0" cy="0"/>
         </a:xfrm>
       </p:grpSpPr>
+      <p:pic>
+        <p:nvPicPr>
+          <p:cNvPr id="4" name="Picture 3">
+            <a:extLst>
+              <a:ext uri="{FF2B5EF4-FFF2-40B4-BE49-F238E27FC236}">
+                <a16:creationId xmlns:a16="http://schemas.microsoft.com/office/drawing/2014/main" id="{59A89E5A-8D46-2CFC-0D4D-350903E74B6C}"/>
+              </a:ext>
+            </a:extLst>
+          </p:cNvPr>
+          <p:cNvPicPr>
+            <a:picLocks noChangeAspect="1"/>
+          </p:cNvPicPr>
+          <p:nvPr/>
+        </p:nvPicPr>
+        <p:blipFill rotWithShape="1">
+          <a:blip r:embed="rId3">
+            <a:alphaModFix amt="35000"/>
+            <a:extLst>
+              <a:ext uri="{BEBA8EAE-BF5A-486C-A8C5-ECC9F3942E4B}">
+                <a14:imgProps xmlns:a14="http://schemas.microsoft.com/office/drawing/2010/main">
+                  <a14:imgLayer r:embed="rId4">
+                    <a14:imgEffect>
+                      <a14:artisticBlur/>
+                    </a14:imgEffect>
+                    <a14:imgEffect>
+                      <a14:sharpenSoften amount="50000"/>
+                    </a14:imgEffect>
+                    <a14:imgEffect>
+                      <a14:colorTemperature colorTemp="4700"/>
+                    </a14:imgEffect>
+                  </a14:imgLayer>
+                </a14:imgProps>
+              </a:ext>
+              <a:ext uri="{28A0092B-C50C-407E-A947-70E740481C1C}">
+                <a14:useLocalDpi xmlns:a14="http://schemas.microsoft.com/office/drawing/2010/main" val="0"/>
+              </a:ext>
+            </a:extLst>
+          </a:blip>
+          <a:srcRect l="41247" t="42993" r="41610" b="43401"/>
+          <a:stretch/>
+        </p:blipFill>
+        <p:spPr>
+          <a:xfrm>
+            <a:off x="2796544" y="-2859756"/>
+            <a:ext cx="7206571" cy="5719511"/>
+          </a:xfrm>
+          <a:prstGeom prst="rect">
+            <a:avLst/>
+          </a:prstGeom>
+        </p:spPr>
+      </p:pic>
+      <p:pic>
+        <p:nvPicPr>
+          <p:cNvPr id="5" name="Picture 4">
+            <a:extLst>
+              <a:ext uri="{FF2B5EF4-FFF2-40B4-BE49-F238E27FC236}">
+                <a16:creationId xmlns:a16="http://schemas.microsoft.com/office/drawing/2014/main" id="{3141AE52-0B4D-D8ED-59C1-698E40848027}"/>
+              </a:ext>
+            </a:extLst>
+          </p:cNvPr>
+          <p:cNvPicPr>
+            <a:picLocks noChangeAspect="1"/>
+          </p:cNvPicPr>
+          <p:nvPr/>
+        </p:nvPicPr>
+        <p:blipFill rotWithShape="1">
+          <a:blip r:embed="rId5">
+            <a:alphaModFix amt="20000"/>
+            <a:extLst>
+              <a:ext uri="{BEBA8EAE-BF5A-486C-A8C5-ECC9F3942E4B}">
+                <a14:imgProps xmlns:a14="http://schemas.microsoft.com/office/drawing/2010/main">
+                  <a14:imgLayer r:embed="rId6">
+                    <a14:imgEffect>
+                      <a14:artisticBlur/>
+                    </a14:imgEffect>
+                    <a14:imgEffect>
+                      <a14:sharpenSoften amount="50000"/>
+                    </a14:imgEffect>
+                    <a14:imgEffect>
+                      <a14:colorTemperature colorTemp="4700"/>
+                    </a14:imgEffect>
+                  </a14:imgLayer>
+                </a14:imgProps>
+              </a:ext>
+              <a:ext uri="{28A0092B-C50C-407E-A947-70E740481C1C}">
+                <a14:useLocalDpi xmlns:a14="http://schemas.microsoft.com/office/drawing/2010/main" val="0"/>
+              </a:ext>
+            </a:extLst>
+          </a:blip>
+          <a:srcRect l="42063" t="42857" r="40794" b="43129"/>
+          <a:stretch/>
+        </p:blipFill>
+        <p:spPr>
+          <a:xfrm rot="14162175">
+            <a:off x="-2307285" y="-1829082"/>
+            <a:ext cx="7491876" cy="6124313"/>
+          </a:xfrm>
+          <a:prstGeom prst="rect">
+            <a:avLst/>
+          </a:prstGeom>
+        </p:spPr>
+      </p:pic>
+      <p:pic>
+        <p:nvPicPr>
+          <p:cNvPr id="6" name="Picture 5">
+            <a:extLst>
+              <a:ext uri="{FF2B5EF4-FFF2-40B4-BE49-F238E27FC236}">
+                <a16:creationId xmlns:a16="http://schemas.microsoft.com/office/drawing/2014/main" id="{C5031D66-BF8B-10BB-A21E-6F5644C98976}"/>
+              </a:ext>
+            </a:extLst>
+          </p:cNvPr>
+          <p:cNvPicPr>
+            <a:picLocks noChangeAspect="1"/>
+          </p:cNvPicPr>
+          <p:nvPr/>
+        </p:nvPicPr>
+        <p:blipFill rotWithShape="1">
+          <a:blip r:embed="rId7">
+            <a:alphaModFix amt="20000"/>
+            <a:extLst>
+              <a:ext uri="{BEBA8EAE-BF5A-486C-A8C5-ECC9F3942E4B}">
+                <a14:imgProps xmlns:a14="http://schemas.microsoft.com/office/drawing/2010/main">
+                  <a14:imgLayer r:embed="rId8">
+                    <a14:imgEffect>
+                      <a14:artisticBlur/>
+                    </a14:imgEffect>
+                    <a14:imgEffect>
+                      <a14:sharpenSoften amount="50000"/>
+                    </a14:imgEffect>
+                    <a14:imgEffect>
+                      <a14:colorTemperature colorTemp="4700"/>
+                    </a14:imgEffect>
+                  </a14:imgLayer>
+                </a14:imgProps>
+              </a:ext>
+              <a:ext uri="{28A0092B-C50C-407E-A947-70E740481C1C}">
+                <a14:useLocalDpi xmlns:a14="http://schemas.microsoft.com/office/drawing/2010/main" val="0"/>
+              </a:ext>
+            </a:extLst>
+          </a:blip>
+          <a:srcRect l="41247" t="41497" r="41338" b="40544"/>
+          <a:stretch/>
+        </p:blipFill>
+        <p:spPr>
+          <a:xfrm rot="8331144">
+            <a:off x="9244721" y="4471965"/>
+            <a:ext cx="5172160" cy="5333795"/>
+          </a:xfrm>
+          <a:prstGeom prst="rect">
+            <a:avLst/>
+          </a:prstGeom>
+        </p:spPr>
+      </p:pic>
+      <p:pic>
+        <p:nvPicPr>
+          <p:cNvPr id="7" name="Picture 6">
+            <a:extLst>
+              <a:ext uri="{FF2B5EF4-FFF2-40B4-BE49-F238E27FC236}">
+                <a16:creationId xmlns:a16="http://schemas.microsoft.com/office/drawing/2014/main" id="{BE85AF99-C382-4866-EFE6-57DB503BB1F8}"/>
+              </a:ext>
+            </a:extLst>
+          </p:cNvPr>
+          <p:cNvPicPr>
+            <a:picLocks noChangeAspect="1"/>
+          </p:cNvPicPr>
+          <p:nvPr/>
+        </p:nvPicPr>
+        <p:blipFill rotWithShape="1">
+          <a:blip r:embed="rId5">
+            <a:alphaModFix amt="20000"/>
+            <a:extLst>
+              <a:ext uri="{BEBA8EAE-BF5A-486C-A8C5-ECC9F3942E4B}">
+                <a14:imgProps xmlns:a14="http://schemas.microsoft.com/office/drawing/2010/main">
+                  <a14:imgLayer r:embed="rId6">
+                    <a14:imgEffect>
+                      <a14:artisticBlur/>
+                    </a14:imgEffect>
+                    <a14:imgEffect>
+                      <a14:sharpenSoften amount="50000"/>
+                    </a14:imgEffect>
+                    <a14:imgEffect>
+                      <a14:colorTemperature colorTemp="4700"/>
+                    </a14:imgEffect>
+                  </a14:imgLayer>
+                </a14:imgProps>
+              </a:ext>
+              <a:ext uri="{28A0092B-C50C-407E-A947-70E740481C1C}">
+                <a14:useLocalDpi xmlns:a14="http://schemas.microsoft.com/office/drawing/2010/main" val="0"/>
+              </a:ext>
+            </a:extLst>
+          </a:blip>
+          <a:srcRect l="42063" t="42857" r="40794" b="43129"/>
+          <a:stretch/>
+        </p:blipFill>
+        <p:spPr>
+          <a:xfrm rot="16481978">
+            <a:off x="6350241" y="-249213"/>
+            <a:ext cx="8037267" cy="6570149"/>
+          </a:xfrm>
+          <a:prstGeom prst="rect">
+            <a:avLst/>
+          </a:prstGeom>
+        </p:spPr>
+      </p:pic>
+      <p:pic>
+        <p:nvPicPr>
+          <p:cNvPr id="8" name="Picture 7">
+            <a:extLst>
+              <a:ext uri="{FF2B5EF4-FFF2-40B4-BE49-F238E27FC236}">
+                <a16:creationId xmlns:a16="http://schemas.microsoft.com/office/drawing/2014/main" id="{3632E890-D371-4557-6A41-A7F31B57E55C}"/>
+              </a:ext>
+            </a:extLst>
+          </p:cNvPr>
+          <p:cNvPicPr>
+            <a:picLocks noChangeAspect="1"/>
+          </p:cNvPicPr>
+          <p:nvPr/>
+        </p:nvPicPr>
+        <p:blipFill rotWithShape="1">
+          <a:blip r:embed="rId5">
+            <a:alphaModFix amt="35000"/>
+            <a:extLst>
+              <a:ext uri="{BEBA8EAE-BF5A-486C-A8C5-ECC9F3942E4B}">
+                <a14:imgProps xmlns:a14="http://schemas.microsoft.com/office/drawing/2010/main">
+                  <a14:imgLayer r:embed="rId6">
+                    <a14:imgEffect>
+                      <a14:artisticBlur/>
+                    </a14:imgEffect>
+                    <a14:imgEffect>
+                      <a14:sharpenSoften amount="50000"/>
+                    </a14:imgEffect>
+                    <a14:imgEffect>
+                      <a14:colorTemperature colorTemp="4700"/>
+                    </a14:imgEffect>
+                  </a14:imgLayer>
+                </a14:imgProps>
+              </a:ext>
+              <a:ext uri="{28A0092B-C50C-407E-A947-70E740481C1C}">
+                <a14:useLocalDpi xmlns:a14="http://schemas.microsoft.com/office/drawing/2010/main" val="0"/>
+              </a:ext>
+            </a:extLst>
+          </a:blip>
+          <a:srcRect l="42063" t="42857" r="40794" b="43129"/>
+          <a:stretch/>
+        </p:blipFill>
+        <p:spPr>
+          <a:xfrm rot="893319">
+            <a:off x="148326" y="3973059"/>
+            <a:ext cx="7718399" cy="6309481"/>
+          </a:xfrm>
+          <a:prstGeom prst="rect">
+            <a:avLst/>
+          </a:prstGeom>
+        </p:spPr>
+      </p:pic>
+      <p:sp>
+        <p:nvSpPr>
+          <p:cNvPr id="10" name="TextBox 9">
+            <a:extLst>
+              <a:ext uri="{FF2B5EF4-FFF2-40B4-BE49-F238E27FC236}">
+                <a16:creationId xmlns:a16="http://schemas.microsoft.com/office/drawing/2014/main" id="{A0F34BD9-646C-2E69-AC8B-8BF5C330EEAE}"/>
+              </a:ext>
+            </a:extLst>
+          </p:cNvPr>
+          <p:cNvSpPr txBox="1"/>
+          <p:nvPr/>
+        </p:nvSpPr>
+        <p:spPr>
+          <a:xfrm>
+            <a:off x="7898556" y="1843950"/>
+            <a:ext cx="2840315" cy="2800767"/>
+          </a:xfrm>
+          <a:prstGeom prst="rect">
+            <a:avLst/>
+          </a:prstGeom>
+          <a:noFill/>
+        </p:spPr>
+        <p:txBody>
+          <a:bodyPr wrap="square" rtlCol="0">
+            <a:spAutoFit/>
+          </a:bodyPr>
+          <a:lstStyle/>
+          <a:p>
+            <a:pPr algn="ctr"/>
+            <a:r>
+              <a:rPr lang="en-PH" sz="3200" dirty="0">
+                <a:solidFill>
+                  <a:schemeClr val="accent6">
+                    <a:lumMod val="50000"/>
+                  </a:schemeClr>
+                </a:solidFill>
+                <a:latin typeface="Segoe UI Variable Display Semib" pitchFamily="2" charset="0"/>
+                <a:cs typeface="Segoe UI Light" panose="020B0502040204020203" pitchFamily="34" charset="0"/>
+              </a:rPr>
+              <a:t>NO-SQL</a:t>
+            </a:r>
+            <a:endParaRPr lang="en-PH" sz="2400" dirty="0">
+              <a:solidFill>
+                <a:schemeClr val="accent6">
+                  <a:lumMod val="50000"/>
+                </a:schemeClr>
+              </a:solidFill>
+              <a:latin typeface="Segoe UI Variable Display Semib" pitchFamily="2" charset="0"/>
+              <a:cs typeface="Segoe UI Light" panose="020B0502040204020203" pitchFamily="34" charset="0"/>
+            </a:endParaRPr>
+          </a:p>
+          <a:p>
+            <a:pPr algn="ctr"/>
+            <a:endParaRPr lang="en-PH" sz="2400" dirty="0">
+              <a:solidFill>
+                <a:srgbClr val="F2F5EF"/>
+              </a:solidFill>
+              <a:latin typeface="Segoe UI Light" panose="020B0502040204020203" pitchFamily="34" charset="0"/>
+              <a:cs typeface="Segoe UI Light" panose="020B0502040204020203" pitchFamily="34" charset="0"/>
+            </a:endParaRPr>
+          </a:p>
+          <a:p>
+            <a:pPr algn="ctr"/>
+            <a:r>
+              <a:rPr lang="en-GB" sz="2400" dirty="0" err="1">
+                <a:solidFill>
+                  <a:srgbClr val="F2F5EF"/>
+                </a:solidFill>
+                <a:latin typeface="Segoe UI Light" panose="020B0502040204020203" pitchFamily="34" charset="0"/>
+                <a:cs typeface="Segoe UI Light" panose="020B0502040204020203" pitchFamily="34" charset="0"/>
+              </a:rPr>
+              <a:t>Tablesssssssssssssss</a:t>
+            </a:r>
+            <a:r>
+              <a:rPr lang="en-GB" sz="2400" dirty="0">
+                <a:solidFill>
+                  <a:srgbClr val="F2F5EF"/>
+                </a:solidFill>
+                <a:latin typeface="Segoe UI Light" panose="020B0502040204020203" pitchFamily="34" charset="0"/>
+                <a:cs typeface="Segoe UI Light" panose="020B0502040204020203" pitchFamily="34" charset="0"/>
+              </a:rPr>
+              <a:t>? One folder is enough to put all my data</a:t>
+            </a:r>
+            <a:endParaRPr lang="en-PH" sz="2400" dirty="0">
+              <a:solidFill>
+                <a:srgbClr val="F2F5EF"/>
+              </a:solidFill>
+              <a:latin typeface="Segoe UI Light" panose="020B0502040204020203" pitchFamily="34" charset="0"/>
+              <a:cs typeface="Segoe UI Light" panose="020B0502040204020203" pitchFamily="34" charset="0"/>
+            </a:endParaRPr>
+          </a:p>
+          <a:p>
+            <a:pPr algn="ctr"/>
+            <a:endParaRPr lang="en-US" sz="2400" dirty="0">
+              <a:solidFill>
+                <a:schemeClr val="bg1">
+                  <a:lumMod val="85000"/>
+                </a:schemeClr>
+              </a:solidFill>
+              <a:latin typeface="Segoe UI Light" panose="020B0502040204020203" pitchFamily="34" charset="0"/>
+              <a:cs typeface="Segoe UI Light" panose="020B0502040204020203" pitchFamily="34" charset="0"/>
+            </a:endParaRPr>
+          </a:p>
+        </p:txBody>
+      </p:sp>
+      <p:sp>
+        <p:nvSpPr>
+          <p:cNvPr id="9" name="TextBox 8">
+            <a:extLst>
+              <a:ext uri="{FF2B5EF4-FFF2-40B4-BE49-F238E27FC236}">
+                <a16:creationId xmlns:a16="http://schemas.microsoft.com/office/drawing/2014/main" id="{45A14FB9-EA7C-1D1E-6240-2179D7CEA5FC}"/>
+              </a:ext>
+            </a:extLst>
+          </p:cNvPr>
+          <p:cNvSpPr txBox="1"/>
+          <p:nvPr/>
+        </p:nvSpPr>
+        <p:spPr>
+          <a:xfrm>
+            <a:off x="2711468" y="1843950"/>
+            <a:ext cx="2840315" cy="3170099"/>
+          </a:xfrm>
+          <a:prstGeom prst="rect">
+            <a:avLst/>
+          </a:prstGeom>
+          <a:noFill/>
+        </p:spPr>
+        <p:txBody>
+          <a:bodyPr wrap="square" rtlCol="0">
+            <a:spAutoFit/>
+          </a:bodyPr>
+          <a:lstStyle/>
+          <a:p>
+            <a:pPr algn="ctr"/>
+            <a:r>
+              <a:rPr lang="en-PH" sz="3200" dirty="0">
+                <a:solidFill>
+                  <a:schemeClr val="accent6">
+                    <a:lumMod val="50000"/>
+                  </a:schemeClr>
+                </a:solidFill>
+                <a:latin typeface="Segoe UI Variable Display Semib" pitchFamily="2" charset="0"/>
+                <a:cs typeface="Segoe UI Light" panose="020B0502040204020203" pitchFamily="34" charset="0"/>
+              </a:rPr>
+              <a:t>SQL</a:t>
+            </a:r>
+            <a:endParaRPr lang="en-PH" sz="2400" dirty="0">
+              <a:solidFill>
+                <a:schemeClr val="accent6">
+                  <a:lumMod val="50000"/>
+                </a:schemeClr>
+              </a:solidFill>
+              <a:latin typeface="Segoe UI Variable Display Semib" pitchFamily="2" charset="0"/>
+              <a:cs typeface="Segoe UI Light" panose="020B0502040204020203" pitchFamily="34" charset="0"/>
+            </a:endParaRPr>
+          </a:p>
+          <a:p>
+            <a:pPr algn="ctr"/>
+            <a:endParaRPr lang="en-PH" sz="2400" dirty="0">
+              <a:solidFill>
+                <a:schemeClr val="bg1"/>
+              </a:solidFill>
+              <a:latin typeface="Segoe UI Light" panose="020B0502040204020203" pitchFamily="34" charset="0"/>
+              <a:cs typeface="Segoe UI Light" panose="020B0502040204020203" pitchFamily="34" charset="0"/>
+            </a:endParaRPr>
+          </a:p>
+          <a:p>
+            <a:pPr algn="ctr"/>
+            <a:r>
+              <a:rPr lang="en-GB" sz="2400" dirty="0">
+                <a:solidFill>
+                  <a:schemeClr val="bg1"/>
+                </a:solidFill>
+                <a:latin typeface="Segoe UI Light" panose="020B0502040204020203" pitchFamily="34" charset="0"/>
+                <a:cs typeface="Segoe UI Light" panose="020B0502040204020203" pitchFamily="34" charset="0"/>
+              </a:rPr>
+              <a:t>My data are interrelated through my tables. I love making connections!</a:t>
+            </a:r>
+            <a:endParaRPr lang="en-PH" sz="2400" dirty="0">
+              <a:solidFill>
+                <a:schemeClr val="bg1"/>
+              </a:solidFill>
+              <a:latin typeface="Segoe UI Light" panose="020B0502040204020203" pitchFamily="34" charset="0"/>
+              <a:cs typeface="Segoe UI Light" panose="020B0502040204020203" pitchFamily="34" charset="0"/>
+            </a:endParaRPr>
+          </a:p>
+          <a:p>
+            <a:pPr algn="ctr"/>
+            <a:endParaRPr lang="en-PH" sz="2400" dirty="0">
+              <a:solidFill>
+                <a:schemeClr val="bg1"/>
+              </a:solidFill>
+              <a:latin typeface="Segoe UI Light" panose="020B0502040204020203" pitchFamily="34" charset="0"/>
+              <a:cs typeface="Segoe UI Light" panose="020B0502040204020203" pitchFamily="34" charset="0"/>
+            </a:endParaRPr>
+          </a:p>
+          <a:p>
+            <a:pPr algn="ctr"/>
+            <a:endParaRPr lang="en-US" sz="2400" dirty="0">
+              <a:solidFill>
+                <a:schemeClr val="bg1"/>
+              </a:solidFill>
+              <a:latin typeface="Segoe UI Light" panose="020B0502040204020203" pitchFamily="34" charset="0"/>
+              <a:cs typeface="Segoe UI Light" panose="020B0502040204020203" pitchFamily="34" charset="0"/>
+            </a:endParaRPr>
+          </a:p>
+        </p:txBody>
+      </p:sp>
     </p:spTree>
     <p:extLst>
       <p:ext uri="{BB962C8B-B14F-4D97-AF65-F5344CB8AC3E}">
-        <p14:creationId xmlns:p14="http://schemas.microsoft.com/office/powerpoint/2010/main" val="3075447267"/>
+        <p14:creationId xmlns:p14="http://schemas.microsoft.com/office/powerpoint/2010/main" val="4075231062"/>
+      </p:ext>
+    </p:extLst>
+  </p:cSld>
+  <p:clrMapOvr>
+    <a:masterClrMapping/>
+  </p:clrMapOvr>
+  <mc:AlternateContent xmlns:mc="http://schemas.openxmlformats.org/markup-compatibility/2006">
+    <mc:Choice xmlns:p159="http://schemas.microsoft.com/office/powerpoint/2015/09/main" Requires="p159">
+      <p:transition spd="slow">
+        <p159:morph option="byObject"/>
+      </p:transition>
+    </mc:Choice>
+    <mc:Fallback>
+      <p:transition spd="slow">
+        <p:fade/>
+      </p:transition>
+    </mc:Fallback>
+  </mc:AlternateContent>
+</p:sld>
+</file>
+
+<file path=ppt/slides/slide4.xml><?xml version="1.0" encoding="utf-8"?>
+<p:sld xmlns:a="http://schemas.openxmlformats.org/drawingml/2006/main" xmlns:r="http://schemas.openxmlformats.org/officeDocument/2006/relationships" xmlns:p="http://schemas.openxmlformats.org/presentationml/2006/main">
+  <p:cSld>
+    <p:spTree>
+      <p:nvGrpSpPr>
+        <p:cNvPr id="1" name=""/>
+        <p:cNvGrpSpPr/>
+        <p:nvPr/>
+      </p:nvGrpSpPr>
+      <p:grpSpPr>
+        <a:xfrm>
+          <a:off x="0" y="0"/>
+          <a:ext cx="0" cy="0"/>
+          <a:chOff x="0" y="0"/>
+          <a:chExt cx="0" cy="0"/>
+        </a:xfrm>
+      </p:grpSpPr>
+      <p:pic>
+        <p:nvPicPr>
+          <p:cNvPr id="4" name="Picture 3">
+            <a:extLst>
+              <a:ext uri="{FF2B5EF4-FFF2-40B4-BE49-F238E27FC236}">
+                <a16:creationId xmlns:a16="http://schemas.microsoft.com/office/drawing/2014/main" id="{59A89E5A-8D46-2CFC-0D4D-350903E74B6C}"/>
+              </a:ext>
+            </a:extLst>
+          </p:cNvPr>
+          <p:cNvPicPr>
+            <a:picLocks noChangeAspect="1"/>
+          </p:cNvPicPr>
+          <p:nvPr/>
+        </p:nvPicPr>
+        <p:blipFill rotWithShape="1">
+          <a:blip r:embed="rId3">
+            <a:alphaModFix amt="35000"/>
+            <a:extLst>
+              <a:ext uri="{BEBA8EAE-BF5A-486C-A8C5-ECC9F3942E4B}">
+                <a14:imgProps xmlns:a14="http://schemas.microsoft.com/office/drawing/2010/main">
+                  <a14:imgLayer r:embed="rId4">
+                    <a14:imgEffect>
+                      <a14:artisticBlur/>
+                    </a14:imgEffect>
+                    <a14:imgEffect>
+                      <a14:sharpenSoften amount="50000"/>
+                    </a14:imgEffect>
+                    <a14:imgEffect>
+                      <a14:colorTemperature colorTemp="4700"/>
+                    </a14:imgEffect>
+                  </a14:imgLayer>
+                </a14:imgProps>
+              </a:ext>
+              <a:ext uri="{28A0092B-C50C-407E-A947-70E740481C1C}">
+                <a14:useLocalDpi xmlns:a14="http://schemas.microsoft.com/office/drawing/2010/main" val="0"/>
+              </a:ext>
+            </a:extLst>
+          </a:blip>
+          <a:srcRect l="41247" t="42993" r="41610" b="43401"/>
+          <a:stretch/>
+        </p:blipFill>
+        <p:spPr>
+          <a:xfrm>
+            <a:off x="2796544" y="-2859756"/>
+            <a:ext cx="7206571" cy="5719511"/>
+          </a:xfrm>
+          <a:prstGeom prst="rect">
+            <a:avLst/>
+          </a:prstGeom>
+        </p:spPr>
+      </p:pic>
+      <p:pic>
+        <p:nvPicPr>
+          <p:cNvPr id="5" name="Picture 4">
+            <a:extLst>
+              <a:ext uri="{FF2B5EF4-FFF2-40B4-BE49-F238E27FC236}">
+                <a16:creationId xmlns:a16="http://schemas.microsoft.com/office/drawing/2014/main" id="{3141AE52-0B4D-D8ED-59C1-698E40848027}"/>
+              </a:ext>
+            </a:extLst>
+          </p:cNvPr>
+          <p:cNvPicPr>
+            <a:picLocks noChangeAspect="1"/>
+          </p:cNvPicPr>
+          <p:nvPr/>
+        </p:nvPicPr>
+        <p:blipFill rotWithShape="1">
+          <a:blip r:embed="rId5">
+            <a:alphaModFix amt="20000"/>
+            <a:extLst>
+              <a:ext uri="{BEBA8EAE-BF5A-486C-A8C5-ECC9F3942E4B}">
+                <a14:imgProps xmlns:a14="http://schemas.microsoft.com/office/drawing/2010/main">
+                  <a14:imgLayer r:embed="rId6">
+                    <a14:imgEffect>
+                      <a14:artisticBlur/>
+                    </a14:imgEffect>
+                    <a14:imgEffect>
+                      <a14:sharpenSoften amount="50000"/>
+                    </a14:imgEffect>
+                    <a14:imgEffect>
+                      <a14:colorTemperature colorTemp="4700"/>
+                    </a14:imgEffect>
+                  </a14:imgLayer>
+                </a14:imgProps>
+              </a:ext>
+              <a:ext uri="{28A0092B-C50C-407E-A947-70E740481C1C}">
+                <a14:useLocalDpi xmlns:a14="http://schemas.microsoft.com/office/drawing/2010/main" val="0"/>
+              </a:ext>
+            </a:extLst>
+          </a:blip>
+          <a:srcRect l="42063" t="42857" r="40794" b="43129"/>
+          <a:stretch/>
+        </p:blipFill>
+        <p:spPr>
+          <a:xfrm rot="14162175">
+            <a:off x="-2307285" y="-1829082"/>
+            <a:ext cx="7491876" cy="6124313"/>
+          </a:xfrm>
+          <a:prstGeom prst="rect">
+            <a:avLst/>
+          </a:prstGeom>
+        </p:spPr>
+      </p:pic>
+      <p:pic>
+        <p:nvPicPr>
+          <p:cNvPr id="6" name="Picture 5">
+            <a:extLst>
+              <a:ext uri="{FF2B5EF4-FFF2-40B4-BE49-F238E27FC236}">
+                <a16:creationId xmlns:a16="http://schemas.microsoft.com/office/drawing/2014/main" id="{C5031D66-BF8B-10BB-A21E-6F5644C98976}"/>
+              </a:ext>
+            </a:extLst>
+          </p:cNvPr>
+          <p:cNvPicPr>
+            <a:picLocks noChangeAspect="1"/>
+          </p:cNvPicPr>
+          <p:nvPr/>
+        </p:nvPicPr>
+        <p:blipFill rotWithShape="1">
+          <a:blip r:embed="rId7">
+            <a:alphaModFix amt="20000"/>
+            <a:extLst>
+              <a:ext uri="{BEBA8EAE-BF5A-486C-A8C5-ECC9F3942E4B}">
+                <a14:imgProps xmlns:a14="http://schemas.microsoft.com/office/drawing/2010/main">
+                  <a14:imgLayer r:embed="rId8">
+                    <a14:imgEffect>
+                      <a14:artisticBlur/>
+                    </a14:imgEffect>
+                    <a14:imgEffect>
+                      <a14:sharpenSoften amount="50000"/>
+                    </a14:imgEffect>
+                    <a14:imgEffect>
+                      <a14:colorTemperature colorTemp="4700"/>
+                    </a14:imgEffect>
+                  </a14:imgLayer>
+                </a14:imgProps>
+              </a:ext>
+              <a:ext uri="{28A0092B-C50C-407E-A947-70E740481C1C}">
+                <a14:useLocalDpi xmlns:a14="http://schemas.microsoft.com/office/drawing/2010/main" val="0"/>
+              </a:ext>
+            </a:extLst>
+          </a:blip>
+          <a:srcRect l="41247" t="41497" r="41338" b="40544"/>
+          <a:stretch/>
+        </p:blipFill>
+        <p:spPr>
+          <a:xfrm rot="8331144">
+            <a:off x="9244721" y="4471965"/>
+            <a:ext cx="5172160" cy="5333795"/>
+          </a:xfrm>
+          <a:prstGeom prst="rect">
+            <a:avLst/>
+          </a:prstGeom>
+        </p:spPr>
+      </p:pic>
+      <p:pic>
+        <p:nvPicPr>
+          <p:cNvPr id="7" name="Picture 6">
+            <a:extLst>
+              <a:ext uri="{FF2B5EF4-FFF2-40B4-BE49-F238E27FC236}">
+                <a16:creationId xmlns:a16="http://schemas.microsoft.com/office/drawing/2014/main" id="{BE85AF99-C382-4866-EFE6-57DB503BB1F8}"/>
+              </a:ext>
+            </a:extLst>
+          </p:cNvPr>
+          <p:cNvPicPr>
+            <a:picLocks noChangeAspect="1"/>
+          </p:cNvPicPr>
+          <p:nvPr/>
+        </p:nvPicPr>
+        <p:blipFill rotWithShape="1">
+          <a:blip r:embed="rId5">
+            <a:alphaModFix amt="20000"/>
+            <a:extLst>
+              <a:ext uri="{BEBA8EAE-BF5A-486C-A8C5-ECC9F3942E4B}">
+                <a14:imgProps xmlns:a14="http://schemas.microsoft.com/office/drawing/2010/main">
+                  <a14:imgLayer r:embed="rId6">
+                    <a14:imgEffect>
+                      <a14:artisticBlur/>
+                    </a14:imgEffect>
+                    <a14:imgEffect>
+                      <a14:sharpenSoften amount="50000"/>
+                    </a14:imgEffect>
+                    <a14:imgEffect>
+                      <a14:colorTemperature colorTemp="4700"/>
+                    </a14:imgEffect>
+                  </a14:imgLayer>
+                </a14:imgProps>
+              </a:ext>
+              <a:ext uri="{28A0092B-C50C-407E-A947-70E740481C1C}">
+                <a14:useLocalDpi xmlns:a14="http://schemas.microsoft.com/office/drawing/2010/main" val="0"/>
+              </a:ext>
+            </a:extLst>
+          </a:blip>
+          <a:srcRect l="42063" t="42857" r="40794" b="43129"/>
+          <a:stretch/>
+        </p:blipFill>
+        <p:spPr>
+          <a:xfrm rot="16481978">
+            <a:off x="6350241" y="-249213"/>
+            <a:ext cx="8037267" cy="6570149"/>
+          </a:xfrm>
+          <a:prstGeom prst="rect">
+            <a:avLst/>
+          </a:prstGeom>
+        </p:spPr>
+      </p:pic>
+      <p:pic>
+        <p:nvPicPr>
+          <p:cNvPr id="8" name="Picture 7">
+            <a:extLst>
+              <a:ext uri="{FF2B5EF4-FFF2-40B4-BE49-F238E27FC236}">
+                <a16:creationId xmlns:a16="http://schemas.microsoft.com/office/drawing/2014/main" id="{3632E890-D371-4557-6A41-A7F31B57E55C}"/>
+              </a:ext>
+            </a:extLst>
+          </p:cNvPr>
+          <p:cNvPicPr>
+            <a:picLocks noChangeAspect="1"/>
+          </p:cNvPicPr>
+          <p:nvPr/>
+        </p:nvPicPr>
+        <p:blipFill rotWithShape="1">
+          <a:blip r:embed="rId5">
+            <a:alphaModFix amt="35000"/>
+            <a:extLst>
+              <a:ext uri="{BEBA8EAE-BF5A-486C-A8C5-ECC9F3942E4B}">
+                <a14:imgProps xmlns:a14="http://schemas.microsoft.com/office/drawing/2010/main">
+                  <a14:imgLayer r:embed="rId6">
+                    <a14:imgEffect>
+                      <a14:artisticBlur/>
+                    </a14:imgEffect>
+                    <a14:imgEffect>
+                      <a14:sharpenSoften amount="50000"/>
+                    </a14:imgEffect>
+                    <a14:imgEffect>
+                      <a14:colorTemperature colorTemp="4700"/>
+                    </a14:imgEffect>
+                  </a14:imgLayer>
+                </a14:imgProps>
+              </a:ext>
+              <a:ext uri="{28A0092B-C50C-407E-A947-70E740481C1C}">
+                <a14:useLocalDpi xmlns:a14="http://schemas.microsoft.com/office/drawing/2010/main" val="0"/>
+              </a:ext>
+            </a:extLst>
+          </a:blip>
+          <a:srcRect l="42063" t="42857" r="40794" b="43129"/>
+          <a:stretch/>
+        </p:blipFill>
+        <p:spPr>
+          <a:xfrm rot="893319">
+            <a:off x="148326" y="3973059"/>
+            <a:ext cx="7718399" cy="6309481"/>
+          </a:xfrm>
+          <a:prstGeom prst="rect">
+            <a:avLst/>
+          </a:prstGeom>
+        </p:spPr>
+      </p:pic>
+      <p:sp>
+        <p:nvSpPr>
+          <p:cNvPr id="15" name="Rectangle: Rounded Corners 14">
+            <a:extLst>
+              <a:ext uri="{FF2B5EF4-FFF2-40B4-BE49-F238E27FC236}">
+                <a16:creationId xmlns:a16="http://schemas.microsoft.com/office/drawing/2014/main" id="{1E0C9F81-6F1F-3908-5A27-EA0EF539E9A0}"/>
+              </a:ext>
+            </a:extLst>
+          </p:cNvPr>
+          <p:cNvSpPr/>
+          <p:nvPr/>
+        </p:nvSpPr>
+        <p:spPr>
+          <a:xfrm>
+            <a:off x="2387434" y="1279251"/>
+            <a:ext cx="3488382" cy="3738471"/>
+          </a:xfrm>
+          <a:prstGeom prst="roundRect">
+            <a:avLst>
+              <a:gd name="adj" fmla="val 13390"/>
+            </a:avLst>
+          </a:prstGeom>
+          <a:solidFill>
+            <a:schemeClr val="accent6">
+              <a:lumMod val="75000"/>
+            </a:schemeClr>
+          </a:solidFill>
+          <a:ln>
+            <a:noFill/>
+          </a:ln>
+        </p:spPr>
+        <p:style>
+          <a:lnRef idx="2">
+            <a:schemeClr val="accent1">
+              <a:shade val="15000"/>
+            </a:schemeClr>
+          </a:lnRef>
+          <a:fillRef idx="1">
+            <a:schemeClr val="accent1"/>
+          </a:fillRef>
+          <a:effectRef idx="0">
+            <a:schemeClr val="accent1"/>
+          </a:effectRef>
+          <a:fontRef idx="minor">
+            <a:schemeClr val="lt1"/>
+          </a:fontRef>
+        </p:style>
+        <p:txBody>
+          <a:bodyPr rtlCol="0" anchor="ctr"/>
+          <a:lstStyle/>
+          <a:p>
+            <a:pPr algn="ctr"/>
+            <a:endParaRPr lang="en-US"/>
+          </a:p>
+        </p:txBody>
+      </p:sp>
+      <p:sp>
+        <p:nvSpPr>
+          <p:cNvPr id="10" name="TextBox 9">
+            <a:extLst>
+              <a:ext uri="{FF2B5EF4-FFF2-40B4-BE49-F238E27FC236}">
+                <a16:creationId xmlns:a16="http://schemas.microsoft.com/office/drawing/2014/main" id="{A0F34BD9-646C-2E69-AC8B-8BF5C330EEAE}"/>
+              </a:ext>
+            </a:extLst>
+          </p:cNvPr>
+          <p:cNvSpPr txBox="1"/>
+          <p:nvPr/>
+        </p:nvSpPr>
+        <p:spPr>
+          <a:xfrm>
+            <a:off x="7898556" y="1843950"/>
+            <a:ext cx="2840315" cy="2800767"/>
+          </a:xfrm>
+          <a:prstGeom prst="rect">
+            <a:avLst/>
+          </a:prstGeom>
+          <a:noFill/>
+        </p:spPr>
+        <p:txBody>
+          <a:bodyPr wrap="square" rtlCol="0">
+            <a:spAutoFit/>
+          </a:bodyPr>
+          <a:lstStyle/>
+          <a:p>
+            <a:pPr algn="ctr"/>
+            <a:r>
+              <a:rPr lang="en-PH" sz="3200" dirty="0">
+                <a:solidFill>
+                  <a:srgbClr val="F2F5EF"/>
+                </a:solidFill>
+                <a:latin typeface="Segoe UI Variable Display Semib" pitchFamily="2" charset="0"/>
+                <a:cs typeface="Segoe UI Light" panose="020B0502040204020203" pitchFamily="34" charset="0"/>
+              </a:rPr>
+              <a:t>NO-SQL</a:t>
+            </a:r>
+            <a:endParaRPr lang="en-PH" sz="2400" dirty="0">
+              <a:solidFill>
+                <a:srgbClr val="F2F5EF"/>
+              </a:solidFill>
+              <a:latin typeface="Segoe UI Variable Display Semib" pitchFamily="2" charset="0"/>
+              <a:cs typeface="Segoe UI Light" panose="020B0502040204020203" pitchFamily="34" charset="0"/>
+            </a:endParaRPr>
+          </a:p>
+          <a:p>
+            <a:pPr algn="ctr"/>
+            <a:endParaRPr lang="en-PH" sz="2400" dirty="0">
+              <a:solidFill>
+                <a:srgbClr val="F2F5EF"/>
+              </a:solidFill>
+              <a:latin typeface="Segoe UI Light" panose="020B0502040204020203" pitchFamily="34" charset="0"/>
+              <a:cs typeface="Segoe UI Light" panose="020B0502040204020203" pitchFamily="34" charset="0"/>
+            </a:endParaRPr>
+          </a:p>
+          <a:p>
+            <a:pPr algn="ctr"/>
+            <a:r>
+              <a:rPr lang="en-GB" sz="2400" dirty="0" err="1">
+                <a:solidFill>
+                  <a:srgbClr val="F2F5EF"/>
+                </a:solidFill>
+                <a:latin typeface="Segoe UI Light" panose="020B0502040204020203" pitchFamily="34" charset="0"/>
+                <a:cs typeface="Segoe UI Light" panose="020B0502040204020203" pitchFamily="34" charset="0"/>
+              </a:rPr>
+              <a:t>Tablesssssssssssssss</a:t>
+            </a:r>
+            <a:r>
+              <a:rPr lang="en-GB" sz="2400" dirty="0">
+                <a:solidFill>
+                  <a:srgbClr val="F2F5EF"/>
+                </a:solidFill>
+                <a:latin typeface="Segoe UI Light" panose="020B0502040204020203" pitchFamily="34" charset="0"/>
+                <a:cs typeface="Segoe UI Light" panose="020B0502040204020203" pitchFamily="34" charset="0"/>
+              </a:rPr>
+              <a:t>? One folder is enough to put all my data</a:t>
+            </a:r>
+            <a:endParaRPr lang="en-PH" sz="2400" dirty="0">
+              <a:solidFill>
+                <a:srgbClr val="F2F5EF"/>
+              </a:solidFill>
+              <a:latin typeface="Segoe UI Light" panose="020B0502040204020203" pitchFamily="34" charset="0"/>
+              <a:cs typeface="Segoe UI Light" panose="020B0502040204020203" pitchFamily="34" charset="0"/>
+            </a:endParaRPr>
+          </a:p>
+          <a:p>
+            <a:pPr algn="ctr"/>
+            <a:endParaRPr lang="en-US" sz="2400" dirty="0">
+              <a:solidFill>
+                <a:srgbClr val="F2F5EF"/>
+              </a:solidFill>
+              <a:latin typeface="Segoe UI Light" panose="020B0502040204020203" pitchFamily="34" charset="0"/>
+              <a:cs typeface="Segoe UI Light" panose="020B0502040204020203" pitchFamily="34" charset="0"/>
+            </a:endParaRPr>
+          </a:p>
+        </p:txBody>
+      </p:sp>
+      <p:sp>
+        <p:nvSpPr>
+          <p:cNvPr id="9" name="TextBox 8">
+            <a:extLst>
+              <a:ext uri="{FF2B5EF4-FFF2-40B4-BE49-F238E27FC236}">
+                <a16:creationId xmlns:a16="http://schemas.microsoft.com/office/drawing/2014/main" id="{45A14FB9-EA7C-1D1E-6240-2179D7CEA5FC}"/>
+              </a:ext>
+            </a:extLst>
+          </p:cNvPr>
+          <p:cNvSpPr txBox="1"/>
+          <p:nvPr/>
+        </p:nvSpPr>
+        <p:spPr>
+          <a:xfrm>
+            <a:off x="2609850" y="1843950"/>
+            <a:ext cx="3019425" cy="3170099"/>
+          </a:xfrm>
+          <a:prstGeom prst="rect">
+            <a:avLst/>
+          </a:prstGeom>
+          <a:noFill/>
+        </p:spPr>
+        <p:txBody>
+          <a:bodyPr wrap="square" rtlCol="0">
+            <a:spAutoFit/>
+          </a:bodyPr>
+          <a:lstStyle/>
+          <a:p>
+            <a:pPr algn="ctr"/>
+            <a:r>
+              <a:rPr lang="en-PH" sz="3200" dirty="0">
+                <a:solidFill>
+                  <a:schemeClr val="bg1"/>
+                </a:solidFill>
+                <a:latin typeface="Segoe UI Variable Display Semib" pitchFamily="2" charset="0"/>
+                <a:cs typeface="Segoe UI Light" panose="020B0502040204020203" pitchFamily="34" charset="0"/>
+              </a:rPr>
+              <a:t>SQL</a:t>
+            </a:r>
+            <a:endParaRPr lang="en-PH" sz="2400" dirty="0">
+              <a:solidFill>
+                <a:schemeClr val="bg1"/>
+              </a:solidFill>
+              <a:latin typeface="Segoe UI Variable Display Semib" pitchFamily="2" charset="0"/>
+              <a:cs typeface="Segoe UI Light" panose="020B0502040204020203" pitchFamily="34" charset="0"/>
+            </a:endParaRPr>
+          </a:p>
+          <a:p>
+            <a:pPr algn="ctr"/>
+            <a:endParaRPr lang="en-PH" sz="2400" dirty="0">
+              <a:solidFill>
+                <a:schemeClr val="bg1"/>
+              </a:solidFill>
+              <a:latin typeface="Segoe UI Light" panose="020B0502040204020203" pitchFamily="34" charset="0"/>
+              <a:cs typeface="Segoe UI Light" panose="020B0502040204020203" pitchFamily="34" charset="0"/>
+            </a:endParaRPr>
+          </a:p>
+          <a:p>
+            <a:pPr algn="ctr"/>
+            <a:r>
+              <a:rPr lang="en-GB" sz="2400" dirty="0">
+                <a:solidFill>
+                  <a:schemeClr val="bg1"/>
+                </a:solidFill>
+                <a:latin typeface="Segoe UI Light" panose="020B0502040204020203" pitchFamily="34" charset="0"/>
+                <a:cs typeface="Segoe UI Light" panose="020B0502040204020203" pitchFamily="34" charset="0"/>
+              </a:rPr>
+              <a:t>My data are interrelated through my tables and I love making relationships!</a:t>
+            </a:r>
+            <a:endParaRPr lang="en-PH" sz="2400" dirty="0">
+              <a:solidFill>
+                <a:schemeClr val="bg1"/>
+              </a:solidFill>
+              <a:latin typeface="Segoe UI Light" panose="020B0502040204020203" pitchFamily="34" charset="0"/>
+              <a:cs typeface="Segoe UI Light" panose="020B0502040204020203" pitchFamily="34" charset="0"/>
+            </a:endParaRPr>
+          </a:p>
+          <a:p>
+            <a:pPr algn="ctr"/>
+            <a:endParaRPr lang="en-PH" sz="2400" dirty="0">
+              <a:solidFill>
+                <a:schemeClr val="bg1"/>
+              </a:solidFill>
+              <a:latin typeface="Segoe UI Light" panose="020B0502040204020203" pitchFamily="34" charset="0"/>
+              <a:cs typeface="Segoe UI Light" panose="020B0502040204020203" pitchFamily="34" charset="0"/>
+            </a:endParaRPr>
+          </a:p>
+          <a:p>
+            <a:pPr algn="ctr"/>
+            <a:endParaRPr lang="en-US" sz="2400" dirty="0">
+              <a:solidFill>
+                <a:schemeClr val="bg1"/>
+              </a:solidFill>
+              <a:latin typeface="Segoe UI Light" panose="020B0502040204020203" pitchFamily="34" charset="0"/>
+              <a:cs typeface="Segoe UI Light" panose="020B0502040204020203" pitchFamily="34" charset="0"/>
+            </a:endParaRPr>
+          </a:p>
+        </p:txBody>
+      </p:sp>
+      <p:sp>
+        <p:nvSpPr>
+          <p:cNvPr id="17" name="Oval 16">
+            <a:extLst>
+              <a:ext uri="{FF2B5EF4-FFF2-40B4-BE49-F238E27FC236}">
+                <a16:creationId xmlns:a16="http://schemas.microsoft.com/office/drawing/2014/main" id="{7A4F543A-6DF8-99D2-7BA1-B41B4BF09291}"/>
+              </a:ext>
+            </a:extLst>
+          </p:cNvPr>
+          <p:cNvSpPr/>
+          <p:nvPr/>
+        </p:nvSpPr>
+        <p:spPr>
+          <a:xfrm>
+            <a:off x="4048591" y="5578749"/>
+            <a:ext cx="166068" cy="166068"/>
+          </a:xfrm>
+          <a:prstGeom prst="ellipse">
+            <a:avLst/>
+          </a:prstGeom>
+          <a:solidFill>
+            <a:schemeClr val="accent6">
+              <a:lumMod val="75000"/>
+            </a:schemeClr>
+          </a:solidFill>
+          <a:ln>
+            <a:noFill/>
+          </a:ln>
+        </p:spPr>
+        <p:style>
+          <a:lnRef idx="2">
+            <a:schemeClr val="accent1">
+              <a:shade val="15000"/>
+            </a:schemeClr>
+          </a:lnRef>
+          <a:fillRef idx="1">
+            <a:schemeClr val="accent1"/>
+          </a:fillRef>
+          <a:effectRef idx="0">
+            <a:schemeClr val="accent1"/>
+          </a:effectRef>
+          <a:fontRef idx="minor">
+            <a:schemeClr val="lt1"/>
+          </a:fontRef>
+        </p:style>
+        <p:txBody>
+          <a:bodyPr rtlCol="0" anchor="ctr"/>
+          <a:lstStyle/>
+          <a:p>
+            <a:pPr algn="ctr"/>
+            <a:endParaRPr lang="en-US" dirty="0"/>
+          </a:p>
+        </p:txBody>
+      </p:sp>
+    </p:spTree>
+    <p:extLst>
+      <p:ext uri="{BB962C8B-B14F-4D97-AF65-F5344CB8AC3E}">
+        <p14:creationId xmlns:p14="http://schemas.microsoft.com/office/powerpoint/2010/main" val="3233412281"/>
+      </p:ext>
+    </p:extLst>
+  </p:cSld>
+  <p:clrMapOvr>
+    <a:masterClrMapping/>
+  </p:clrMapOvr>
+  <mc:AlternateContent xmlns:mc="http://schemas.openxmlformats.org/markup-compatibility/2006">
+    <mc:Choice xmlns:p159="http://schemas.microsoft.com/office/powerpoint/2015/09/main" Requires="p159">
+      <p:transition>
+        <p159:morph option="byObject"/>
+      </p:transition>
+    </mc:Choice>
+    <mc:Fallback>
+      <p:transition>
+        <p:fade/>
+      </p:transition>
+    </mc:Fallback>
+  </mc:AlternateContent>
+</p:sld>
+</file>
+
+<file path=ppt/slides/slide5.xml><?xml version="1.0" encoding="utf-8"?>
+<p:sld xmlns:a="http://schemas.openxmlformats.org/drawingml/2006/main" xmlns:r="http://schemas.openxmlformats.org/officeDocument/2006/relationships" xmlns:p="http://schemas.openxmlformats.org/presentationml/2006/main">
+  <p:cSld>
+    <p:spTree>
+      <p:nvGrpSpPr>
+        <p:cNvPr id="1" name=""/>
+        <p:cNvGrpSpPr/>
+        <p:nvPr/>
+      </p:nvGrpSpPr>
+      <p:grpSpPr>
+        <a:xfrm>
+          <a:off x="0" y="0"/>
+          <a:ext cx="0" cy="0"/>
+          <a:chOff x="0" y="0"/>
+          <a:chExt cx="0" cy="0"/>
+        </a:xfrm>
+      </p:grpSpPr>
+      <p:pic>
+        <p:nvPicPr>
+          <p:cNvPr id="4" name="Picture 3">
+            <a:extLst>
+              <a:ext uri="{FF2B5EF4-FFF2-40B4-BE49-F238E27FC236}">
+                <a16:creationId xmlns:a16="http://schemas.microsoft.com/office/drawing/2014/main" id="{59A89E5A-8D46-2CFC-0D4D-350903E74B6C}"/>
+              </a:ext>
+            </a:extLst>
+          </p:cNvPr>
+          <p:cNvPicPr>
+            <a:picLocks noChangeAspect="1"/>
+          </p:cNvPicPr>
+          <p:nvPr/>
+        </p:nvPicPr>
+        <p:blipFill rotWithShape="1">
+          <a:blip r:embed="rId3">
+            <a:alphaModFix amt="35000"/>
+            <a:extLst>
+              <a:ext uri="{BEBA8EAE-BF5A-486C-A8C5-ECC9F3942E4B}">
+                <a14:imgProps xmlns:a14="http://schemas.microsoft.com/office/drawing/2010/main">
+                  <a14:imgLayer r:embed="rId4">
+                    <a14:imgEffect>
+                      <a14:artisticBlur/>
+                    </a14:imgEffect>
+                    <a14:imgEffect>
+                      <a14:sharpenSoften amount="50000"/>
+                    </a14:imgEffect>
+                    <a14:imgEffect>
+                      <a14:colorTemperature colorTemp="4700"/>
+                    </a14:imgEffect>
+                  </a14:imgLayer>
+                </a14:imgProps>
+              </a:ext>
+              <a:ext uri="{28A0092B-C50C-407E-A947-70E740481C1C}">
+                <a14:useLocalDpi xmlns:a14="http://schemas.microsoft.com/office/drawing/2010/main" val="0"/>
+              </a:ext>
+            </a:extLst>
+          </a:blip>
+          <a:srcRect l="41247" t="42993" r="41610" b="43401"/>
+          <a:stretch/>
+        </p:blipFill>
+        <p:spPr>
+          <a:xfrm>
+            <a:off x="2796544" y="-2859756"/>
+            <a:ext cx="7206571" cy="5719511"/>
+          </a:xfrm>
+          <a:prstGeom prst="rect">
+            <a:avLst/>
+          </a:prstGeom>
+        </p:spPr>
+      </p:pic>
+      <p:pic>
+        <p:nvPicPr>
+          <p:cNvPr id="5" name="Picture 4">
+            <a:extLst>
+              <a:ext uri="{FF2B5EF4-FFF2-40B4-BE49-F238E27FC236}">
+                <a16:creationId xmlns:a16="http://schemas.microsoft.com/office/drawing/2014/main" id="{3141AE52-0B4D-D8ED-59C1-698E40848027}"/>
+              </a:ext>
+            </a:extLst>
+          </p:cNvPr>
+          <p:cNvPicPr>
+            <a:picLocks noChangeAspect="1"/>
+          </p:cNvPicPr>
+          <p:nvPr/>
+        </p:nvPicPr>
+        <p:blipFill rotWithShape="1">
+          <a:blip r:embed="rId5">
+            <a:alphaModFix amt="20000"/>
+            <a:extLst>
+              <a:ext uri="{BEBA8EAE-BF5A-486C-A8C5-ECC9F3942E4B}">
+                <a14:imgProps xmlns:a14="http://schemas.microsoft.com/office/drawing/2010/main">
+                  <a14:imgLayer r:embed="rId6">
+                    <a14:imgEffect>
+                      <a14:artisticBlur/>
+                    </a14:imgEffect>
+                    <a14:imgEffect>
+                      <a14:sharpenSoften amount="50000"/>
+                    </a14:imgEffect>
+                    <a14:imgEffect>
+                      <a14:colorTemperature colorTemp="4700"/>
+                    </a14:imgEffect>
+                  </a14:imgLayer>
+                </a14:imgProps>
+              </a:ext>
+              <a:ext uri="{28A0092B-C50C-407E-A947-70E740481C1C}">
+                <a14:useLocalDpi xmlns:a14="http://schemas.microsoft.com/office/drawing/2010/main" val="0"/>
+              </a:ext>
+            </a:extLst>
+          </a:blip>
+          <a:srcRect l="42063" t="42857" r="40794" b="43129"/>
+          <a:stretch/>
+        </p:blipFill>
+        <p:spPr>
+          <a:xfrm rot="14162175">
+            <a:off x="-2307285" y="-1829082"/>
+            <a:ext cx="7491876" cy="6124313"/>
+          </a:xfrm>
+          <a:prstGeom prst="rect">
+            <a:avLst/>
+          </a:prstGeom>
+        </p:spPr>
+      </p:pic>
+      <p:pic>
+        <p:nvPicPr>
+          <p:cNvPr id="6" name="Picture 5">
+            <a:extLst>
+              <a:ext uri="{FF2B5EF4-FFF2-40B4-BE49-F238E27FC236}">
+                <a16:creationId xmlns:a16="http://schemas.microsoft.com/office/drawing/2014/main" id="{C5031D66-BF8B-10BB-A21E-6F5644C98976}"/>
+              </a:ext>
+            </a:extLst>
+          </p:cNvPr>
+          <p:cNvPicPr>
+            <a:picLocks noChangeAspect="1"/>
+          </p:cNvPicPr>
+          <p:nvPr/>
+        </p:nvPicPr>
+        <p:blipFill rotWithShape="1">
+          <a:blip r:embed="rId7">
+            <a:alphaModFix amt="20000"/>
+            <a:extLst>
+              <a:ext uri="{BEBA8EAE-BF5A-486C-A8C5-ECC9F3942E4B}">
+                <a14:imgProps xmlns:a14="http://schemas.microsoft.com/office/drawing/2010/main">
+                  <a14:imgLayer r:embed="rId8">
+                    <a14:imgEffect>
+                      <a14:artisticBlur/>
+                    </a14:imgEffect>
+                    <a14:imgEffect>
+                      <a14:sharpenSoften amount="50000"/>
+                    </a14:imgEffect>
+                    <a14:imgEffect>
+                      <a14:colorTemperature colorTemp="4700"/>
+                    </a14:imgEffect>
+                  </a14:imgLayer>
+                </a14:imgProps>
+              </a:ext>
+              <a:ext uri="{28A0092B-C50C-407E-A947-70E740481C1C}">
+                <a14:useLocalDpi xmlns:a14="http://schemas.microsoft.com/office/drawing/2010/main" val="0"/>
+              </a:ext>
+            </a:extLst>
+          </a:blip>
+          <a:srcRect l="41247" t="41497" r="41338" b="40544"/>
+          <a:stretch/>
+        </p:blipFill>
+        <p:spPr>
+          <a:xfrm rot="8331144">
+            <a:off x="9244721" y="4471965"/>
+            <a:ext cx="5172160" cy="5333795"/>
+          </a:xfrm>
+          <a:prstGeom prst="rect">
+            <a:avLst/>
+          </a:prstGeom>
+        </p:spPr>
+      </p:pic>
+      <p:pic>
+        <p:nvPicPr>
+          <p:cNvPr id="7" name="Picture 6">
+            <a:extLst>
+              <a:ext uri="{FF2B5EF4-FFF2-40B4-BE49-F238E27FC236}">
+                <a16:creationId xmlns:a16="http://schemas.microsoft.com/office/drawing/2014/main" id="{BE85AF99-C382-4866-EFE6-57DB503BB1F8}"/>
+              </a:ext>
+            </a:extLst>
+          </p:cNvPr>
+          <p:cNvPicPr>
+            <a:picLocks noChangeAspect="1"/>
+          </p:cNvPicPr>
+          <p:nvPr/>
+        </p:nvPicPr>
+        <p:blipFill rotWithShape="1">
+          <a:blip r:embed="rId5">
+            <a:alphaModFix amt="20000"/>
+            <a:extLst>
+              <a:ext uri="{BEBA8EAE-BF5A-486C-A8C5-ECC9F3942E4B}">
+                <a14:imgProps xmlns:a14="http://schemas.microsoft.com/office/drawing/2010/main">
+                  <a14:imgLayer r:embed="rId6">
+                    <a14:imgEffect>
+                      <a14:artisticBlur/>
+                    </a14:imgEffect>
+                    <a14:imgEffect>
+                      <a14:sharpenSoften amount="50000"/>
+                    </a14:imgEffect>
+                    <a14:imgEffect>
+                      <a14:colorTemperature colorTemp="4700"/>
+                    </a14:imgEffect>
+                  </a14:imgLayer>
+                </a14:imgProps>
+              </a:ext>
+              <a:ext uri="{28A0092B-C50C-407E-A947-70E740481C1C}">
+                <a14:useLocalDpi xmlns:a14="http://schemas.microsoft.com/office/drawing/2010/main" val="0"/>
+              </a:ext>
+            </a:extLst>
+          </a:blip>
+          <a:srcRect l="42063" t="42857" r="40794" b="43129"/>
+          <a:stretch/>
+        </p:blipFill>
+        <p:spPr>
+          <a:xfrm rot="16481978">
+            <a:off x="6350241" y="-249213"/>
+            <a:ext cx="8037267" cy="6570149"/>
+          </a:xfrm>
+          <a:prstGeom prst="rect">
+            <a:avLst/>
+          </a:prstGeom>
+        </p:spPr>
+      </p:pic>
+      <p:pic>
+        <p:nvPicPr>
+          <p:cNvPr id="8" name="Picture 7">
+            <a:extLst>
+              <a:ext uri="{FF2B5EF4-FFF2-40B4-BE49-F238E27FC236}">
+                <a16:creationId xmlns:a16="http://schemas.microsoft.com/office/drawing/2014/main" id="{3632E890-D371-4557-6A41-A7F31B57E55C}"/>
+              </a:ext>
+            </a:extLst>
+          </p:cNvPr>
+          <p:cNvPicPr>
+            <a:picLocks noChangeAspect="1"/>
+          </p:cNvPicPr>
+          <p:nvPr/>
+        </p:nvPicPr>
+        <p:blipFill rotWithShape="1">
+          <a:blip r:embed="rId5">
+            <a:alphaModFix amt="35000"/>
+            <a:extLst>
+              <a:ext uri="{BEBA8EAE-BF5A-486C-A8C5-ECC9F3942E4B}">
+                <a14:imgProps xmlns:a14="http://schemas.microsoft.com/office/drawing/2010/main">
+                  <a14:imgLayer r:embed="rId6">
+                    <a14:imgEffect>
+                      <a14:artisticBlur/>
+                    </a14:imgEffect>
+                    <a14:imgEffect>
+                      <a14:sharpenSoften amount="50000"/>
+                    </a14:imgEffect>
+                    <a14:imgEffect>
+                      <a14:colorTemperature colorTemp="4700"/>
+                    </a14:imgEffect>
+                  </a14:imgLayer>
+                </a14:imgProps>
+              </a:ext>
+              <a:ext uri="{28A0092B-C50C-407E-A947-70E740481C1C}">
+                <a14:useLocalDpi xmlns:a14="http://schemas.microsoft.com/office/drawing/2010/main" val="0"/>
+              </a:ext>
+            </a:extLst>
+          </a:blip>
+          <a:srcRect l="42063" t="42857" r="40794" b="43129"/>
+          <a:stretch/>
+        </p:blipFill>
+        <p:spPr>
+          <a:xfrm rot="893319">
+            <a:off x="148326" y="3973059"/>
+            <a:ext cx="7718399" cy="6309481"/>
+          </a:xfrm>
+          <a:prstGeom prst="rect">
+            <a:avLst/>
+          </a:prstGeom>
+        </p:spPr>
+      </p:pic>
+      <p:sp>
+        <p:nvSpPr>
+          <p:cNvPr id="14" name="Oval 13">
+            <a:extLst>
+              <a:ext uri="{FF2B5EF4-FFF2-40B4-BE49-F238E27FC236}">
+                <a16:creationId xmlns:a16="http://schemas.microsoft.com/office/drawing/2014/main" id="{2231ED7E-0962-F001-6D1B-C6AC9C1D4603}"/>
+              </a:ext>
+            </a:extLst>
+          </p:cNvPr>
+          <p:cNvSpPr/>
+          <p:nvPr/>
+        </p:nvSpPr>
+        <p:spPr>
+          <a:xfrm>
+            <a:off x="9242217" y="5578749"/>
+            <a:ext cx="166068" cy="166068"/>
+          </a:xfrm>
+          <a:prstGeom prst="ellipse">
+            <a:avLst/>
+          </a:prstGeom>
+          <a:solidFill>
+            <a:schemeClr val="accent6">
+              <a:lumMod val="75000"/>
+            </a:schemeClr>
+          </a:solidFill>
+          <a:ln>
+            <a:noFill/>
+          </a:ln>
+        </p:spPr>
+        <p:style>
+          <a:lnRef idx="2">
+            <a:schemeClr val="accent1">
+              <a:shade val="15000"/>
+            </a:schemeClr>
+          </a:lnRef>
+          <a:fillRef idx="1">
+            <a:schemeClr val="accent1"/>
+          </a:fillRef>
+          <a:effectRef idx="0">
+            <a:schemeClr val="accent1"/>
+          </a:effectRef>
+          <a:fontRef idx="minor">
+            <a:schemeClr val="lt1"/>
+          </a:fontRef>
+        </p:style>
+        <p:txBody>
+          <a:bodyPr rtlCol="0" anchor="ctr"/>
+          <a:lstStyle/>
+          <a:p>
+            <a:pPr algn="ctr"/>
+            <a:endParaRPr lang="en-US" dirty="0"/>
+          </a:p>
+        </p:txBody>
+      </p:sp>
+      <p:sp>
+        <p:nvSpPr>
+          <p:cNvPr id="15" name="Rectangle: Rounded Corners 14">
+            <a:extLst>
+              <a:ext uri="{FF2B5EF4-FFF2-40B4-BE49-F238E27FC236}">
+                <a16:creationId xmlns:a16="http://schemas.microsoft.com/office/drawing/2014/main" id="{1E0C9F81-6F1F-3908-5A27-EA0EF539E9A0}"/>
+              </a:ext>
+            </a:extLst>
+          </p:cNvPr>
+          <p:cNvSpPr/>
+          <p:nvPr/>
+        </p:nvSpPr>
+        <p:spPr>
+          <a:xfrm>
+            <a:off x="7571086" y="1279251"/>
+            <a:ext cx="3488382" cy="3738471"/>
+          </a:xfrm>
+          <a:prstGeom prst="roundRect">
+            <a:avLst>
+              <a:gd name="adj" fmla="val 13390"/>
+            </a:avLst>
+          </a:prstGeom>
+          <a:solidFill>
+            <a:schemeClr val="accent6">
+              <a:lumMod val="75000"/>
+            </a:schemeClr>
+          </a:solidFill>
+          <a:ln>
+            <a:noFill/>
+          </a:ln>
+        </p:spPr>
+        <p:style>
+          <a:lnRef idx="2">
+            <a:schemeClr val="accent1">
+              <a:shade val="15000"/>
+            </a:schemeClr>
+          </a:lnRef>
+          <a:fillRef idx="1">
+            <a:schemeClr val="accent1"/>
+          </a:fillRef>
+          <a:effectRef idx="0">
+            <a:schemeClr val="accent1"/>
+          </a:effectRef>
+          <a:fontRef idx="minor">
+            <a:schemeClr val="lt1"/>
+          </a:fontRef>
+        </p:style>
+        <p:txBody>
+          <a:bodyPr rtlCol="0" anchor="ctr"/>
+          <a:lstStyle/>
+          <a:p>
+            <a:pPr algn="ctr"/>
+            <a:endParaRPr lang="en-US"/>
+          </a:p>
+        </p:txBody>
+      </p:sp>
+      <p:sp>
+        <p:nvSpPr>
+          <p:cNvPr id="10" name="TextBox 9">
+            <a:extLst>
+              <a:ext uri="{FF2B5EF4-FFF2-40B4-BE49-F238E27FC236}">
+                <a16:creationId xmlns:a16="http://schemas.microsoft.com/office/drawing/2014/main" id="{A0F34BD9-646C-2E69-AC8B-8BF5C330EEAE}"/>
+              </a:ext>
+            </a:extLst>
+          </p:cNvPr>
+          <p:cNvSpPr txBox="1"/>
+          <p:nvPr/>
+        </p:nvSpPr>
+        <p:spPr>
+          <a:xfrm>
+            <a:off x="7898556" y="1843950"/>
+            <a:ext cx="2840315" cy="2800767"/>
+          </a:xfrm>
+          <a:prstGeom prst="rect">
+            <a:avLst/>
+          </a:prstGeom>
+          <a:noFill/>
+        </p:spPr>
+        <p:txBody>
+          <a:bodyPr wrap="square" rtlCol="0">
+            <a:spAutoFit/>
+          </a:bodyPr>
+          <a:lstStyle/>
+          <a:p>
+            <a:pPr algn="ctr"/>
+            <a:r>
+              <a:rPr lang="en-PH" sz="3200" dirty="0">
+                <a:solidFill>
+                  <a:schemeClr val="bg1"/>
+                </a:solidFill>
+                <a:latin typeface="Segoe UI Variable Display Semib" pitchFamily="2" charset="0"/>
+                <a:cs typeface="Segoe UI Light" panose="020B0502040204020203" pitchFamily="34" charset="0"/>
+              </a:rPr>
+              <a:t>NO-SQL</a:t>
+            </a:r>
+            <a:endParaRPr lang="en-PH" sz="2400" dirty="0">
+              <a:solidFill>
+                <a:schemeClr val="bg1"/>
+              </a:solidFill>
+              <a:latin typeface="Segoe UI Variable Display Semib" pitchFamily="2" charset="0"/>
+              <a:cs typeface="Segoe UI Light" panose="020B0502040204020203" pitchFamily="34" charset="0"/>
+            </a:endParaRPr>
+          </a:p>
+          <a:p>
+            <a:pPr algn="ctr"/>
+            <a:endParaRPr lang="en-PH" sz="2400" dirty="0">
+              <a:solidFill>
+                <a:schemeClr val="bg1"/>
+              </a:solidFill>
+              <a:latin typeface="Segoe UI Light" panose="020B0502040204020203" pitchFamily="34" charset="0"/>
+              <a:cs typeface="Segoe UI Light" panose="020B0502040204020203" pitchFamily="34" charset="0"/>
+            </a:endParaRPr>
+          </a:p>
+          <a:p>
+            <a:pPr algn="ctr"/>
+            <a:r>
+              <a:rPr lang="en-GB" sz="2400" dirty="0" err="1">
+                <a:solidFill>
+                  <a:schemeClr val="bg1"/>
+                </a:solidFill>
+                <a:latin typeface="Segoe UI Light" panose="020B0502040204020203" pitchFamily="34" charset="0"/>
+                <a:cs typeface="Segoe UI Light" panose="020B0502040204020203" pitchFamily="34" charset="0"/>
+              </a:rPr>
+              <a:t>Tablesssssssssssssss</a:t>
+            </a:r>
+            <a:r>
+              <a:rPr lang="en-GB" sz="2400" dirty="0">
+                <a:solidFill>
+                  <a:schemeClr val="bg1"/>
+                </a:solidFill>
+                <a:latin typeface="Segoe UI Light" panose="020B0502040204020203" pitchFamily="34" charset="0"/>
+                <a:cs typeface="Segoe UI Light" panose="020B0502040204020203" pitchFamily="34" charset="0"/>
+              </a:rPr>
+              <a:t>? One folder is enough to put all of my data</a:t>
+            </a:r>
+            <a:endParaRPr lang="en-PH" sz="2400" dirty="0">
+              <a:solidFill>
+                <a:schemeClr val="bg1"/>
+              </a:solidFill>
+              <a:latin typeface="Segoe UI Light" panose="020B0502040204020203" pitchFamily="34" charset="0"/>
+              <a:cs typeface="Segoe UI Light" panose="020B0502040204020203" pitchFamily="34" charset="0"/>
+            </a:endParaRPr>
+          </a:p>
+          <a:p>
+            <a:pPr algn="ctr"/>
+            <a:endParaRPr lang="en-US" sz="2400" dirty="0">
+              <a:solidFill>
+                <a:schemeClr val="bg1"/>
+              </a:solidFill>
+              <a:latin typeface="Segoe UI Light" panose="020B0502040204020203" pitchFamily="34" charset="0"/>
+              <a:cs typeface="Segoe UI Light" panose="020B0502040204020203" pitchFamily="34" charset="0"/>
+            </a:endParaRPr>
+          </a:p>
+        </p:txBody>
+      </p:sp>
+      <p:sp>
+        <p:nvSpPr>
+          <p:cNvPr id="9" name="TextBox 8">
+            <a:extLst>
+              <a:ext uri="{FF2B5EF4-FFF2-40B4-BE49-F238E27FC236}">
+                <a16:creationId xmlns:a16="http://schemas.microsoft.com/office/drawing/2014/main" id="{45A14FB9-EA7C-1D1E-6240-2179D7CEA5FC}"/>
+              </a:ext>
+            </a:extLst>
+          </p:cNvPr>
+          <p:cNvSpPr txBox="1"/>
+          <p:nvPr/>
+        </p:nvSpPr>
+        <p:spPr>
+          <a:xfrm>
+            <a:off x="2711468" y="1843950"/>
+            <a:ext cx="2840315" cy="3170099"/>
+          </a:xfrm>
+          <a:prstGeom prst="rect">
+            <a:avLst/>
+          </a:prstGeom>
+          <a:noFill/>
+        </p:spPr>
+        <p:txBody>
+          <a:bodyPr wrap="square" rtlCol="0">
+            <a:spAutoFit/>
+          </a:bodyPr>
+          <a:lstStyle/>
+          <a:p>
+            <a:pPr algn="ctr"/>
+            <a:r>
+              <a:rPr lang="en-PH" sz="3200" dirty="0">
+                <a:solidFill>
+                  <a:schemeClr val="bg1">
+                    <a:lumMod val="85000"/>
+                  </a:schemeClr>
+                </a:solidFill>
+                <a:latin typeface="Segoe UI Variable Display Semib" pitchFamily="2" charset="0"/>
+                <a:cs typeface="Segoe UI Light" panose="020B0502040204020203" pitchFamily="34" charset="0"/>
+              </a:rPr>
+              <a:t>SQL</a:t>
+            </a:r>
+            <a:endParaRPr lang="en-PH" sz="2400" dirty="0">
+              <a:solidFill>
+                <a:schemeClr val="bg1">
+                  <a:lumMod val="85000"/>
+                </a:schemeClr>
+              </a:solidFill>
+              <a:latin typeface="Segoe UI Variable Display Semib" pitchFamily="2" charset="0"/>
+              <a:cs typeface="Segoe UI Light" panose="020B0502040204020203" pitchFamily="34" charset="0"/>
+            </a:endParaRPr>
+          </a:p>
+          <a:p>
+            <a:pPr algn="ctr"/>
+            <a:endParaRPr lang="en-PH" sz="2400" dirty="0">
+              <a:solidFill>
+                <a:schemeClr val="bg1">
+                  <a:lumMod val="85000"/>
+                </a:schemeClr>
+              </a:solidFill>
+              <a:latin typeface="Segoe UI Light" panose="020B0502040204020203" pitchFamily="34" charset="0"/>
+              <a:cs typeface="Segoe UI Light" panose="020B0502040204020203" pitchFamily="34" charset="0"/>
+            </a:endParaRPr>
+          </a:p>
+          <a:p>
+            <a:pPr algn="ctr"/>
+            <a:r>
+              <a:rPr lang="en-GB" sz="2400" dirty="0">
+                <a:solidFill>
+                  <a:schemeClr val="bg1">
+                    <a:lumMod val="85000"/>
+                  </a:schemeClr>
+                </a:solidFill>
+                <a:latin typeface="Segoe UI Light" panose="020B0502040204020203" pitchFamily="34" charset="0"/>
+                <a:cs typeface="Segoe UI Light" panose="020B0502040204020203" pitchFamily="34" charset="0"/>
+              </a:rPr>
+              <a:t>My data are interrelated through my tables. I love making connections!</a:t>
+            </a:r>
+            <a:endParaRPr lang="en-PH" sz="2400" dirty="0">
+              <a:solidFill>
+                <a:schemeClr val="bg1">
+                  <a:lumMod val="85000"/>
+                </a:schemeClr>
+              </a:solidFill>
+              <a:latin typeface="Segoe UI Light" panose="020B0502040204020203" pitchFamily="34" charset="0"/>
+              <a:cs typeface="Segoe UI Light" panose="020B0502040204020203" pitchFamily="34" charset="0"/>
+            </a:endParaRPr>
+          </a:p>
+          <a:p>
+            <a:pPr algn="ctr"/>
+            <a:endParaRPr lang="en-PH" sz="2400" dirty="0">
+              <a:solidFill>
+                <a:schemeClr val="bg1">
+                  <a:lumMod val="85000"/>
+                </a:schemeClr>
+              </a:solidFill>
+              <a:latin typeface="Segoe UI Light" panose="020B0502040204020203" pitchFamily="34" charset="0"/>
+              <a:cs typeface="Segoe UI Light" panose="020B0502040204020203" pitchFamily="34" charset="0"/>
+            </a:endParaRPr>
+          </a:p>
+          <a:p>
+            <a:pPr algn="ctr"/>
+            <a:endParaRPr lang="en-US" sz="2400" dirty="0">
+              <a:solidFill>
+                <a:schemeClr val="bg1">
+                  <a:lumMod val="85000"/>
+                </a:schemeClr>
+              </a:solidFill>
+              <a:latin typeface="Segoe UI Light" panose="020B0502040204020203" pitchFamily="34" charset="0"/>
+              <a:cs typeface="Segoe UI Light" panose="020B0502040204020203" pitchFamily="34" charset="0"/>
+            </a:endParaRPr>
+          </a:p>
+        </p:txBody>
+      </p:sp>
+    </p:spTree>
+    <p:extLst>
+      <p:ext uri="{BB962C8B-B14F-4D97-AF65-F5344CB8AC3E}">
+        <p14:creationId xmlns:p14="http://schemas.microsoft.com/office/powerpoint/2010/main" val="4027865164"/>
+      </p:ext>
+    </p:extLst>
+  </p:cSld>
+  <p:clrMapOvr>
+    <a:masterClrMapping/>
+  </p:clrMapOvr>
+  <mc:AlternateContent xmlns:mc="http://schemas.openxmlformats.org/markup-compatibility/2006">
+    <mc:Choice xmlns:p159="http://schemas.microsoft.com/office/powerpoint/2015/09/main" Requires="p159">
+      <p:transition spd="slow">
+        <p159:morph option="byObject"/>
+      </p:transition>
+    </mc:Choice>
+    <mc:Fallback>
+      <p:transition spd="slow">
+        <p:fade/>
+      </p:transition>
+    </mc:Fallback>
+  </mc:AlternateContent>
+</p:sld>
+</file>
+
+<file path=ppt/slides/slide6.xml><?xml version="1.0" encoding="utf-8"?>
+<p:sld xmlns:a="http://schemas.openxmlformats.org/drawingml/2006/main" xmlns:r="http://schemas.openxmlformats.org/officeDocument/2006/relationships" xmlns:p="http://schemas.openxmlformats.org/presentationml/2006/main">
+  <p:cSld>
+    <p:spTree>
+      <p:nvGrpSpPr>
+        <p:cNvPr id="1" name=""/>
+        <p:cNvGrpSpPr/>
+        <p:nvPr/>
+      </p:nvGrpSpPr>
+      <p:grpSpPr>
+        <a:xfrm>
+          <a:off x="0" y="0"/>
+          <a:ext cx="0" cy="0"/>
+          <a:chOff x="0" y="0"/>
+          <a:chExt cx="0" cy="0"/>
+        </a:xfrm>
+      </p:grpSpPr>
+      <p:sp>
+        <p:nvSpPr>
+          <p:cNvPr id="11" name="Oval 10">
+            <a:extLst>
+              <a:ext uri="{FF2B5EF4-FFF2-40B4-BE49-F238E27FC236}">
+                <a16:creationId xmlns:a16="http://schemas.microsoft.com/office/drawing/2014/main" id="{10AB6280-FBF7-6072-D62C-F8B31DC74564}"/>
+              </a:ext>
+            </a:extLst>
+          </p:cNvPr>
+          <p:cNvSpPr/>
+          <p:nvPr/>
+        </p:nvSpPr>
+        <p:spPr>
+          <a:xfrm>
+            <a:off x="-2527300" y="-5708168"/>
+            <a:ext cx="17005300" cy="17005300"/>
+          </a:xfrm>
+          <a:prstGeom prst="ellipse">
+            <a:avLst/>
+          </a:prstGeom>
+          <a:solidFill>
+            <a:schemeClr val="accent6">
+              <a:lumMod val="50000"/>
+            </a:schemeClr>
+          </a:solidFill>
+          <a:ln>
+            <a:noFill/>
+          </a:ln>
+        </p:spPr>
+        <p:style>
+          <a:lnRef idx="2">
+            <a:schemeClr val="accent1">
+              <a:shade val="15000"/>
+            </a:schemeClr>
+          </a:lnRef>
+          <a:fillRef idx="1">
+            <a:schemeClr val="accent1"/>
+          </a:fillRef>
+          <a:effectRef idx="0">
+            <a:schemeClr val="accent1"/>
+          </a:effectRef>
+          <a:fontRef idx="minor">
+            <a:schemeClr val="lt1"/>
+          </a:fontRef>
+        </p:style>
+        <p:txBody>
+          <a:bodyPr rtlCol="0" anchor="ctr"/>
+          <a:lstStyle/>
+          <a:p>
+            <a:pPr algn="ctr"/>
+            <a:endParaRPr lang="en-US" dirty="0"/>
+          </a:p>
+        </p:txBody>
+      </p:sp>
+    </p:spTree>
+    <p:extLst>
+      <p:ext uri="{BB962C8B-B14F-4D97-AF65-F5344CB8AC3E}">
+        <p14:creationId xmlns:p14="http://schemas.microsoft.com/office/powerpoint/2010/main" val="3678198175"/>
+      </p:ext>
+    </p:extLst>
+  </p:cSld>
+  <p:clrMapOvr>
+    <a:masterClrMapping/>
+  </p:clrMapOvr>
+  <mc:AlternateContent xmlns:mc="http://schemas.openxmlformats.org/markup-compatibility/2006">
+    <mc:Choice xmlns:p159="http://schemas.microsoft.com/office/powerpoint/2015/09/main" Requires="p159">
+      <p:transition xmlns:p14="http://schemas.microsoft.com/office/powerpoint/2010/main" spd="slow" p14:dur="1250">
+        <p159:morph option="byObject"/>
+      </p:transition>
+    </mc:Choice>
+    <mc:Fallback>
+      <p:transition spd="slow">
+        <p:fade/>
+      </p:transition>
+    </mc:Fallback>
+  </mc:AlternateContent>
+</p:sld>
+</file>
+
+<file path=ppt/slides/slide7.xml><?xml version="1.0" encoding="utf-8"?>
+<p:sld xmlns:a="http://schemas.openxmlformats.org/drawingml/2006/main" xmlns:r="http://schemas.openxmlformats.org/officeDocument/2006/relationships" xmlns:p="http://schemas.openxmlformats.org/presentationml/2006/main">
+  <p:cSld>
+    <p:bg>
+      <p:bgPr>
+        <a:solidFill>
+          <a:schemeClr val="accent6">
+            <a:lumMod val="50000"/>
+          </a:schemeClr>
+        </a:solidFill>
+        <a:effectLst/>
+      </p:bgPr>
+    </p:bg>
+    <p:spTree>
+      <p:nvGrpSpPr>
+        <p:cNvPr id="1" name=""/>
+        <p:cNvGrpSpPr/>
+        <p:nvPr/>
+      </p:nvGrpSpPr>
+      <p:grpSpPr>
+        <a:xfrm>
+          <a:off x="0" y="0"/>
+          <a:ext cx="0" cy="0"/>
+          <a:chOff x="0" y="0"/>
+          <a:chExt cx="0" cy="0"/>
+        </a:xfrm>
+      </p:grpSpPr>
+      <p:sp>
+        <p:nvSpPr>
+          <p:cNvPr id="12" name="TextBox 11">
+            <a:extLst>
+              <a:ext uri="{FF2B5EF4-FFF2-40B4-BE49-F238E27FC236}">
+                <a16:creationId xmlns:a16="http://schemas.microsoft.com/office/drawing/2014/main" id="{DE5D7A58-656D-9521-09BD-746B5679E736}"/>
+              </a:ext>
+            </a:extLst>
+          </p:cNvPr>
+          <p:cNvSpPr txBox="1"/>
+          <p:nvPr/>
+        </p:nvSpPr>
+        <p:spPr>
+          <a:xfrm>
+            <a:off x="894080" y="524143"/>
+            <a:ext cx="6096000" cy="1015663"/>
+          </a:xfrm>
+          <a:prstGeom prst="rect">
+            <a:avLst/>
+          </a:prstGeom>
+          <a:noFill/>
+        </p:spPr>
+        <p:txBody>
+          <a:bodyPr wrap="square" rtlCol="0">
+            <a:spAutoFit/>
+          </a:bodyPr>
+          <a:lstStyle/>
+          <a:p>
+            <a:r>
+              <a:rPr lang="en-PH" sz="6000" dirty="0" err="1">
+                <a:solidFill>
+                  <a:schemeClr val="bg1"/>
+                </a:solidFill>
+                <a:latin typeface="Segoe UI Black" panose="020B0A02040204020203" pitchFamily="34" charset="0"/>
+                <a:ea typeface="Segoe UI Black" panose="020B0A02040204020203" pitchFamily="34" charset="0"/>
+                <a:cs typeface="Segoe UI Light" panose="020B0502040204020203" pitchFamily="34" charset="0"/>
+              </a:rPr>
+              <a:t>mongo</a:t>
+            </a:r>
+            <a:r>
+              <a:rPr lang="en-PH" sz="6000" dirty="0" err="1">
+                <a:solidFill>
+                  <a:schemeClr val="bg1"/>
+                </a:solidFill>
+                <a:latin typeface="Segoe UI Light" panose="020B0502040204020203" pitchFamily="34" charset="0"/>
+                <a:cs typeface="Segoe UI Light" panose="020B0502040204020203" pitchFamily="34" charset="0"/>
+              </a:rPr>
+              <a:t>DB</a:t>
+            </a:r>
+            <a:endParaRPr lang="en-US" sz="6000" dirty="0">
+              <a:solidFill>
+                <a:schemeClr val="bg1"/>
+              </a:solidFill>
+              <a:latin typeface="Segoe UI Light" panose="020B0502040204020203" pitchFamily="34" charset="0"/>
+              <a:cs typeface="Segoe UI Light" panose="020B0502040204020203" pitchFamily="34" charset="0"/>
+            </a:endParaRPr>
+          </a:p>
+        </p:txBody>
+      </p:sp>
+    </p:spTree>
+    <p:extLst>
+      <p:ext uri="{BB962C8B-B14F-4D97-AF65-F5344CB8AC3E}">
+        <p14:creationId xmlns:p14="http://schemas.microsoft.com/office/powerpoint/2010/main" val="2133187797"/>
       </p:ext>
     </p:extLst>
   </p:cSld>
@@ -7417,4 +9577,299 @@
     </a:ext>
   </a:extLst>
 </a:theme>
+</file>
+
+<file path=ppt/theme/theme2.xml><?xml version="1.0" encoding="utf-8"?>
+<a:theme xmlns:a="http://schemas.openxmlformats.org/drawingml/2006/main" name="Office Theme">
+  <a:themeElements>
+    <a:clrScheme name="Office">
+      <a:dk1>
+        <a:sysClr val="windowText" lastClr="000000"/>
+      </a:dk1>
+      <a:lt1>
+        <a:sysClr val="window" lastClr="FFFFFF"/>
+      </a:lt1>
+      <a:dk2>
+        <a:srgbClr val="44546A"/>
+      </a:dk2>
+      <a:lt2>
+        <a:srgbClr val="E7E6E6"/>
+      </a:lt2>
+      <a:accent1>
+        <a:srgbClr val="4472C4"/>
+      </a:accent1>
+      <a:accent2>
+        <a:srgbClr val="ED7D31"/>
+      </a:accent2>
+      <a:accent3>
+        <a:srgbClr val="A5A5A5"/>
+      </a:accent3>
+      <a:accent4>
+        <a:srgbClr val="FFC000"/>
+      </a:accent4>
+      <a:accent5>
+        <a:srgbClr val="5B9BD5"/>
+      </a:accent5>
+      <a:accent6>
+        <a:srgbClr val="70AD47"/>
+      </a:accent6>
+      <a:hlink>
+        <a:srgbClr val="0563C1"/>
+      </a:hlink>
+      <a:folHlink>
+        <a:srgbClr val="954F72"/>
+      </a:folHlink>
+    </a:clrScheme>
+    <a:fontScheme name="Office">
+      <a:majorFont>
+        <a:latin typeface="Calibri Light" panose="020F0302020204030204"/>
+        <a:ea typeface=""/>
+        <a:cs typeface=""/>
+        <a:font script="Jpan" typeface="游ゴシック Light"/>
+        <a:font script="Hang" typeface="맑은 고딕"/>
+        <a:font script="Hans" typeface="等线 Light"/>
+        <a:font script="Hant" typeface="新細明體"/>
+        <a:font script="Arab" typeface="Times New Roman"/>
+        <a:font script="Hebr" typeface="Times New Roman"/>
+        <a:font script="Thai" typeface="Angsana New"/>
+        <a:font script="Ethi" typeface="Nyala"/>
+        <a:font script="Beng" typeface="Vrinda"/>
+        <a:font script="Gujr" typeface="Shruti"/>
+        <a:font script="Khmr" typeface="MoolBoran"/>
+        <a:font script="Knda" typeface="Tunga"/>
+        <a:font script="Guru" typeface="Raavi"/>
+        <a:font script="Cans" typeface="Euphemia"/>
+        <a:font script="Cher" typeface="Plantagenet Cherokee"/>
+        <a:font script="Yiii" typeface="Microsoft Yi Baiti"/>
+        <a:font script="Tibt" typeface="Microsoft Himalaya"/>
+        <a:font script="Thaa" typeface="MV Boli"/>
+        <a:font script="Deva" typeface="Mangal"/>
+        <a:font script="Telu" typeface="Gautami"/>
+        <a:font script="Taml" typeface="Latha"/>
+        <a:font script="Syrc" typeface="Estrangelo Edessa"/>
+        <a:font script="Orya" typeface="Kalinga"/>
+        <a:font script="Mlym" typeface="Kartika"/>
+        <a:font script="Laoo" typeface="DokChampa"/>
+        <a:font script="Sinh" typeface="Iskoola Pota"/>
+        <a:font script="Mong" typeface="Mongolian Baiti"/>
+        <a:font script="Viet" typeface="Times New Roman"/>
+        <a:font script="Uigh" typeface="Microsoft Uighur"/>
+        <a:font script="Geor" typeface="Sylfaen"/>
+        <a:font script="Armn" typeface="Arial"/>
+        <a:font script="Bugi" typeface="Leelawadee UI"/>
+        <a:font script="Bopo" typeface="Microsoft JhengHei"/>
+        <a:font script="Java" typeface="Javanese Text"/>
+        <a:font script="Lisu" typeface="Segoe UI"/>
+        <a:font script="Mymr" typeface="Myanmar Text"/>
+        <a:font script="Nkoo" typeface="Ebrima"/>
+        <a:font script="Olck" typeface="Nirmala UI"/>
+        <a:font script="Osma" typeface="Ebrima"/>
+        <a:font script="Phag" typeface="Phagspa"/>
+        <a:font script="Syrn" typeface="Estrangelo Edessa"/>
+        <a:font script="Syrj" typeface="Estrangelo Edessa"/>
+        <a:font script="Syre" typeface="Estrangelo Edessa"/>
+        <a:font script="Sora" typeface="Nirmala UI"/>
+        <a:font script="Tale" typeface="Microsoft Tai Le"/>
+        <a:font script="Talu" typeface="Microsoft New Tai Lue"/>
+        <a:font script="Tfng" typeface="Ebrima"/>
+      </a:majorFont>
+      <a:minorFont>
+        <a:latin typeface="Calibri" panose="020F0502020204030204"/>
+        <a:ea typeface=""/>
+        <a:cs typeface=""/>
+        <a:font script="Jpan" typeface="游ゴシック"/>
+        <a:font script="Hang" typeface="맑은 고딕"/>
+        <a:font script="Hans" typeface="等线"/>
+        <a:font script="Hant" typeface="新細明體"/>
+        <a:font script="Arab" typeface="Arial"/>
+        <a:font script="Hebr" typeface="Arial"/>
+        <a:font script="Thai" typeface="Cordia New"/>
+        <a:font script="Ethi" typeface="Nyala"/>
+        <a:font script="Beng" typeface="Vrinda"/>
+        <a:font script="Gujr" typeface="Shruti"/>
+        <a:font script="Khmr" typeface="DaunPenh"/>
+        <a:font script="Knda" typeface="Tunga"/>
+        <a:font script="Guru" typeface="Raavi"/>
+        <a:font script="Cans" typeface="Euphemia"/>
+        <a:font script="Cher" typeface="Plantagenet Cherokee"/>
+        <a:font script="Yiii" typeface="Microsoft Yi Baiti"/>
+        <a:font script="Tibt" typeface="Microsoft Himalaya"/>
+        <a:font script="Thaa" typeface="MV Boli"/>
+        <a:font script="Deva" typeface="Mangal"/>
+        <a:font script="Telu" typeface="Gautami"/>
+        <a:font script="Taml" typeface="Latha"/>
+        <a:font script="Syrc" typeface="Estrangelo Edessa"/>
+        <a:font script="Orya" typeface="Kalinga"/>
+        <a:font script="Mlym" typeface="Kartika"/>
+        <a:font script="Laoo" typeface="DokChampa"/>
+        <a:font script="Sinh" typeface="Iskoola Pota"/>
+        <a:font script="Mong" typeface="Mongolian Baiti"/>
+        <a:font script="Viet" typeface="Arial"/>
+        <a:font script="Uigh" typeface="Microsoft Uighur"/>
+        <a:font script="Geor" typeface="Sylfaen"/>
+        <a:font script="Armn" typeface="Arial"/>
+        <a:font script="Bugi" typeface="Leelawadee UI"/>
+        <a:font script="Bopo" typeface="Microsoft JhengHei"/>
+        <a:font script="Java" typeface="Javanese Text"/>
+        <a:font script="Lisu" typeface="Segoe UI"/>
+        <a:font script="Mymr" typeface="Myanmar Text"/>
+        <a:font script="Nkoo" typeface="Ebrima"/>
+        <a:font script="Olck" typeface="Nirmala UI"/>
+        <a:font script="Osma" typeface="Ebrima"/>
+        <a:font script="Phag" typeface="Phagspa"/>
+        <a:font script="Syrn" typeface="Estrangelo Edessa"/>
+        <a:font script="Syrj" typeface="Estrangelo Edessa"/>
+        <a:font script="Syre" typeface="Estrangelo Edessa"/>
+        <a:font script="Sora" typeface="Nirmala UI"/>
+        <a:font script="Tale" typeface="Microsoft Tai Le"/>
+        <a:font script="Talu" typeface="Microsoft New Tai Lue"/>
+        <a:font script="Tfng" typeface="Ebrima"/>
+      </a:minorFont>
+    </a:fontScheme>
+    <a:fmtScheme name="Office">
+      <a:fillStyleLst>
+        <a:solidFill>
+          <a:schemeClr val="phClr"/>
+        </a:solidFill>
+        <a:gradFill rotWithShape="1">
+          <a:gsLst>
+            <a:gs pos="0">
+              <a:schemeClr val="phClr">
+                <a:lumMod val="110000"/>
+                <a:satMod val="105000"/>
+                <a:tint val="67000"/>
+              </a:schemeClr>
+            </a:gs>
+            <a:gs pos="50000">
+              <a:schemeClr val="phClr">
+                <a:lumMod val="105000"/>
+                <a:satMod val="103000"/>
+                <a:tint val="73000"/>
+              </a:schemeClr>
+            </a:gs>
+            <a:gs pos="100000">
+              <a:schemeClr val="phClr">
+                <a:lumMod val="105000"/>
+                <a:satMod val="109000"/>
+                <a:tint val="81000"/>
+              </a:schemeClr>
+            </a:gs>
+          </a:gsLst>
+          <a:lin ang="5400000" scaled="0"/>
+        </a:gradFill>
+        <a:gradFill rotWithShape="1">
+          <a:gsLst>
+            <a:gs pos="0">
+              <a:schemeClr val="phClr">
+                <a:satMod val="103000"/>
+                <a:lumMod val="102000"/>
+                <a:tint val="94000"/>
+              </a:schemeClr>
+            </a:gs>
+            <a:gs pos="50000">
+              <a:schemeClr val="phClr">
+                <a:satMod val="110000"/>
+                <a:lumMod val="100000"/>
+                <a:shade val="100000"/>
+              </a:schemeClr>
+            </a:gs>
+            <a:gs pos="100000">
+              <a:schemeClr val="phClr">
+                <a:lumMod val="99000"/>
+                <a:satMod val="120000"/>
+                <a:shade val="78000"/>
+              </a:schemeClr>
+            </a:gs>
+          </a:gsLst>
+          <a:lin ang="5400000" scaled="0"/>
+        </a:gradFill>
+      </a:fillStyleLst>
+      <a:lnStyleLst>
+        <a:ln w="6350" cap="flat" cmpd="sng" algn="ctr">
+          <a:solidFill>
+            <a:schemeClr val="phClr"/>
+          </a:solidFill>
+          <a:prstDash val="solid"/>
+          <a:miter lim="800000"/>
+        </a:ln>
+        <a:ln w="12700" cap="flat" cmpd="sng" algn="ctr">
+          <a:solidFill>
+            <a:schemeClr val="phClr"/>
+          </a:solidFill>
+          <a:prstDash val="solid"/>
+          <a:miter lim="800000"/>
+        </a:ln>
+        <a:ln w="19050" cap="flat" cmpd="sng" algn="ctr">
+          <a:solidFill>
+            <a:schemeClr val="phClr"/>
+          </a:solidFill>
+          <a:prstDash val="solid"/>
+          <a:miter lim="800000"/>
+        </a:ln>
+      </a:lnStyleLst>
+      <a:effectStyleLst>
+        <a:effectStyle>
+          <a:effectLst/>
+        </a:effectStyle>
+        <a:effectStyle>
+          <a:effectLst/>
+        </a:effectStyle>
+        <a:effectStyle>
+          <a:effectLst>
+            <a:outerShdw blurRad="57150" dist="19050" dir="5400000" algn="ctr" rotWithShape="0">
+              <a:srgbClr val="000000">
+                <a:alpha val="63000"/>
+              </a:srgbClr>
+            </a:outerShdw>
+          </a:effectLst>
+        </a:effectStyle>
+      </a:effectStyleLst>
+      <a:bgFillStyleLst>
+        <a:solidFill>
+          <a:schemeClr val="phClr"/>
+        </a:solidFill>
+        <a:solidFill>
+          <a:schemeClr val="phClr">
+            <a:tint val="95000"/>
+            <a:satMod val="170000"/>
+          </a:schemeClr>
+        </a:solidFill>
+        <a:gradFill rotWithShape="1">
+          <a:gsLst>
+            <a:gs pos="0">
+              <a:schemeClr val="phClr">
+                <a:tint val="93000"/>
+                <a:satMod val="150000"/>
+                <a:shade val="98000"/>
+                <a:lumMod val="102000"/>
+              </a:schemeClr>
+            </a:gs>
+            <a:gs pos="50000">
+              <a:schemeClr val="phClr">
+                <a:tint val="98000"/>
+                <a:satMod val="130000"/>
+                <a:shade val="90000"/>
+                <a:lumMod val="103000"/>
+              </a:schemeClr>
+            </a:gs>
+            <a:gs pos="100000">
+              <a:schemeClr val="phClr">
+                <a:shade val="63000"/>
+                <a:satMod val="120000"/>
+              </a:schemeClr>
+            </a:gs>
+          </a:gsLst>
+          <a:lin ang="5400000" scaled="0"/>
+        </a:gradFill>
+      </a:bgFillStyleLst>
+    </a:fmtScheme>
+  </a:themeElements>
+  <a:objectDefaults/>
+  <a:extraClrSchemeLst/>
+  <a:extLst>
+    <a:ext uri="{05A4C25C-085E-4340-85A3-A5531E510DB2}">
+      <thm15:themeFamily xmlns:thm15="http://schemas.microsoft.com/office/thememl/2012/main" name="Office Theme" id="{62F939B6-93AF-4DB8-9C6B-D6C7DFDC589F}" vid="{4A3C46E8-61CC-4603-A589-7422A47A8E4A}"/>
+    </a:ext>
+  </a:extLst>
+</a:theme>
 </file>
--- a/Leonida, Althani Miguel/Learning Materials/MongoDB.pptx
+++ b/Leonida, Althani Miguel/Learning Materials/MongoDB.pptx
@@ -5,7 +5,7 @@
     <p:sldMasterId id="2147483648" r:id="rId1"/>
   </p:sldMasterIdLst>
   <p:notesMasterIdLst>
-    <p:notesMasterId r:id="rId21"/>
+    <p:notesMasterId r:id="rId22"/>
   </p:notesMasterIdLst>
   <p:sldIdLst>
     <p:sldId id="281" r:id="rId2"/>
@@ -27,6 +27,7 @@
     <p:sldId id="275" r:id="rId18"/>
     <p:sldId id="277" r:id="rId19"/>
     <p:sldId id="278" r:id="rId20"/>
+    <p:sldId id="282" r:id="rId21"/>
   </p:sldIdLst>
   <p:sldSz cx="12192000" cy="6858000"/>
   <p:notesSz cx="6858000" cy="9144000"/>
@@ -215,7 +216,7 @@
           <a:p>
             <a:fld id="{596D68F3-4EF0-4F7D-B44B-A434A8AD3D61}" type="datetimeFigureOut">
               <a:rPr lang="en-US" smtClean="0"/>
-              <a:t>10/12/2023</a:t>
+              <a:t>10/13/2023</a:t>
             </a:fld>
             <a:endParaRPr lang="en-US"/>
           </a:p>
@@ -1936,7 +1937,7 @@
           <a:p>
             <a:fld id="{BA5608F2-7880-4366-A24C-CEFB83BDBAA1}" type="datetimeFigureOut">
               <a:rPr lang="en-US" smtClean="0"/>
-              <a:t>10/12/2023</a:t>
+              <a:t>10/13/2023</a:t>
             </a:fld>
             <a:endParaRPr lang="en-US"/>
           </a:p>
@@ -2134,7 +2135,7 @@
           <a:p>
             <a:fld id="{BA5608F2-7880-4366-A24C-CEFB83BDBAA1}" type="datetimeFigureOut">
               <a:rPr lang="en-US" smtClean="0"/>
-              <a:t>10/12/2023</a:t>
+              <a:t>10/13/2023</a:t>
             </a:fld>
             <a:endParaRPr lang="en-US"/>
           </a:p>
@@ -2342,7 +2343,7 @@
           <a:p>
             <a:fld id="{BA5608F2-7880-4366-A24C-CEFB83BDBAA1}" type="datetimeFigureOut">
               <a:rPr lang="en-US" smtClean="0"/>
-              <a:t>10/12/2023</a:t>
+              <a:t>10/13/2023</a:t>
             </a:fld>
             <a:endParaRPr lang="en-US"/>
           </a:p>
@@ -2540,7 +2541,7 @@
           <a:p>
             <a:fld id="{BA5608F2-7880-4366-A24C-CEFB83BDBAA1}" type="datetimeFigureOut">
               <a:rPr lang="en-US" smtClean="0"/>
-              <a:t>10/12/2023</a:t>
+              <a:t>10/13/2023</a:t>
             </a:fld>
             <a:endParaRPr lang="en-US"/>
           </a:p>
@@ -2815,7 +2816,7 @@
           <a:p>
             <a:fld id="{BA5608F2-7880-4366-A24C-CEFB83BDBAA1}" type="datetimeFigureOut">
               <a:rPr lang="en-US" smtClean="0"/>
-              <a:t>10/12/2023</a:t>
+              <a:t>10/13/2023</a:t>
             </a:fld>
             <a:endParaRPr lang="en-US"/>
           </a:p>
@@ -3080,7 +3081,7 @@
           <a:p>
             <a:fld id="{BA5608F2-7880-4366-A24C-CEFB83BDBAA1}" type="datetimeFigureOut">
               <a:rPr lang="en-US" smtClean="0"/>
-              <a:t>10/12/2023</a:t>
+              <a:t>10/13/2023</a:t>
             </a:fld>
             <a:endParaRPr lang="en-US"/>
           </a:p>
@@ -3492,7 +3493,7 @@
           <a:p>
             <a:fld id="{BA5608F2-7880-4366-A24C-CEFB83BDBAA1}" type="datetimeFigureOut">
               <a:rPr lang="en-US" smtClean="0"/>
-              <a:t>10/12/2023</a:t>
+              <a:t>10/13/2023</a:t>
             </a:fld>
             <a:endParaRPr lang="en-US"/>
           </a:p>
@@ -3633,7 +3634,7 @@
           <a:p>
             <a:fld id="{BA5608F2-7880-4366-A24C-CEFB83BDBAA1}" type="datetimeFigureOut">
               <a:rPr lang="en-US" smtClean="0"/>
-              <a:t>10/12/2023</a:t>
+              <a:t>10/13/2023</a:t>
             </a:fld>
             <a:endParaRPr lang="en-US"/>
           </a:p>
@@ -3746,7 +3747,7 @@
           <a:p>
             <a:fld id="{BA5608F2-7880-4366-A24C-CEFB83BDBAA1}" type="datetimeFigureOut">
               <a:rPr lang="en-US" smtClean="0"/>
-              <a:t>10/12/2023</a:t>
+              <a:t>10/13/2023</a:t>
             </a:fld>
             <a:endParaRPr lang="en-US"/>
           </a:p>
@@ -4057,7 +4058,7 @@
           <a:p>
             <a:fld id="{BA5608F2-7880-4366-A24C-CEFB83BDBAA1}" type="datetimeFigureOut">
               <a:rPr lang="en-US" smtClean="0"/>
-              <a:t>10/12/2023</a:t>
+              <a:t>10/13/2023</a:t>
             </a:fld>
             <a:endParaRPr lang="en-US"/>
           </a:p>
@@ -4345,7 +4346,7 @@
           <a:p>
             <a:fld id="{BA5608F2-7880-4366-A24C-CEFB83BDBAA1}" type="datetimeFigureOut">
               <a:rPr lang="en-US" smtClean="0"/>
-              <a:t>10/12/2023</a:t>
+              <a:t>10/13/2023</a:t>
             </a:fld>
             <a:endParaRPr lang="en-US"/>
           </a:p>
@@ -4586,7 +4587,7 @@
           <a:p>
             <a:fld id="{BA5608F2-7880-4366-A24C-CEFB83BDBAA1}" type="datetimeFigureOut">
               <a:rPr lang="en-US" smtClean="0"/>
-              <a:t>10/12/2023</a:t>
+              <a:t>10/13/2023</a:t>
             </a:fld>
             <a:endParaRPr lang="en-US"/>
           </a:p>
@@ -6870,13 +6871,13 @@
   <p:clrMapOvr>
     <a:masterClrMapping/>
   </p:clrMapOvr>
-  <mc:AlternateContent xmlns:mc="http://schemas.openxmlformats.org/markup-compatibility/2006">
-    <mc:Choice xmlns:p159="http://schemas.microsoft.com/office/powerpoint/2015/09/main" Requires="p159">
+  <mc:AlternateContent xmlns:mc="http://schemas.openxmlformats.org/markup-compatibility/2006" xmlns:p159="http://schemas.microsoft.com/office/powerpoint/2015/09/main">
+    <mc:Choice Requires="p159">
       <p:transition xmlns:p14="http://schemas.microsoft.com/office/powerpoint/2010/main" spd="slow" p14:dur="2000">
         <p159:morph option="byObject"/>
       </p:transition>
     </mc:Choice>
-    <mc:Fallback>
+    <mc:Fallback xmlns="">
       <p:transition spd="slow">
         <p:fade/>
       </p:transition>
@@ -18191,6 +18192,385 @@
           </p:txBody>
         </p:sp>
       </p:grpSp>
+      <p:pic>
+        <p:nvPicPr>
+          <p:cNvPr id="4" name="Picture 3">
+            <a:extLst>
+              <a:ext uri="{FF2B5EF4-FFF2-40B4-BE49-F238E27FC236}">
+                <a16:creationId xmlns:a16="http://schemas.microsoft.com/office/drawing/2014/main" id="{CFBEC359-0979-39EA-E9A5-1753EA2BB062}"/>
+              </a:ext>
+            </a:extLst>
+          </p:cNvPr>
+          <p:cNvPicPr>
+            <a:picLocks noChangeAspect="1"/>
+          </p:cNvPicPr>
+          <p:nvPr/>
+        </p:nvPicPr>
+        <p:blipFill rotWithShape="1">
+          <a:blip r:embed="rId10">
+            <a:extLst>
+              <a:ext uri="{BEBA8EAE-BF5A-486C-A8C5-ECC9F3942E4B}">
+                <a14:imgProps xmlns:a14="http://schemas.microsoft.com/office/drawing/2010/main">
+                  <a14:imgLayer r:embed="rId6">
+                    <a14:imgEffect>
+                      <a14:sharpenSoften amount="50000"/>
+                    </a14:imgEffect>
+                    <a14:imgEffect>
+                      <a14:colorTemperature colorTemp="4700"/>
+                    </a14:imgEffect>
+                  </a14:imgLayer>
+                </a14:imgProps>
+              </a:ext>
+              <a:ext uri="{28A0092B-C50C-407E-A947-70E740481C1C}">
+                <a14:useLocalDpi xmlns:a14="http://schemas.microsoft.com/office/drawing/2010/main" val="0"/>
+              </a:ext>
+            </a:extLst>
+          </a:blip>
+          <a:srcRect l="42063" t="42857" r="40794" b="43129"/>
+          <a:stretch/>
+        </p:blipFill>
+        <p:spPr>
+          <a:xfrm rot="14162175">
+            <a:off x="6912689" y="7290698"/>
+            <a:ext cx="1175658" cy="961054"/>
+          </a:xfrm>
+          <a:prstGeom prst="rect">
+            <a:avLst/>
+          </a:prstGeom>
+        </p:spPr>
+      </p:pic>
+      <p:pic>
+        <p:nvPicPr>
+          <p:cNvPr id="5" name="Picture 4">
+            <a:extLst>
+              <a:ext uri="{FF2B5EF4-FFF2-40B4-BE49-F238E27FC236}">
+                <a16:creationId xmlns:a16="http://schemas.microsoft.com/office/drawing/2014/main" id="{48486DD7-288F-FF67-6B27-B76BDF3A4668}"/>
+              </a:ext>
+            </a:extLst>
+          </p:cNvPr>
+          <p:cNvPicPr>
+            <a:picLocks noChangeAspect="1"/>
+          </p:cNvPicPr>
+          <p:nvPr/>
+        </p:nvPicPr>
+        <p:blipFill rotWithShape="1">
+          <a:blip r:embed="rId11">
+            <a:extLst>
+              <a:ext uri="{BEBA8EAE-BF5A-486C-A8C5-ECC9F3942E4B}">
+                <a14:imgProps xmlns:a14="http://schemas.microsoft.com/office/drawing/2010/main">
+                  <a14:imgLayer r:embed="rId8">
+                    <a14:imgEffect>
+                      <a14:sharpenSoften amount="50000"/>
+                    </a14:imgEffect>
+                    <a14:imgEffect>
+                      <a14:colorTemperature colorTemp="4700"/>
+                    </a14:imgEffect>
+                  </a14:imgLayer>
+                </a14:imgProps>
+              </a:ext>
+              <a:ext uri="{28A0092B-C50C-407E-A947-70E740481C1C}">
+                <a14:useLocalDpi xmlns:a14="http://schemas.microsoft.com/office/drawing/2010/main" val="0"/>
+              </a:ext>
+            </a:extLst>
+          </a:blip>
+          <a:srcRect l="41247" t="41497" r="41338" b="40544"/>
+          <a:stretch/>
+        </p:blipFill>
+        <p:spPr>
+          <a:xfrm>
+            <a:off x="3665973" y="8431641"/>
+            <a:ext cx="1194319" cy="1231642"/>
+          </a:xfrm>
+          <a:prstGeom prst="rect">
+            <a:avLst/>
+          </a:prstGeom>
+        </p:spPr>
+      </p:pic>
+      <p:pic>
+        <p:nvPicPr>
+          <p:cNvPr id="6" name="Picture 5">
+            <a:extLst>
+              <a:ext uri="{FF2B5EF4-FFF2-40B4-BE49-F238E27FC236}">
+                <a16:creationId xmlns:a16="http://schemas.microsoft.com/office/drawing/2014/main" id="{CB2FC1F6-8815-F677-41D3-A50AC9AEE46D}"/>
+              </a:ext>
+            </a:extLst>
+          </p:cNvPr>
+          <p:cNvPicPr>
+            <a:picLocks noChangeAspect="1"/>
+          </p:cNvPicPr>
+          <p:nvPr/>
+        </p:nvPicPr>
+        <p:blipFill rotWithShape="1">
+          <a:blip r:embed="rId11">
+            <a:extLst>
+              <a:ext uri="{BEBA8EAE-BF5A-486C-A8C5-ECC9F3942E4B}">
+                <a14:imgProps xmlns:a14="http://schemas.microsoft.com/office/drawing/2010/main">
+                  <a14:imgLayer r:embed="rId8">
+                    <a14:imgEffect>
+                      <a14:sharpenSoften amount="50000"/>
+                    </a14:imgEffect>
+                    <a14:imgEffect>
+                      <a14:colorTemperature colorTemp="4700"/>
+                    </a14:imgEffect>
+                  </a14:imgLayer>
+                </a14:imgProps>
+              </a:ext>
+              <a:ext uri="{28A0092B-C50C-407E-A947-70E740481C1C}">
+                <a14:useLocalDpi xmlns:a14="http://schemas.microsoft.com/office/drawing/2010/main" val="0"/>
+              </a:ext>
+            </a:extLst>
+          </a:blip>
+          <a:srcRect l="41247" t="41497" r="41338" b="40544"/>
+          <a:stretch/>
+        </p:blipFill>
+        <p:spPr>
+          <a:xfrm rot="8331144">
+            <a:off x="-2072052" y="3503724"/>
+            <a:ext cx="1194319" cy="1231642"/>
+          </a:xfrm>
+          <a:prstGeom prst="rect">
+            <a:avLst/>
+          </a:prstGeom>
+        </p:spPr>
+      </p:pic>
+      <p:pic>
+        <p:nvPicPr>
+          <p:cNvPr id="7" name="Picture 6">
+            <a:extLst>
+              <a:ext uri="{FF2B5EF4-FFF2-40B4-BE49-F238E27FC236}">
+                <a16:creationId xmlns:a16="http://schemas.microsoft.com/office/drawing/2014/main" id="{05B433CE-FB19-16B2-DD52-AA47F9C36C90}"/>
+              </a:ext>
+            </a:extLst>
+          </p:cNvPr>
+          <p:cNvPicPr>
+            <a:picLocks noChangeAspect="1"/>
+          </p:cNvPicPr>
+          <p:nvPr/>
+        </p:nvPicPr>
+        <p:blipFill rotWithShape="1">
+          <a:blip r:embed="rId12">
+            <a:extLst>
+              <a:ext uri="{BEBA8EAE-BF5A-486C-A8C5-ECC9F3942E4B}">
+                <a14:imgProps xmlns:a14="http://schemas.microsoft.com/office/drawing/2010/main">
+                  <a14:imgLayer r:embed="rId13">
+                    <a14:imgEffect>
+                      <a14:sharpenSoften amount="50000"/>
+                    </a14:imgEffect>
+                    <a14:imgEffect>
+                      <a14:colorTemperature colorTemp="4700"/>
+                    </a14:imgEffect>
+                  </a14:imgLayer>
+                </a14:imgProps>
+              </a:ext>
+              <a:ext uri="{28A0092B-C50C-407E-A947-70E740481C1C}">
+                <a14:useLocalDpi xmlns:a14="http://schemas.microsoft.com/office/drawing/2010/main" val="0"/>
+              </a:ext>
+            </a:extLst>
+          </a:blip>
+          <a:srcRect l="41383" t="43129" r="41474" b="42858"/>
+          <a:stretch/>
+        </p:blipFill>
+        <p:spPr>
+          <a:xfrm>
+            <a:off x="2576236" y="-2028287"/>
+            <a:ext cx="1175658" cy="961053"/>
+          </a:xfrm>
+          <a:prstGeom prst="rect">
+            <a:avLst/>
+          </a:prstGeom>
+        </p:spPr>
+      </p:pic>
+      <p:pic>
+        <p:nvPicPr>
+          <p:cNvPr id="8" name="Picture 7">
+            <a:extLst>
+              <a:ext uri="{FF2B5EF4-FFF2-40B4-BE49-F238E27FC236}">
+                <a16:creationId xmlns:a16="http://schemas.microsoft.com/office/drawing/2014/main" id="{ED982015-787F-36EC-EF28-0E8491C642FA}"/>
+              </a:ext>
+            </a:extLst>
+          </p:cNvPr>
+          <p:cNvPicPr>
+            <a:picLocks noChangeAspect="1"/>
+          </p:cNvPicPr>
+          <p:nvPr/>
+        </p:nvPicPr>
+        <p:blipFill rotWithShape="1">
+          <a:blip r:embed="rId10">
+            <a:extLst>
+              <a:ext uri="{BEBA8EAE-BF5A-486C-A8C5-ECC9F3942E4B}">
+                <a14:imgProps xmlns:a14="http://schemas.microsoft.com/office/drawing/2010/main">
+                  <a14:imgLayer r:embed="rId6">
+                    <a14:imgEffect>
+                      <a14:sharpenSoften amount="50000"/>
+                    </a14:imgEffect>
+                    <a14:imgEffect>
+                      <a14:colorTemperature colorTemp="4700"/>
+                    </a14:imgEffect>
+                  </a14:imgLayer>
+                </a14:imgProps>
+              </a:ext>
+              <a:ext uri="{28A0092B-C50C-407E-A947-70E740481C1C}">
+                <a14:useLocalDpi xmlns:a14="http://schemas.microsoft.com/office/drawing/2010/main" val="0"/>
+              </a:ext>
+            </a:extLst>
+          </a:blip>
+          <a:srcRect l="42063" t="42857" r="40794" b="43129"/>
+          <a:stretch/>
+        </p:blipFill>
+        <p:spPr>
+          <a:xfrm rot="14162175">
+            <a:off x="8267735" y="9130734"/>
+            <a:ext cx="1175658" cy="961054"/>
+          </a:xfrm>
+          <a:prstGeom prst="rect">
+            <a:avLst/>
+          </a:prstGeom>
+        </p:spPr>
+      </p:pic>
+      <p:pic>
+        <p:nvPicPr>
+          <p:cNvPr id="9" name="Picture 8">
+            <a:extLst>
+              <a:ext uri="{FF2B5EF4-FFF2-40B4-BE49-F238E27FC236}">
+                <a16:creationId xmlns:a16="http://schemas.microsoft.com/office/drawing/2014/main" id="{080676E8-C471-5064-76B4-D1378C14DD31}"/>
+              </a:ext>
+            </a:extLst>
+          </p:cNvPr>
+          <p:cNvPicPr>
+            <a:picLocks noChangeAspect="1"/>
+          </p:cNvPicPr>
+          <p:nvPr/>
+        </p:nvPicPr>
+        <p:blipFill rotWithShape="1">
+          <a:blip r:embed="rId12">
+            <a:extLst>
+              <a:ext uri="{BEBA8EAE-BF5A-486C-A8C5-ECC9F3942E4B}">
+                <a14:imgProps xmlns:a14="http://schemas.microsoft.com/office/drawing/2010/main">
+                  <a14:imgLayer r:embed="rId13">
+                    <a14:imgEffect>
+                      <a14:sharpenSoften amount="50000"/>
+                    </a14:imgEffect>
+                    <a14:imgEffect>
+                      <a14:colorTemperature colorTemp="4700"/>
+                    </a14:imgEffect>
+                  </a14:imgLayer>
+                </a14:imgProps>
+              </a:ext>
+              <a:ext uri="{28A0092B-C50C-407E-A947-70E740481C1C}">
+                <a14:useLocalDpi xmlns:a14="http://schemas.microsoft.com/office/drawing/2010/main" val="0"/>
+              </a:ext>
+            </a:extLst>
+          </a:blip>
+          <a:srcRect l="41383" t="43129" r="41474" b="42858"/>
+          <a:stretch/>
+        </p:blipFill>
+        <p:spPr>
+          <a:xfrm rot="8331144">
+            <a:off x="13640130" y="3641951"/>
+            <a:ext cx="1175658" cy="961053"/>
+          </a:xfrm>
+          <a:prstGeom prst="rect">
+            <a:avLst/>
+          </a:prstGeom>
+        </p:spPr>
+      </p:pic>
+      <p:pic>
+        <p:nvPicPr>
+          <p:cNvPr id="15" name="Picture 14">
+            <a:extLst>
+              <a:ext uri="{FF2B5EF4-FFF2-40B4-BE49-F238E27FC236}">
+                <a16:creationId xmlns:a16="http://schemas.microsoft.com/office/drawing/2014/main" id="{718FAFEE-CA66-E67D-C890-26AC86CAB24D}"/>
+              </a:ext>
+            </a:extLst>
+          </p:cNvPr>
+          <p:cNvPicPr>
+            <a:picLocks noChangeAspect="1"/>
+          </p:cNvPicPr>
+          <p:nvPr/>
+        </p:nvPicPr>
+        <p:blipFill rotWithShape="1">
+          <a:blip r:embed="rId11">
+            <a:extLst>
+              <a:ext uri="{BEBA8EAE-BF5A-486C-A8C5-ECC9F3942E4B}">
+                <a14:imgProps xmlns:a14="http://schemas.microsoft.com/office/drawing/2010/main">
+                  <a14:imgLayer r:embed="rId8">
+                    <a14:imgEffect>
+                      <a14:sharpenSoften amount="50000"/>
+                    </a14:imgEffect>
+                    <a14:imgEffect>
+                      <a14:colorTemperature colorTemp="4700"/>
+                    </a14:imgEffect>
+                  </a14:imgLayer>
+                </a14:imgProps>
+              </a:ext>
+              <a:ext uri="{28A0092B-C50C-407E-A947-70E740481C1C}">
+                <a14:useLocalDpi xmlns:a14="http://schemas.microsoft.com/office/drawing/2010/main" val="0"/>
+              </a:ext>
+            </a:extLst>
+          </a:blip>
+          <a:srcRect l="41247" t="41497" r="41338" b="40544"/>
+          <a:stretch/>
+        </p:blipFill>
+        <p:spPr>
+          <a:xfrm rot="8331144">
+            <a:off x="-3543789" y="1790413"/>
+            <a:ext cx="1194319" cy="1231642"/>
+          </a:xfrm>
+          <a:prstGeom prst="rect">
+            <a:avLst/>
+          </a:prstGeom>
+        </p:spPr>
+      </p:pic>
+      <p:pic>
+        <p:nvPicPr>
+          <p:cNvPr id="16" name="Picture 15">
+            <a:extLst>
+              <a:ext uri="{FF2B5EF4-FFF2-40B4-BE49-F238E27FC236}">
+                <a16:creationId xmlns:a16="http://schemas.microsoft.com/office/drawing/2014/main" id="{70534737-8C7F-7E67-3895-78A944EDE7EB}"/>
+              </a:ext>
+            </a:extLst>
+          </p:cNvPr>
+          <p:cNvPicPr>
+            <a:picLocks noChangeAspect="1"/>
+          </p:cNvPicPr>
+          <p:nvPr/>
+        </p:nvPicPr>
+        <p:blipFill rotWithShape="1">
+          <a:blip r:embed="rId7">
+            <a:extLst>
+              <a:ext uri="{BEBA8EAE-BF5A-486C-A8C5-ECC9F3942E4B}">
+                <a14:imgProps xmlns:a14="http://schemas.microsoft.com/office/drawing/2010/main">
+                  <a14:imgLayer r:embed="rId8">
+                    <a14:imgEffect>
+                      <a14:artisticBlur/>
+                    </a14:imgEffect>
+                    <a14:imgEffect>
+                      <a14:sharpenSoften amount="50000"/>
+                    </a14:imgEffect>
+                    <a14:imgEffect>
+                      <a14:colorTemperature colorTemp="4700"/>
+                    </a14:imgEffect>
+                  </a14:imgLayer>
+                </a14:imgProps>
+              </a:ext>
+              <a:ext uri="{28A0092B-C50C-407E-A947-70E740481C1C}">
+                <a14:useLocalDpi xmlns:a14="http://schemas.microsoft.com/office/drawing/2010/main" val="0"/>
+              </a:ext>
+            </a:extLst>
+          </a:blip>
+          <a:srcRect l="41247" t="41497" r="41338" b="40544"/>
+          <a:stretch/>
+        </p:blipFill>
+        <p:spPr>
+          <a:xfrm>
+            <a:off x="14660324" y="4989769"/>
+            <a:ext cx="2113038" cy="2179071"/>
+          </a:xfrm>
+          <a:prstGeom prst="rect">
+            <a:avLst/>
+          </a:prstGeom>
+        </p:spPr>
+      </p:pic>
     </p:spTree>
     <p:extLst>
       <p:ext uri="{BB962C8B-B14F-4D97-AF65-F5344CB8AC3E}">
@@ -20806,14 +21186,2237 @@
   <p:clrMapOvr>
     <a:masterClrMapping/>
   </p:clrMapOvr>
-  <mc:AlternateContent xmlns:mc="http://schemas.openxmlformats.org/markup-compatibility/2006">
-    <mc:Choice xmlns:p159="http://schemas.microsoft.com/office/powerpoint/2015/09/main" Requires="p159">
+  <mc:AlternateContent xmlns:mc="http://schemas.openxmlformats.org/markup-compatibility/2006" xmlns:p159="http://schemas.microsoft.com/office/powerpoint/2015/09/main">
+    <mc:Choice Requires="p159">
       <p:transition spd="slow">
         <p159:morph option="byObject"/>
       </p:transition>
     </mc:Choice>
+    <mc:Fallback xmlns="">
+      <p:transition spd="slow">
+        <p:fade/>
+      </p:transition>
+    </mc:Fallback>
+  </mc:AlternateContent>
+</p:sld>
+</file>
+
+<file path=ppt/slides/slide20.xml><?xml version="1.0" encoding="utf-8"?>
+<p:sld xmlns:a="http://schemas.openxmlformats.org/drawingml/2006/main" xmlns:r="http://schemas.openxmlformats.org/officeDocument/2006/relationships" xmlns:p="http://schemas.openxmlformats.org/presentationml/2006/main">
+  <p:cSld>
+    <p:spTree>
+      <p:nvGrpSpPr>
+        <p:cNvPr id="1" name=""/>
+        <p:cNvGrpSpPr/>
+        <p:nvPr/>
+      </p:nvGrpSpPr>
+      <p:grpSpPr>
+        <a:xfrm>
+          <a:off x="0" y="0"/>
+          <a:ext cx="0" cy="0"/>
+          <a:chOff x="0" y="0"/>
+          <a:chExt cx="0" cy="0"/>
+        </a:xfrm>
+      </p:grpSpPr>
+      <p:pic>
+        <p:nvPicPr>
+          <p:cNvPr id="12" name="Picture 11">
+            <a:extLst>
+              <a:ext uri="{FF2B5EF4-FFF2-40B4-BE49-F238E27FC236}">
+                <a16:creationId xmlns:a16="http://schemas.microsoft.com/office/drawing/2014/main" id="{8FBEF2C1-839A-D601-036D-ACCBD3672341}"/>
+              </a:ext>
+            </a:extLst>
+          </p:cNvPr>
+          <p:cNvPicPr>
+            <a:picLocks noChangeAspect="1"/>
+          </p:cNvPicPr>
+          <p:nvPr/>
+        </p:nvPicPr>
+        <p:blipFill rotWithShape="1">
+          <a:blip r:embed="rId2">
+            <a:alphaModFix amt="5000"/>
+            <a:extLst>
+              <a:ext uri="{BEBA8EAE-BF5A-486C-A8C5-ECC9F3942E4B}">
+                <a14:imgProps xmlns:a14="http://schemas.microsoft.com/office/drawing/2010/main">
+                  <a14:imgLayer r:embed="rId3">
+                    <a14:imgEffect>
+                      <a14:sharpenSoften amount="50000"/>
+                    </a14:imgEffect>
+                    <a14:imgEffect>
+                      <a14:colorTemperature colorTemp="4700"/>
+                    </a14:imgEffect>
+                  </a14:imgLayer>
+                </a14:imgProps>
+              </a:ext>
+              <a:ext uri="{28A0092B-C50C-407E-A947-70E740481C1C}">
+                <a14:useLocalDpi xmlns:a14="http://schemas.microsoft.com/office/drawing/2010/main" val="0"/>
+              </a:ext>
+            </a:extLst>
+          </a:blip>
+          <a:srcRect l="41247" t="42993" r="41610" b="43401"/>
+          <a:stretch/>
+        </p:blipFill>
+        <p:spPr>
+          <a:xfrm rot="8331144">
+            <a:off x="9045525" y="1165095"/>
+            <a:ext cx="1175657" cy="933063"/>
+          </a:xfrm>
+          <a:prstGeom prst="rect">
+            <a:avLst/>
+          </a:prstGeom>
+        </p:spPr>
+      </p:pic>
+      <p:pic>
+        <p:nvPicPr>
+          <p:cNvPr id="13" name="Picture 12">
+            <a:extLst>
+              <a:ext uri="{FF2B5EF4-FFF2-40B4-BE49-F238E27FC236}">
+                <a16:creationId xmlns:a16="http://schemas.microsoft.com/office/drawing/2014/main" id="{81796B7D-C113-4F58-818B-6AC14FB37F29}"/>
+              </a:ext>
+            </a:extLst>
+          </p:cNvPr>
+          <p:cNvPicPr>
+            <a:picLocks noChangeAspect="1"/>
+          </p:cNvPicPr>
+          <p:nvPr/>
+        </p:nvPicPr>
+        <p:blipFill rotWithShape="1">
+          <a:blip r:embed="rId4">
+            <a:alphaModFix amt="5000"/>
+            <a:extLst>
+              <a:ext uri="{BEBA8EAE-BF5A-486C-A8C5-ECC9F3942E4B}">
+                <a14:imgProps xmlns:a14="http://schemas.microsoft.com/office/drawing/2010/main">
+                  <a14:imgLayer r:embed="rId5">
+                    <a14:imgEffect>
+                      <a14:sharpenSoften amount="50000"/>
+                    </a14:imgEffect>
+                    <a14:imgEffect>
+                      <a14:colorTemperature colorTemp="4700"/>
+                    </a14:imgEffect>
+                  </a14:imgLayer>
+                </a14:imgProps>
+              </a:ext>
+              <a:ext uri="{28A0092B-C50C-407E-A947-70E740481C1C}">
+                <a14:useLocalDpi xmlns:a14="http://schemas.microsoft.com/office/drawing/2010/main" val="0"/>
+              </a:ext>
+            </a:extLst>
+          </a:blip>
+          <a:srcRect l="41383" t="43129" r="41474" b="42858"/>
+          <a:stretch/>
+        </p:blipFill>
+        <p:spPr>
+          <a:xfrm rot="13544762">
+            <a:off x="10589986" y="4273940"/>
+            <a:ext cx="1175658" cy="961053"/>
+          </a:xfrm>
+          <a:prstGeom prst="rect">
+            <a:avLst/>
+          </a:prstGeom>
+        </p:spPr>
+      </p:pic>
+      <p:pic>
+        <p:nvPicPr>
+          <p:cNvPr id="19" name="Picture 18">
+            <a:extLst>
+              <a:ext uri="{FF2B5EF4-FFF2-40B4-BE49-F238E27FC236}">
+                <a16:creationId xmlns:a16="http://schemas.microsoft.com/office/drawing/2014/main" id="{C1D9C69E-386A-3DA7-AA74-AEC22779FF37}"/>
+              </a:ext>
+            </a:extLst>
+          </p:cNvPr>
+          <p:cNvPicPr>
+            <a:picLocks noChangeAspect="1"/>
+          </p:cNvPicPr>
+          <p:nvPr/>
+        </p:nvPicPr>
+        <p:blipFill rotWithShape="1">
+          <a:blip r:embed="rId6">
+            <a:alphaModFix amt="20000"/>
+            <a:extLst>
+              <a:ext uri="{BEBA8EAE-BF5A-486C-A8C5-ECC9F3942E4B}">
+                <a14:imgProps xmlns:a14="http://schemas.microsoft.com/office/drawing/2010/main">
+                  <a14:imgLayer r:embed="rId7">
+                    <a14:imgEffect>
+                      <a14:artisticBlur/>
+                    </a14:imgEffect>
+                    <a14:imgEffect>
+                      <a14:sharpenSoften amount="50000"/>
+                    </a14:imgEffect>
+                    <a14:imgEffect>
+                      <a14:colorTemperature colorTemp="4700"/>
+                    </a14:imgEffect>
+                  </a14:imgLayer>
+                </a14:imgProps>
+              </a:ext>
+              <a:ext uri="{28A0092B-C50C-407E-A947-70E740481C1C}">
+                <a14:useLocalDpi xmlns:a14="http://schemas.microsoft.com/office/drawing/2010/main" val="0"/>
+              </a:ext>
+            </a:extLst>
+          </a:blip>
+          <a:srcRect l="42063" t="42857" r="40794" b="43129"/>
+          <a:stretch/>
+        </p:blipFill>
+        <p:spPr>
+          <a:xfrm rot="9351054">
+            <a:off x="129224" y="5247127"/>
+            <a:ext cx="2060677" cy="1684522"/>
+          </a:xfrm>
+          <a:prstGeom prst="rect">
+            <a:avLst/>
+          </a:prstGeom>
+        </p:spPr>
+      </p:pic>
+      <p:pic>
+        <p:nvPicPr>
+          <p:cNvPr id="20" name="Picture 19">
+            <a:extLst>
+              <a:ext uri="{FF2B5EF4-FFF2-40B4-BE49-F238E27FC236}">
+                <a16:creationId xmlns:a16="http://schemas.microsoft.com/office/drawing/2014/main" id="{774D3D65-D37D-EEA1-2D26-6C23EA647A51}"/>
+              </a:ext>
+            </a:extLst>
+          </p:cNvPr>
+          <p:cNvPicPr>
+            <a:picLocks noChangeAspect="1"/>
+          </p:cNvPicPr>
+          <p:nvPr/>
+        </p:nvPicPr>
+        <p:blipFill rotWithShape="1">
+          <a:blip r:embed="rId8">
+            <a:alphaModFix amt="20000"/>
+            <a:extLst>
+              <a:ext uri="{BEBA8EAE-BF5A-486C-A8C5-ECC9F3942E4B}">
+                <a14:imgProps xmlns:a14="http://schemas.microsoft.com/office/drawing/2010/main">
+                  <a14:imgLayer r:embed="rId9">
+                    <a14:imgEffect>
+                      <a14:artisticBlur/>
+                    </a14:imgEffect>
+                    <a14:imgEffect>
+                      <a14:sharpenSoften amount="50000"/>
+                    </a14:imgEffect>
+                    <a14:imgEffect>
+                      <a14:colorTemperature colorTemp="4700"/>
+                    </a14:imgEffect>
+                  </a14:imgLayer>
+                </a14:imgProps>
+              </a:ext>
+              <a:ext uri="{28A0092B-C50C-407E-A947-70E740481C1C}">
+                <a14:useLocalDpi xmlns:a14="http://schemas.microsoft.com/office/drawing/2010/main" val="0"/>
+              </a:ext>
+            </a:extLst>
+          </a:blip>
+          <a:srcRect l="41247" t="41497" r="41338" b="40544"/>
+          <a:stretch/>
+        </p:blipFill>
+        <p:spPr>
+          <a:xfrm rot="1475221">
+            <a:off x="122012" y="2272230"/>
+            <a:ext cx="2113038" cy="2179071"/>
+          </a:xfrm>
+          <a:prstGeom prst="rect">
+            <a:avLst/>
+          </a:prstGeom>
+        </p:spPr>
+      </p:pic>
+      <p:pic>
+        <p:nvPicPr>
+          <p:cNvPr id="26" name="Picture 25">
+            <a:extLst>
+              <a:ext uri="{FF2B5EF4-FFF2-40B4-BE49-F238E27FC236}">
+                <a16:creationId xmlns:a16="http://schemas.microsoft.com/office/drawing/2014/main" id="{FD5D1E56-3F20-1A4B-54E8-C3D95A31885B}"/>
+              </a:ext>
+            </a:extLst>
+          </p:cNvPr>
+          <p:cNvPicPr>
+            <a:picLocks noChangeAspect="1"/>
+          </p:cNvPicPr>
+          <p:nvPr/>
+        </p:nvPicPr>
+        <p:blipFill rotWithShape="1">
+          <a:blip r:embed="rId2">
+            <a:alphaModFix amt="5000"/>
+            <a:extLst>
+              <a:ext uri="{BEBA8EAE-BF5A-486C-A8C5-ECC9F3942E4B}">
+                <a14:imgProps xmlns:a14="http://schemas.microsoft.com/office/drawing/2010/main">
+                  <a14:imgLayer r:embed="rId3">
+                    <a14:imgEffect>
+                      <a14:sharpenSoften amount="50000"/>
+                    </a14:imgEffect>
+                    <a14:imgEffect>
+                      <a14:colorTemperature colorTemp="4700"/>
+                    </a14:imgEffect>
+                  </a14:imgLayer>
+                </a14:imgProps>
+              </a:ext>
+              <a:ext uri="{28A0092B-C50C-407E-A947-70E740481C1C}">
+                <a14:useLocalDpi xmlns:a14="http://schemas.microsoft.com/office/drawing/2010/main" val="0"/>
+              </a:ext>
+            </a:extLst>
+          </a:blip>
+          <a:srcRect l="41247" t="42993" r="41610" b="43401"/>
+          <a:stretch/>
+        </p:blipFill>
+        <p:spPr>
+          <a:xfrm>
+            <a:off x="4250556" y="208278"/>
+            <a:ext cx="1175657" cy="933063"/>
+          </a:xfrm>
+          <a:prstGeom prst="rect">
+            <a:avLst/>
+          </a:prstGeom>
+        </p:spPr>
+      </p:pic>
+      <p:pic>
+        <p:nvPicPr>
+          <p:cNvPr id="27" name="Picture 26">
+            <a:extLst>
+              <a:ext uri="{FF2B5EF4-FFF2-40B4-BE49-F238E27FC236}">
+                <a16:creationId xmlns:a16="http://schemas.microsoft.com/office/drawing/2014/main" id="{CD888F92-3897-625E-617A-3AC97FB644E2}"/>
+              </a:ext>
+            </a:extLst>
+          </p:cNvPr>
+          <p:cNvPicPr>
+            <a:picLocks noChangeAspect="1"/>
+          </p:cNvPicPr>
+          <p:nvPr/>
+        </p:nvPicPr>
+        <p:blipFill rotWithShape="1">
+          <a:blip r:embed="rId4">
+            <a:alphaModFix amt="5000"/>
+            <a:extLst>
+              <a:ext uri="{BEBA8EAE-BF5A-486C-A8C5-ECC9F3942E4B}">
+                <a14:imgProps xmlns:a14="http://schemas.microsoft.com/office/drawing/2010/main">
+                  <a14:imgLayer r:embed="rId5">
+                    <a14:imgEffect>
+                      <a14:sharpenSoften amount="50000"/>
+                    </a14:imgEffect>
+                    <a14:imgEffect>
+                      <a14:colorTemperature colorTemp="4700"/>
+                    </a14:imgEffect>
+                  </a14:imgLayer>
+                </a14:imgProps>
+              </a:ext>
+              <a:ext uri="{28A0092B-C50C-407E-A947-70E740481C1C}">
+                <a14:useLocalDpi xmlns:a14="http://schemas.microsoft.com/office/drawing/2010/main" val="0"/>
+              </a:ext>
+            </a:extLst>
+          </a:blip>
+          <a:srcRect l="41383" t="43129" r="41474" b="42858"/>
+          <a:stretch/>
+        </p:blipFill>
+        <p:spPr>
+          <a:xfrm>
+            <a:off x="222362" y="151517"/>
+            <a:ext cx="1175658" cy="961053"/>
+          </a:xfrm>
+          <a:prstGeom prst="rect">
+            <a:avLst/>
+          </a:prstGeom>
+        </p:spPr>
+      </p:pic>
+      <p:pic>
+        <p:nvPicPr>
+          <p:cNvPr id="30" name="Picture 29">
+            <a:extLst>
+              <a:ext uri="{FF2B5EF4-FFF2-40B4-BE49-F238E27FC236}">
+                <a16:creationId xmlns:a16="http://schemas.microsoft.com/office/drawing/2014/main" id="{CBB22A0C-2845-4A3F-783E-909445A0BB37}"/>
+              </a:ext>
+            </a:extLst>
+          </p:cNvPr>
+          <p:cNvPicPr>
+            <a:picLocks noChangeAspect="1"/>
+          </p:cNvPicPr>
+          <p:nvPr/>
+        </p:nvPicPr>
+        <p:blipFill rotWithShape="1">
+          <a:blip r:embed="rId2">
+            <a:alphaModFix amt="3000"/>
+            <a:extLst>
+              <a:ext uri="{BEBA8EAE-BF5A-486C-A8C5-ECC9F3942E4B}">
+                <a14:imgProps xmlns:a14="http://schemas.microsoft.com/office/drawing/2010/main">
+                  <a14:imgLayer r:embed="rId3">
+                    <a14:imgEffect>
+                      <a14:sharpenSoften amount="50000"/>
+                    </a14:imgEffect>
+                    <a14:imgEffect>
+                      <a14:colorTemperature colorTemp="4700"/>
+                    </a14:imgEffect>
+                  </a14:imgLayer>
+                </a14:imgProps>
+              </a:ext>
+              <a:ext uri="{28A0092B-C50C-407E-A947-70E740481C1C}">
+                <a14:useLocalDpi xmlns:a14="http://schemas.microsoft.com/office/drawing/2010/main" val="0"/>
+              </a:ext>
+            </a:extLst>
+          </a:blip>
+          <a:srcRect l="41247" t="42993" r="41610" b="43401"/>
+          <a:stretch/>
+        </p:blipFill>
+        <p:spPr>
+          <a:xfrm rot="13618407">
+            <a:off x="8403391" y="2005006"/>
+            <a:ext cx="1175657" cy="933063"/>
+          </a:xfrm>
+          <a:prstGeom prst="rect">
+            <a:avLst/>
+          </a:prstGeom>
+        </p:spPr>
+      </p:pic>
+      <p:pic>
+        <p:nvPicPr>
+          <p:cNvPr id="31" name="Picture 30">
+            <a:extLst>
+              <a:ext uri="{FF2B5EF4-FFF2-40B4-BE49-F238E27FC236}">
+                <a16:creationId xmlns:a16="http://schemas.microsoft.com/office/drawing/2014/main" id="{3EAC872E-7E25-96E7-9340-FBB1E9172CEB}"/>
+              </a:ext>
+            </a:extLst>
+          </p:cNvPr>
+          <p:cNvPicPr>
+            <a:picLocks noChangeAspect="1"/>
+          </p:cNvPicPr>
+          <p:nvPr/>
+        </p:nvPicPr>
+        <p:blipFill rotWithShape="1">
+          <a:blip r:embed="rId4">
+            <a:alphaModFix amt="5000"/>
+            <a:extLst>
+              <a:ext uri="{BEBA8EAE-BF5A-486C-A8C5-ECC9F3942E4B}">
+                <a14:imgProps xmlns:a14="http://schemas.microsoft.com/office/drawing/2010/main">
+                  <a14:imgLayer r:embed="rId5">
+                    <a14:imgEffect>
+                      <a14:sharpenSoften amount="50000"/>
+                    </a14:imgEffect>
+                    <a14:imgEffect>
+                      <a14:colorTemperature colorTemp="4700"/>
+                    </a14:imgEffect>
+                  </a14:imgLayer>
+                </a14:imgProps>
+              </a:ext>
+              <a:ext uri="{28A0092B-C50C-407E-A947-70E740481C1C}">
+                <a14:useLocalDpi xmlns:a14="http://schemas.microsoft.com/office/drawing/2010/main" val="0"/>
+              </a:ext>
+            </a:extLst>
+          </a:blip>
+          <a:srcRect l="41383" t="43129" r="41474" b="42858"/>
+          <a:stretch/>
+        </p:blipFill>
+        <p:spPr>
+          <a:xfrm rot="19975684">
+            <a:off x="10191688" y="1803897"/>
+            <a:ext cx="1175658" cy="961053"/>
+          </a:xfrm>
+          <a:prstGeom prst="rect">
+            <a:avLst/>
+          </a:prstGeom>
+        </p:spPr>
+      </p:pic>
+      <p:pic>
+        <p:nvPicPr>
+          <p:cNvPr id="32" name="Picture 31">
+            <a:extLst>
+              <a:ext uri="{FF2B5EF4-FFF2-40B4-BE49-F238E27FC236}">
+                <a16:creationId xmlns:a16="http://schemas.microsoft.com/office/drawing/2014/main" id="{4A54E6AF-6DEE-44F9-F1FC-274AFCCF05CA}"/>
+              </a:ext>
+            </a:extLst>
+          </p:cNvPr>
+          <p:cNvPicPr>
+            <a:picLocks noChangeAspect="1"/>
+          </p:cNvPicPr>
+          <p:nvPr/>
+        </p:nvPicPr>
+        <p:blipFill rotWithShape="1">
+          <a:blip r:embed="rId10">
+            <a:alphaModFix amt="5000"/>
+            <a:extLst>
+              <a:ext uri="{BEBA8EAE-BF5A-486C-A8C5-ECC9F3942E4B}">
+                <a14:imgProps xmlns:a14="http://schemas.microsoft.com/office/drawing/2010/main">
+                  <a14:imgLayer r:embed="rId7">
+                    <a14:imgEffect>
+                      <a14:sharpenSoften amount="50000"/>
+                    </a14:imgEffect>
+                    <a14:imgEffect>
+                      <a14:colorTemperature colorTemp="4700"/>
+                    </a14:imgEffect>
+                  </a14:imgLayer>
+                </a14:imgProps>
+              </a:ext>
+              <a:ext uri="{28A0092B-C50C-407E-A947-70E740481C1C}">
+                <a14:useLocalDpi xmlns:a14="http://schemas.microsoft.com/office/drawing/2010/main" val="0"/>
+              </a:ext>
+            </a:extLst>
+          </a:blip>
+          <a:srcRect l="42063" t="42857" r="40794" b="43129"/>
+          <a:stretch/>
+        </p:blipFill>
+        <p:spPr>
+          <a:xfrm rot="18894262">
+            <a:off x="10351434" y="3275383"/>
+            <a:ext cx="1175658" cy="961054"/>
+          </a:xfrm>
+          <a:prstGeom prst="rect">
+            <a:avLst/>
+          </a:prstGeom>
+        </p:spPr>
+      </p:pic>
+      <p:pic>
+        <p:nvPicPr>
+          <p:cNvPr id="34" name="Picture 33">
+            <a:extLst>
+              <a:ext uri="{FF2B5EF4-FFF2-40B4-BE49-F238E27FC236}">
+                <a16:creationId xmlns:a16="http://schemas.microsoft.com/office/drawing/2014/main" id="{EC5F1B1B-9DF1-7360-EA2E-4B1BFC43ABF6}"/>
+              </a:ext>
+            </a:extLst>
+          </p:cNvPr>
+          <p:cNvPicPr>
+            <a:picLocks noChangeAspect="1"/>
+          </p:cNvPicPr>
+          <p:nvPr/>
+        </p:nvPicPr>
+        <p:blipFill rotWithShape="1">
+          <a:blip r:embed="rId2">
+            <a:alphaModFix amt="5000"/>
+            <a:extLst>
+              <a:ext uri="{BEBA8EAE-BF5A-486C-A8C5-ECC9F3942E4B}">
+                <a14:imgProps xmlns:a14="http://schemas.microsoft.com/office/drawing/2010/main">
+                  <a14:imgLayer r:embed="rId3">
+                    <a14:imgEffect>
+                      <a14:sharpenSoften amount="50000"/>
+                    </a14:imgEffect>
+                    <a14:imgEffect>
+                      <a14:colorTemperature colorTemp="4700"/>
+                    </a14:imgEffect>
+                  </a14:imgLayer>
+                </a14:imgProps>
+              </a:ext>
+              <a:ext uri="{28A0092B-C50C-407E-A947-70E740481C1C}">
+                <a14:useLocalDpi xmlns:a14="http://schemas.microsoft.com/office/drawing/2010/main" val="0"/>
+              </a:ext>
+            </a:extLst>
+          </a:blip>
+          <a:srcRect l="41247" t="42993" r="41610" b="43401"/>
+          <a:stretch/>
+        </p:blipFill>
+        <p:spPr>
+          <a:xfrm rot="3193015">
+            <a:off x="8569856" y="4904729"/>
+            <a:ext cx="1175657" cy="933063"/>
+          </a:xfrm>
+          <a:prstGeom prst="rect">
+            <a:avLst/>
+          </a:prstGeom>
+        </p:spPr>
+      </p:pic>
+      <p:pic>
+        <p:nvPicPr>
+          <p:cNvPr id="36" name="Picture 35">
+            <a:extLst>
+              <a:ext uri="{FF2B5EF4-FFF2-40B4-BE49-F238E27FC236}">
+                <a16:creationId xmlns:a16="http://schemas.microsoft.com/office/drawing/2014/main" id="{F1E952A1-279E-9345-E7F3-5050C9F8C722}"/>
+              </a:ext>
+            </a:extLst>
+          </p:cNvPr>
+          <p:cNvPicPr>
+            <a:picLocks noChangeAspect="1"/>
+          </p:cNvPicPr>
+          <p:nvPr/>
+        </p:nvPicPr>
+        <p:blipFill rotWithShape="1">
+          <a:blip r:embed="rId10">
+            <a:alphaModFix amt="5000"/>
+            <a:extLst>
+              <a:ext uri="{BEBA8EAE-BF5A-486C-A8C5-ECC9F3942E4B}">
+                <a14:imgProps xmlns:a14="http://schemas.microsoft.com/office/drawing/2010/main">
+                  <a14:imgLayer r:embed="rId7">
+                    <a14:imgEffect>
+                      <a14:sharpenSoften amount="50000"/>
+                    </a14:imgEffect>
+                    <a14:imgEffect>
+                      <a14:colorTemperature colorTemp="4700"/>
+                    </a14:imgEffect>
+                  </a14:imgLayer>
+                </a14:imgProps>
+              </a:ext>
+              <a:ext uri="{28A0092B-C50C-407E-A947-70E740481C1C}">
+                <a14:useLocalDpi xmlns:a14="http://schemas.microsoft.com/office/drawing/2010/main" val="0"/>
+              </a:ext>
+            </a:extLst>
+          </a:blip>
+          <a:srcRect l="42063" t="42857" r="40794" b="43129"/>
+          <a:stretch/>
+        </p:blipFill>
+        <p:spPr>
+          <a:xfrm rot="14162175">
+            <a:off x="3340553" y="5511852"/>
+            <a:ext cx="1175658" cy="961054"/>
+          </a:xfrm>
+          <a:prstGeom prst="rect">
+            <a:avLst/>
+          </a:prstGeom>
+        </p:spPr>
+      </p:pic>
+      <p:pic>
+        <p:nvPicPr>
+          <p:cNvPr id="37" name="Picture 36">
+            <a:extLst>
+              <a:ext uri="{FF2B5EF4-FFF2-40B4-BE49-F238E27FC236}">
+                <a16:creationId xmlns:a16="http://schemas.microsoft.com/office/drawing/2014/main" id="{36EA4CAB-0C4E-DA0A-524D-ABDE221CBE73}"/>
+              </a:ext>
+            </a:extLst>
+          </p:cNvPr>
+          <p:cNvPicPr>
+            <a:picLocks noChangeAspect="1"/>
+          </p:cNvPicPr>
+          <p:nvPr/>
+        </p:nvPicPr>
+        <p:blipFill rotWithShape="1">
+          <a:blip r:embed="rId11">
+            <a:alphaModFix amt="2000"/>
+            <a:extLst>
+              <a:ext uri="{BEBA8EAE-BF5A-486C-A8C5-ECC9F3942E4B}">
+                <a14:imgProps xmlns:a14="http://schemas.microsoft.com/office/drawing/2010/main">
+                  <a14:imgLayer r:embed="rId9">
+                    <a14:imgEffect>
+                      <a14:sharpenSoften amount="50000"/>
+                    </a14:imgEffect>
+                    <a14:imgEffect>
+                      <a14:colorTemperature colorTemp="4700"/>
+                    </a14:imgEffect>
+                  </a14:imgLayer>
+                </a14:imgProps>
+              </a:ext>
+              <a:ext uri="{28A0092B-C50C-407E-A947-70E740481C1C}">
+                <a14:useLocalDpi xmlns:a14="http://schemas.microsoft.com/office/drawing/2010/main" val="0"/>
+              </a:ext>
+            </a:extLst>
+          </a:blip>
+          <a:srcRect l="41247" t="41497" r="41338" b="40544"/>
+          <a:stretch/>
+        </p:blipFill>
+        <p:spPr>
+          <a:xfrm rot="1875708">
+            <a:off x="3424952" y="2454613"/>
+            <a:ext cx="1194319" cy="1231642"/>
+          </a:xfrm>
+          <a:prstGeom prst="rect">
+            <a:avLst/>
+          </a:prstGeom>
+        </p:spPr>
+      </p:pic>
+      <p:pic>
+        <p:nvPicPr>
+          <p:cNvPr id="38" name="Picture 37">
+            <a:extLst>
+              <a:ext uri="{FF2B5EF4-FFF2-40B4-BE49-F238E27FC236}">
+                <a16:creationId xmlns:a16="http://schemas.microsoft.com/office/drawing/2014/main" id="{2D57DE14-AC2C-9F4E-F482-FA250CE14DDB}"/>
+              </a:ext>
+            </a:extLst>
+          </p:cNvPr>
+          <p:cNvPicPr>
+            <a:picLocks noChangeAspect="1"/>
+          </p:cNvPicPr>
+          <p:nvPr/>
+        </p:nvPicPr>
+        <p:blipFill rotWithShape="1">
+          <a:blip r:embed="rId10">
+            <a:alphaModFix amt="5000"/>
+            <a:extLst>
+              <a:ext uri="{BEBA8EAE-BF5A-486C-A8C5-ECC9F3942E4B}">
+                <a14:imgProps xmlns:a14="http://schemas.microsoft.com/office/drawing/2010/main">
+                  <a14:imgLayer r:embed="rId7">
+                    <a14:imgEffect>
+                      <a14:sharpenSoften amount="50000"/>
+                    </a14:imgEffect>
+                    <a14:imgEffect>
+                      <a14:colorTemperature colorTemp="4700"/>
+                    </a14:imgEffect>
+                  </a14:imgLayer>
+                </a14:imgProps>
+              </a:ext>
+              <a:ext uri="{28A0092B-C50C-407E-A947-70E740481C1C}">
+                <a14:useLocalDpi xmlns:a14="http://schemas.microsoft.com/office/drawing/2010/main" val="0"/>
+              </a:ext>
+            </a:extLst>
+          </a:blip>
+          <a:srcRect l="42063" t="42857" r="40794" b="43129"/>
+          <a:stretch/>
+        </p:blipFill>
+        <p:spPr>
+          <a:xfrm rot="893319">
+            <a:off x="827141" y="4208682"/>
+            <a:ext cx="1175658" cy="961054"/>
+          </a:xfrm>
+          <a:prstGeom prst="rect">
+            <a:avLst/>
+          </a:prstGeom>
+        </p:spPr>
+      </p:pic>
+      <p:pic>
+        <p:nvPicPr>
+          <p:cNvPr id="42" name="Picture 41">
+            <a:extLst>
+              <a:ext uri="{FF2B5EF4-FFF2-40B4-BE49-F238E27FC236}">
+                <a16:creationId xmlns:a16="http://schemas.microsoft.com/office/drawing/2014/main" id="{B3E92BB8-FD93-7A60-8426-DE8DC16FDF44}"/>
+              </a:ext>
+            </a:extLst>
+          </p:cNvPr>
+          <p:cNvPicPr>
+            <a:picLocks noChangeAspect="1"/>
+          </p:cNvPicPr>
+          <p:nvPr/>
+        </p:nvPicPr>
+        <p:blipFill rotWithShape="1">
+          <a:blip r:embed="rId2">
+            <a:alphaModFix amt="2000"/>
+            <a:extLst>
+              <a:ext uri="{BEBA8EAE-BF5A-486C-A8C5-ECC9F3942E4B}">
+                <a14:imgProps xmlns:a14="http://schemas.microsoft.com/office/drawing/2010/main">
+                  <a14:imgLayer r:embed="rId3">
+                    <a14:imgEffect>
+                      <a14:sharpenSoften amount="50000"/>
+                    </a14:imgEffect>
+                    <a14:imgEffect>
+                      <a14:colorTemperature colorTemp="4700"/>
+                    </a14:imgEffect>
+                  </a14:imgLayer>
+                </a14:imgProps>
+              </a:ext>
+              <a:ext uri="{28A0092B-C50C-407E-A947-70E740481C1C}">
+                <a14:useLocalDpi xmlns:a14="http://schemas.microsoft.com/office/drawing/2010/main" val="0"/>
+              </a:ext>
+            </a:extLst>
+          </a:blip>
+          <a:srcRect l="41247" t="42993" r="41610" b="43401"/>
+          <a:stretch/>
+        </p:blipFill>
+        <p:spPr>
+          <a:xfrm rot="18719443">
+            <a:off x="5464965" y="2844174"/>
+            <a:ext cx="1175657" cy="933063"/>
+          </a:xfrm>
+          <a:prstGeom prst="rect">
+            <a:avLst/>
+          </a:prstGeom>
+        </p:spPr>
+      </p:pic>
+      <p:pic>
+        <p:nvPicPr>
+          <p:cNvPr id="49" name="Picture 48">
+            <a:extLst>
+              <a:ext uri="{FF2B5EF4-FFF2-40B4-BE49-F238E27FC236}">
+                <a16:creationId xmlns:a16="http://schemas.microsoft.com/office/drawing/2014/main" id="{F7A84ACA-A8D2-CDB5-4E77-EDCC9658C8E2}"/>
+              </a:ext>
+            </a:extLst>
+          </p:cNvPr>
+          <p:cNvPicPr>
+            <a:picLocks noChangeAspect="1"/>
+          </p:cNvPicPr>
+          <p:nvPr/>
+        </p:nvPicPr>
+        <p:blipFill rotWithShape="1">
+          <a:blip r:embed="rId6">
+            <a:alphaModFix amt="5000"/>
+            <a:extLst>
+              <a:ext uri="{BEBA8EAE-BF5A-486C-A8C5-ECC9F3942E4B}">
+                <a14:imgProps xmlns:a14="http://schemas.microsoft.com/office/drawing/2010/main">
+                  <a14:imgLayer r:embed="rId7">
+                    <a14:imgEffect>
+                      <a14:artisticBlur/>
+                    </a14:imgEffect>
+                    <a14:imgEffect>
+                      <a14:sharpenSoften amount="50000"/>
+                    </a14:imgEffect>
+                    <a14:imgEffect>
+                      <a14:colorTemperature colorTemp="4700"/>
+                    </a14:imgEffect>
+                  </a14:imgLayer>
+                </a14:imgProps>
+              </a:ext>
+              <a:ext uri="{28A0092B-C50C-407E-A947-70E740481C1C}">
+                <a14:useLocalDpi xmlns:a14="http://schemas.microsoft.com/office/drawing/2010/main" val="0"/>
+              </a:ext>
+            </a:extLst>
+          </a:blip>
+          <a:srcRect l="42063" t="42857" r="40794" b="43129"/>
+          <a:stretch/>
+        </p:blipFill>
+        <p:spPr>
+          <a:xfrm rot="16200000">
+            <a:off x="366407" y="652717"/>
+            <a:ext cx="1929636" cy="1577401"/>
+          </a:xfrm>
+          <a:prstGeom prst="rect">
+            <a:avLst/>
+          </a:prstGeom>
+        </p:spPr>
+      </p:pic>
+      <p:pic>
+        <p:nvPicPr>
+          <p:cNvPr id="50" name="Picture 49">
+            <a:extLst>
+              <a:ext uri="{FF2B5EF4-FFF2-40B4-BE49-F238E27FC236}">
+                <a16:creationId xmlns:a16="http://schemas.microsoft.com/office/drawing/2014/main" id="{1CE44023-EE23-95FE-AE56-4E3AE2088BCF}"/>
+              </a:ext>
+            </a:extLst>
+          </p:cNvPr>
+          <p:cNvPicPr>
+            <a:picLocks noChangeAspect="1"/>
+          </p:cNvPicPr>
+          <p:nvPr/>
+        </p:nvPicPr>
+        <p:blipFill rotWithShape="1">
+          <a:blip r:embed="rId8">
+            <a:alphaModFix amt="5000"/>
+            <a:extLst>
+              <a:ext uri="{BEBA8EAE-BF5A-486C-A8C5-ECC9F3942E4B}">
+                <a14:imgProps xmlns:a14="http://schemas.microsoft.com/office/drawing/2010/main">
+                  <a14:imgLayer r:embed="rId9">
+                    <a14:imgEffect>
+                      <a14:artisticBlur/>
+                    </a14:imgEffect>
+                    <a14:imgEffect>
+                      <a14:sharpenSoften amount="50000"/>
+                    </a14:imgEffect>
+                    <a14:imgEffect>
+                      <a14:colorTemperature colorTemp="4700"/>
+                    </a14:imgEffect>
+                  </a14:imgLayer>
+                </a14:imgProps>
+              </a:ext>
+              <a:ext uri="{28A0092B-C50C-407E-A947-70E740481C1C}">
+                <a14:useLocalDpi xmlns:a14="http://schemas.microsoft.com/office/drawing/2010/main" val="0"/>
+              </a:ext>
+            </a:extLst>
+          </a:blip>
+          <a:srcRect l="41247" t="41497" r="41338" b="40544"/>
+          <a:stretch/>
+        </p:blipFill>
+        <p:spPr>
+          <a:xfrm rot="4473152">
+            <a:off x="7003187" y="3443905"/>
+            <a:ext cx="1194319" cy="1231642"/>
+          </a:xfrm>
+          <a:prstGeom prst="rect">
+            <a:avLst/>
+          </a:prstGeom>
+        </p:spPr>
+      </p:pic>
+      <p:pic>
+        <p:nvPicPr>
+          <p:cNvPr id="53" name="Picture 52">
+            <a:extLst>
+              <a:ext uri="{FF2B5EF4-FFF2-40B4-BE49-F238E27FC236}">
+                <a16:creationId xmlns:a16="http://schemas.microsoft.com/office/drawing/2014/main" id="{EB3A59A0-38FC-4D2F-E7EF-54573A9335CC}"/>
+              </a:ext>
+            </a:extLst>
+          </p:cNvPr>
+          <p:cNvPicPr>
+            <a:picLocks noChangeAspect="1"/>
+          </p:cNvPicPr>
+          <p:nvPr/>
+        </p:nvPicPr>
+        <p:blipFill rotWithShape="1">
+          <a:blip r:embed="rId11">
+            <a:alphaModFix amt="5000"/>
+            <a:extLst>
+              <a:ext uri="{BEBA8EAE-BF5A-486C-A8C5-ECC9F3942E4B}">
+                <a14:imgProps xmlns:a14="http://schemas.microsoft.com/office/drawing/2010/main">
+                  <a14:imgLayer r:embed="rId9">
+                    <a14:imgEffect>
+                      <a14:sharpenSoften amount="50000"/>
+                    </a14:imgEffect>
+                    <a14:imgEffect>
+                      <a14:colorTemperature colorTemp="4700"/>
+                    </a14:imgEffect>
+                  </a14:imgLayer>
+                </a14:imgProps>
+              </a:ext>
+              <a:ext uri="{28A0092B-C50C-407E-A947-70E740481C1C}">
+                <a14:useLocalDpi xmlns:a14="http://schemas.microsoft.com/office/drawing/2010/main" val="0"/>
+              </a:ext>
+            </a:extLst>
+          </a:blip>
+          <a:srcRect l="41247" t="41497" r="41338" b="40544"/>
+          <a:stretch/>
+        </p:blipFill>
+        <p:spPr>
+          <a:xfrm rot="5920087">
+            <a:off x="2959916" y="16223"/>
+            <a:ext cx="1194319" cy="1231642"/>
+          </a:xfrm>
+          <a:prstGeom prst="rect">
+            <a:avLst/>
+          </a:prstGeom>
+        </p:spPr>
+      </p:pic>
+      <p:grpSp>
+        <p:nvGrpSpPr>
+          <p:cNvPr id="9" name="Group 8">
+            <a:extLst>
+              <a:ext uri="{FF2B5EF4-FFF2-40B4-BE49-F238E27FC236}">
+                <a16:creationId xmlns:a16="http://schemas.microsoft.com/office/drawing/2014/main" id="{FA99840C-9348-96EF-0627-9B49432DE555}"/>
+              </a:ext>
+            </a:extLst>
+          </p:cNvPr>
+          <p:cNvGrpSpPr/>
+          <p:nvPr/>
+        </p:nvGrpSpPr>
+        <p:grpSpPr>
+          <a:xfrm>
+            <a:off x="571282" y="-6817369"/>
+            <a:ext cx="11516986" cy="6178465"/>
+            <a:chOff x="571282" y="-1861344"/>
+            <a:chExt cx="11516986" cy="6178465"/>
+          </a:xfrm>
+        </p:grpSpPr>
+        <p:pic>
+          <p:nvPicPr>
+            <p:cNvPr id="5" name="Picture 4">
+              <a:extLst>
+                <a:ext uri="{FF2B5EF4-FFF2-40B4-BE49-F238E27FC236}">
+                  <a16:creationId xmlns:a16="http://schemas.microsoft.com/office/drawing/2014/main" id="{80CDFC42-AAB6-D846-410A-E3D7A212990B}"/>
+                </a:ext>
+              </a:extLst>
+            </p:cNvPr>
+            <p:cNvPicPr>
+              <a:picLocks noChangeAspect="1"/>
+            </p:cNvPicPr>
+            <p:nvPr/>
+          </p:nvPicPr>
+          <p:blipFill rotWithShape="1">
+            <a:blip r:embed="rId2">
+              <a:extLst>
+                <a:ext uri="{BEBA8EAE-BF5A-486C-A8C5-ECC9F3942E4B}">
+                  <a14:imgProps xmlns:a14="http://schemas.microsoft.com/office/drawing/2010/main">
+                    <a14:imgLayer r:embed="rId3">
+                      <a14:imgEffect>
+                        <a14:sharpenSoften amount="50000"/>
+                      </a14:imgEffect>
+                      <a14:imgEffect>
+                        <a14:colorTemperature colorTemp="4700"/>
+                      </a14:imgEffect>
+                    </a14:imgLayer>
+                  </a14:imgProps>
+                </a:ext>
+                <a:ext uri="{28A0092B-C50C-407E-A947-70E740481C1C}">
+                  <a14:useLocalDpi xmlns:a14="http://schemas.microsoft.com/office/drawing/2010/main" val="0"/>
+                </a:ext>
+              </a:extLst>
+            </a:blip>
+            <a:srcRect l="41247" t="42993" r="41610" b="43401"/>
+            <a:stretch/>
+          </p:blipFill>
+          <p:spPr>
+            <a:xfrm>
+              <a:off x="3074899" y="-1861344"/>
+              <a:ext cx="1175657" cy="933063"/>
+            </a:xfrm>
+            <a:prstGeom prst="rect">
+              <a:avLst/>
+            </a:prstGeom>
+          </p:spPr>
+        </p:pic>
+        <p:pic>
+          <p:nvPicPr>
+            <p:cNvPr id="7" name="Picture 6">
+              <a:extLst>
+                <a:ext uri="{FF2B5EF4-FFF2-40B4-BE49-F238E27FC236}">
+                  <a16:creationId xmlns:a16="http://schemas.microsoft.com/office/drawing/2014/main" id="{CA48C205-FFD9-C2CB-B4FF-6A7FD796963A}"/>
+                </a:ext>
+              </a:extLst>
+            </p:cNvPr>
+            <p:cNvPicPr>
+              <a:picLocks noChangeAspect="1"/>
+            </p:cNvPicPr>
+            <p:nvPr/>
+          </p:nvPicPr>
+          <p:blipFill rotWithShape="1">
+            <a:blip r:embed="rId4">
+              <a:extLst>
+                <a:ext uri="{BEBA8EAE-BF5A-486C-A8C5-ECC9F3942E4B}">
+                  <a14:imgProps xmlns:a14="http://schemas.microsoft.com/office/drawing/2010/main">
+                    <a14:imgLayer r:embed="rId5">
+                      <a14:imgEffect>
+                        <a14:sharpenSoften amount="50000"/>
+                      </a14:imgEffect>
+                      <a14:imgEffect>
+                        <a14:colorTemperature colorTemp="4700"/>
+                      </a14:imgEffect>
+                    </a14:imgLayer>
+                  </a14:imgProps>
+                </a:ext>
+                <a:ext uri="{28A0092B-C50C-407E-A947-70E740481C1C}">
+                  <a14:useLocalDpi xmlns:a14="http://schemas.microsoft.com/office/drawing/2010/main" val="0"/>
+                </a:ext>
+              </a:extLst>
+            </a:blip>
+            <a:srcRect l="41383" t="43129" r="41474" b="42858"/>
+            <a:stretch/>
+          </p:blipFill>
+          <p:spPr>
+            <a:xfrm>
+              <a:off x="1110237" y="220198"/>
+              <a:ext cx="1175658" cy="961053"/>
+            </a:xfrm>
+            <a:prstGeom prst="rect">
+              <a:avLst/>
+            </a:prstGeom>
+          </p:spPr>
+        </p:pic>
+        <p:pic>
+          <p:nvPicPr>
+            <p:cNvPr id="11" name="Picture 10">
+              <a:extLst>
+                <a:ext uri="{FF2B5EF4-FFF2-40B4-BE49-F238E27FC236}">
+                  <a16:creationId xmlns:a16="http://schemas.microsoft.com/office/drawing/2014/main" id="{03660ABE-FE91-5769-2731-E6721BD9B65B}"/>
+                </a:ext>
+              </a:extLst>
+            </p:cNvPr>
+            <p:cNvPicPr>
+              <a:picLocks noChangeAspect="1"/>
+            </p:cNvPicPr>
+            <p:nvPr/>
+          </p:nvPicPr>
+          <p:blipFill rotWithShape="1">
+            <a:blip r:embed="rId11">
+              <a:extLst>
+                <a:ext uri="{BEBA8EAE-BF5A-486C-A8C5-ECC9F3942E4B}">
+                  <a14:imgProps xmlns:a14="http://schemas.microsoft.com/office/drawing/2010/main">
+                    <a14:imgLayer r:embed="rId9">
+                      <a14:imgEffect>
+                        <a14:sharpenSoften amount="50000"/>
+                      </a14:imgEffect>
+                      <a14:imgEffect>
+                        <a14:colorTemperature colorTemp="4700"/>
+                      </a14:imgEffect>
+                    </a14:imgLayer>
+                  </a14:imgProps>
+                </a:ext>
+                <a:ext uri="{28A0092B-C50C-407E-A947-70E740481C1C}">
+                  <a14:useLocalDpi xmlns:a14="http://schemas.microsoft.com/office/drawing/2010/main" val="0"/>
+                </a:ext>
+              </a:extLst>
+            </a:blip>
+            <a:srcRect l="41247" t="41497" r="41338" b="40544"/>
+            <a:stretch/>
+          </p:blipFill>
+          <p:spPr>
+            <a:xfrm>
+              <a:off x="571282" y="2193110"/>
+              <a:ext cx="1194319" cy="1231642"/>
+            </a:xfrm>
+            <a:prstGeom prst="rect">
+              <a:avLst/>
+            </a:prstGeom>
+          </p:spPr>
+        </p:pic>
+        <p:pic>
+          <p:nvPicPr>
+            <p:cNvPr id="14" name="Picture 13">
+              <a:extLst>
+                <a:ext uri="{FF2B5EF4-FFF2-40B4-BE49-F238E27FC236}">
+                  <a16:creationId xmlns:a16="http://schemas.microsoft.com/office/drawing/2014/main" id="{BA161417-E4C1-6778-A3C6-BA9A6EF0C427}"/>
+                </a:ext>
+              </a:extLst>
+            </p:cNvPr>
+            <p:cNvPicPr>
+              <a:picLocks noChangeAspect="1"/>
+            </p:cNvPicPr>
+            <p:nvPr/>
+          </p:nvPicPr>
+          <p:blipFill rotWithShape="1">
+            <a:blip r:embed="rId10">
+              <a:extLst>
+                <a:ext uri="{BEBA8EAE-BF5A-486C-A8C5-ECC9F3942E4B}">
+                  <a14:imgProps xmlns:a14="http://schemas.microsoft.com/office/drawing/2010/main">
+                    <a14:imgLayer r:embed="rId7">
+                      <a14:imgEffect>
+                        <a14:sharpenSoften amount="50000"/>
+                      </a14:imgEffect>
+                      <a14:imgEffect>
+                        <a14:colorTemperature colorTemp="4700"/>
+                      </a14:imgEffect>
+                    </a14:imgLayer>
+                  </a14:imgProps>
+                </a:ext>
+                <a:ext uri="{28A0092B-C50C-407E-A947-70E740481C1C}">
+                  <a14:useLocalDpi xmlns:a14="http://schemas.microsoft.com/office/drawing/2010/main" val="0"/>
+                </a:ext>
+              </a:extLst>
+            </a:blip>
+            <a:srcRect l="42063" t="42857" r="40794" b="43129"/>
+            <a:stretch/>
+          </p:blipFill>
+          <p:spPr>
+            <a:xfrm rot="893319">
+              <a:off x="10912610" y="1068417"/>
+              <a:ext cx="1175658" cy="961054"/>
+            </a:xfrm>
+            <a:prstGeom prst="rect">
+              <a:avLst/>
+            </a:prstGeom>
+          </p:spPr>
+        </p:pic>
+        <p:pic>
+          <p:nvPicPr>
+            <p:cNvPr id="15" name="Picture 14">
+              <a:extLst>
+                <a:ext uri="{FF2B5EF4-FFF2-40B4-BE49-F238E27FC236}">
+                  <a16:creationId xmlns:a16="http://schemas.microsoft.com/office/drawing/2014/main" id="{4321FAFF-A996-0B38-74C9-DE4B031BDCE4}"/>
+                </a:ext>
+              </a:extLst>
+            </p:cNvPr>
+            <p:cNvPicPr>
+              <a:picLocks noChangeAspect="1"/>
+            </p:cNvPicPr>
+            <p:nvPr/>
+          </p:nvPicPr>
+          <p:blipFill rotWithShape="1">
+            <a:blip r:embed="rId8">
+              <a:alphaModFix amt="20000"/>
+              <a:extLst>
+                <a:ext uri="{BEBA8EAE-BF5A-486C-A8C5-ECC9F3942E4B}">
+                  <a14:imgProps xmlns:a14="http://schemas.microsoft.com/office/drawing/2010/main">
+                    <a14:imgLayer r:embed="rId9">
+                      <a14:imgEffect>
+                        <a14:artisticBlur/>
+                      </a14:imgEffect>
+                      <a14:imgEffect>
+                        <a14:sharpenSoften amount="50000"/>
+                      </a14:imgEffect>
+                      <a14:imgEffect>
+                        <a14:colorTemperature colorTemp="4700"/>
+                      </a14:imgEffect>
+                    </a14:imgLayer>
+                  </a14:imgProps>
+                </a:ext>
+                <a:ext uri="{28A0092B-C50C-407E-A947-70E740481C1C}">
+                  <a14:useLocalDpi xmlns:a14="http://schemas.microsoft.com/office/drawing/2010/main" val="0"/>
+                </a:ext>
+              </a:extLst>
+            </a:blip>
+            <a:srcRect l="41247" t="41497" r="41338" b="40544"/>
+            <a:stretch/>
+          </p:blipFill>
+          <p:spPr>
+            <a:xfrm rot="8331144">
+              <a:off x="9190399" y="2557583"/>
+              <a:ext cx="1706218" cy="1759538"/>
+            </a:xfrm>
+            <a:prstGeom prst="rect">
+              <a:avLst/>
+            </a:prstGeom>
+          </p:spPr>
+        </p:pic>
+        <p:pic>
+          <p:nvPicPr>
+            <p:cNvPr id="17" name="Picture 16">
+              <a:extLst>
+                <a:ext uri="{FF2B5EF4-FFF2-40B4-BE49-F238E27FC236}">
+                  <a16:creationId xmlns:a16="http://schemas.microsoft.com/office/drawing/2014/main" id="{3A484ABE-0715-AB09-B720-9E9685A8F3AF}"/>
+                </a:ext>
+              </a:extLst>
+            </p:cNvPr>
+            <p:cNvPicPr>
+              <a:picLocks noChangeAspect="1"/>
+            </p:cNvPicPr>
+            <p:nvPr/>
+          </p:nvPicPr>
+          <p:blipFill rotWithShape="1">
+            <a:blip r:embed="rId2">
+              <a:extLst>
+                <a:ext uri="{BEBA8EAE-BF5A-486C-A8C5-ECC9F3942E4B}">
+                  <a14:imgProps xmlns:a14="http://schemas.microsoft.com/office/drawing/2010/main">
+                    <a14:imgLayer r:embed="rId3">
+                      <a14:imgEffect>
+                        <a14:sharpenSoften amount="50000"/>
+                      </a14:imgEffect>
+                      <a14:imgEffect>
+                        <a14:colorTemperature colorTemp="4700"/>
+                      </a14:imgEffect>
+                    </a14:imgLayer>
+                  </a14:imgProps>
+                </a:ext>
+                <a:ext uri="{28A0092B-C50C-407E-A947-70E740481C1C}">
+                  <a14:useLocalDpi xmlns:a14="http://schemas.microsoft.com/office/drawing/2010/main" val="0"/>
+                </a:ext>
+              </a:extLst>
+            </a:blip>
+            <a:srcRect l="41247" t="42993" r="41610" b="43401"/>
+            <a:stretch/>
+          </p:blipFill>
+          <p:spPr>
+            <a:xfrm>
+              <a:off x="9045524" y="536077"/>
+              <a:ext cx="1175657" cy="933063"/>
+            </a:xfrm>
+            <a:prstGeom prst="rect">
+              <a:avLst/>
+            </a:prstGeom>
+          </p:spPr>
+        </p:pic>
+        <p:pic>
+          <p:nvPicPr>
+            <p:cNvPr id="23" name="Picture 22">
+              <a:extLst>
+                <a:ext uri="{FF2B5EF4-FFF2-40B4-BE49-F238E27FC236}">
+                  <a16:creationId xmlns:a16="http://schemas.microsoft.com/office/drawing/2014/main" id="{81330F5A-C07D-97BD-D403-4945B9DCE908}"/>
+                </a:ext>
+              </a:extLst>
+            </p:cNvPr>
+            <p:cNvPicPr>
+              <a:picLocks noChangeAspect="1"/>
+            </p:cNvPicPr>
+            <p:nvPr/>
+          </p:nvPicPr>
+          <p:blipFill rotWithShape="1">
+            <a:blip r:embed="rId12">
+              <a:alphaModFix amt="20000"/>
+              <a:extLst>
+                <a:ext uri="{BEBA8EAE-BF5A-486C-A8C5-ECC9F3942E4B}">
+                  <a14:imgProps xmlns:a14="http://schemas.microsoft.com/office/drawing/2010/main">
+                    <a14:imgLayer r:embed="rId5">
+                      <a14:imgEffect>
+                        <a14:artisticBlur/>
+                      </a14:imgEffect>
+                      <a14:imgEffect>
+                        <a14:sharpenSoften amount="50000"/>
+                      </a14:imgEffect>
+                      <a14:imgEffect>
+                        <a14:colorTemperature colorTemp="4700"/>
+                      </a14:imgEffect>
+                    </a14:imgLayer>
+                  </a14:imgProps>
+                </a:ext>
+                <a:ext uri="{28A0092B-C50C-407E-A947-70E740481C1C}">
+                  <a14:useLocalDpi xmlns:a14="http://schemas.microsoft.com/office/drawing/2010/main" val="0"/>
+                </a:ext>
+              </a:extLst>
+            </a:blip>
+            <a:srcRect l="41383" t="43129" r="41474" b="42858"/>
+            <a:stretch/>
+          </p:blipFill>
+          <p:spPr>
+            <a:xfrm rot="8331144">
+              <a:off x="7675121" y="3021653"/>
+              <a:ext cx="1175658" cy="961053"/>
+            </a:xfrm>
+            <a:prstGeom prst="rect">
+              <a:avLst/>
+            </a:prstGeom>
+          </p:spPr>
+        </p:pic>
+        <p:pic>
+          <p:nvPicPr>
+            <p:cNvPr id="25" name="Picture 24">
+              <a:extLst>
+                <a:ext uri="{FF2B5EF4-FFF2-40B4-BE49-F238E27FC236}">
+                  <a16:creationId xmlns:a16="http://schemas.microsoft.com/office/drawing/2014/main" id="{9DE03000-80D4-F353-076E-88A0E7FA3794}"/>
+                </a:ext>
+              </a:extLst>
+            </p:cNvPr>
+            <p:cNvPicPr>
+              <a:picLocks noChangeAspect="1"/>
+            </p:cNvPicPr>
+            <p:nvPr/>
+          </p:nvPicPr>
+          <p:blipFill rotWithShape="1">
+            <a:blip r:embed="rId13">
+              <a:extLst>
+                <a:ext uri="{BEBA8EAE-BF5A-486C-A8C5-ECC9F3942E4B}">
+                  <a14:imgProps xmlns:a14="http://schemas.microsoft.com/office/drawing/2010/main">
+                    <a14:imgLayer r:embed="rId3">
+                      <a14:imgEffect>
+                        <a14:artisticBlur/>
+                      </a14:imgEffect>
+                      <a14:imgEffect>
+                        <a14:sharpenSoften amount="50000"/>
+                      </a14:imgEffect>
+                      <a14:imgEffect>
+                        <a14:colorTemperature colorTemp="4700"/>
+                      </a14:imgEffect>
+                    </a14:imgLayer>
+                  </a14:imgProps>
+                </a:ext>
+                <a:ext uri="{28A0092B-C50C-407E-A947-70E740481C1C}">
+                  <a14:useLocalDpi xmlns:a14="http://schemas.microsoft.com/office/drawing/2010/main" val="0"/>
+                </a:ext>
+              </a:extLst>
+            </a:blip>
+            <a:srcRect l="41247" t="42993" r="41610" b="43401"/>
+            <a:stretch/>
+          </p:blipFill>
+          <p:spPr>
+            <a:xfrm>
+              <a:off x="6096000" y="490308"/>
+              <a:ext cx="1834384" cy="1455863"/>
+            </a:xfrm>
+            <a:prstGeom prst="rect">
+              <a:avLst/>
+            </a:prstGeom>
+          </p:spPr>
+        </p:pic>
+        <p:pic>
+          <p:nvPicPr>
+            <p:cNvPr id="47" name="Picture 46">
+              <a:extLst>
+                <a:ext uri="{FF2B5EF4-FFF2-40B4-BE49-F238E27FC236}">
+                  <a16:creationId xmlns:a16="http://schemas.microsoft.com/office/drawing/2014/main" id="{28346840-64E8-EC99-B9FD-C97B3FF252A1}"/>
+                </a:ext>
+              </a:extLst>
+            </p:cNvPr>
+            <p:cNvPicPr>
+              <a:picLocks noChangeAspect="1"/>
+            </p:cNvPicPr>
+            <p:nvPr/>
+          </p:nvPicPr>
+          <p:blipFill rotWithShape="1">
+            <a:blip r:embed="rId6">
+              <a:extLst>
+                <a:ext uri="{BEBA8EAE-BF5A-486C-A8C5-ECC9F3942E4B}">
+                  <a14:imgProps xmlns:a14="http://schemas.microsoft.com/office/drawing/2010/main">
+                    <a14:imgLayer r:embed="rId7">
+                      <a14:imgEffect>
+                        <a14:artisticBlur/>
+                      </a14:imgEffect>
+                      <a14:imgEffect>
+                        <a14:sharpenSoften amount="50000"/>
+                      </a14:imgEffect>
+                      <a14:imgEffect>
+                        <a14:colorTemperature colorTemp="4700"/>
+                      </a14:imgEffect>
+                    </a14:imgLayer>
+                  </a14:imgProps>
+                </a:ext>
+                <a:ext uri="{28A0092B-C50C-407E-A947-70E740481C1C}">
+                  <a14:useLocalDpi xmlns:a14="http://schemas.microsoft.com/office/drawing/2010/main" val="0"/>
+                </a:ext>
+              </a:extLst>
+            </a:blip>
+            <a:srcRect l="42063" t="42857" r="40794" b="43129"/>
+            <a:stretch/>
+          </p:blipFill>
+          <p:spPr>
+            <a:xfrm rot="11864873">
+              <a:off x="2816974" y="1205174"/>
+              <a:ext cx="1711000" cy="1398675"/>
+            </a:xfrm>
+            <a:prstGeom prst="rect">
+              <a:avLst/>
+            </a:prstGeom>
+          </p:spPr>
+        </p:pic>
+        <p:pic>
+          <p:nvPicPr>
+            <p:cNvPr id="52" name="Picture 51">
+              <a:extLst>
+                <a:ext uri="{FF2B5EF4-FFF2-40B4-BE49-F238E27FC236}">
+                  <a16:creationId xmlns:a16="http://schemas.microsoft.com/office/drawing/2014/main" id="{18A2889D-43E4-4A5C-CC78-D8D62B609E30}"/>
+                </a:ext>
+              </a:extLst>
+            </p:cNvPr>
+            <p:cNvPicPr>
+              <a:picLocks noChangeAspect="1"/>
+            </p:cNvPicPr>
+            <p:nvPr/>
+          </p:nvPicPr>
+          <p:blipFill rotWithShape="1">
+            <a:blip r:embed="rId4">
+              <a:extLst>
+                <a:ext uri="{BEBA8EAE-BF5A-486C-A8C5-ECC9F3942E4B}">
+                  <a14:imgProps xmlns:a14="http://schemas.microsoft.com/office/drawing/2010/main">
+                    <a14:imgLayer r:embed="rId5">
+                      <a14:imgEffect>
+                        <a14:sharpenSoften amount="50000"/>
+                      </a14:imgEffect>
+                      <a14:imgEffect>
+                        <a14:colorTemperature colorTemp="4700"/>
+                      </a14:imgEffect>
+                    </a14:imgLayer>
+                  </a14:imgProps>
+                </a:ext>
+                <a:ext uri="{28A0092B-C50C-407E-A947-70E740481C1C}">
+                  <a14:useLocalDpi xmlns:a14="http://schemas.microsoft.com/office/drawing/2010/main" val="0"/>
+                </a:ext>
+              </a:extLst>
+            </a:blip>
+            <a:srcRect l="41383" t="43129" r="41474" b="42858"/>
+            <a:stretch/>
+          </p:blipFill>
+          <p:spPr>
+            <a:xfrm rot="8331144">
+              <a:off x="10005211" y="2352518"/>
+              <a:ext cx="1175658" cy="961053"/>
+            </a:xfrm>
+            <a:prstGeom prst="rect">
+              <a:avLst/>
+            </a:prstGeom>
+          </p:spPr>
+        </p:pic>
+        <p:pic>
+          <p:nvPicPr>
+            <p:cNvPr id="54" name="Picture 53">
+              <a:extLst>
+                <a:ext uri="{FF2B5EF4-FFF2-40B4-BE49-F238E27FC236}">
+                  <a16:creationId xmlns:a16="http://schemas.microsoft.com/office/drawing/2014/main" id="{8C11EDFE-573B-A765-D201-C2E4FA8E1FFC}"/>
+                </a:ext>
+              </a:extLst>
+            </p:cNvPr>
+            <p:cNvPicPr>
+              <a:picLocks noChangeAspect="1"/>
+            </p:cNvPicPr>
+            <p:nvPr/>
+          </p:nvPicPr>
+          <p:blipFill rotWithShape="1">
+            <a:blip r:embed="rId10">
+              <a:extLst>
+                <a:ext uri="{BEBA8EAE-BF5A-486C-A8C5-ECC9F3942E4B}">
+                  <a14:imgProps xmlns:a14="http://schemas.microsoft.com/office/drawing/2010/main">
+                    <a14:imgLayer r:embed="rId7">
+                      <a14:imgEffect>
+                        <a14:sharpenSoften amount="50000"/>
+                      </a14:imgEffect>
+                      <a14:imgEffect>
+                        <a14:colorTemperature colorTemp="4700"/>
+                      </a14:imgEffect>
+                    </a14:imgLayer>
+                  </a14:imgProps>
+                </a:ext>
+                <a:ext uri="{28A0092B-C50C-407E-A947-70E740481C1C}">
+                  <a14:useLocalDpi xmlns:a14="http://schemas.microsoft.com/office/drawing/2010/main" val="0"/>
+                </a:ext>
+              </a:extLst>
+            </a:blip>
+            <a:srcRect l="42063" t="42857" r="40794" b="43129"/>
+            <a:stretch/>
+          </p:blipFill>
+          <p:spPr>
+            <a:xfrm rot="4934824">
+              <a:off x="5508170" y="1317794"/>
+              <a:ext cx="1175658" cy="961054"/>
+            </a:xfrm>
+            <a:prstGeom prst="rect">
+              <a:avLst/>
+            </a:prstGeom>
+          </p:spPr>
+        </p:pic>
+      </p:grpSp>
+      <p:pic>
+        <p:nvPicPr>
+          <p:cNvPr id="3" name="Picture 2">
+            <a:extLst>
+              <a:ext uri="{FF2B5EF4-FFF2-40B4-BE49-F238E27FC236}">
+                <a16:creationId xmlns:a16="http://schemas.microsoft.com/office/drawing/2014/main" id="{83786356-1657-7FD3-424B-E98144CAD736}"/>
+              </a:ext>
+            </a:extLst>
+          </p:cNvPr>
+          <p:cNvPicPr>
+            <a:picLocks noChangeAspect="1"/>
+          </p:cNvPicPr>
+          <p:nvPr/>
+        </p:nvPicPr>
+        <p:blipFill rotWithShape="1">
+          <a:blip r:embed="rId2">
+            <a:alphaModFix amt="5000"/>
+            <a:extLst>
+              <a:ext uri="{BEBA8EAE-BF5A-486C-A8C5-ECC9F3942E4B}">
+                <a14:imgProps xmlns:a14="http://schemas.microsoft.com/office/drawing/2010/main">
+                  <a14:imgLayer r:embed="rId3">
+                    <a14:imgEffect>
+                      <a14:sharpenSoften amount="50000"/>
+                    </a14:imgEffect>
+                    <a14:imgEffect>
+                      <a14:colorTemperature colorTemp="4700"/>
+                    </a14:imgEffect>
+                  </a14:imgLayer>
+                </a14:imgProps>
+              </a:ext>
+              <a:ext uri="{28A0092B-C50C-407E-A947-70E740481C1C}">
+                <a14:useLocalDpi xmlns:a14="http://schemas.microsoft.com/office/drawing/2010/main" val="0"/>
+              </a:ext>
+            </a:extLst>
+          </a:blip>
+          <a:srcRect l="41247" t="42993" r="41610" b="43401"/>
+          <a:stretch/>
+        </p:blipFill>
+        <p:spPr>
+          <a:xfrm rot="18609026">
+            <a:off x="6909688" y="742454"/>
+            <a:ext cx="1175657" cy="933063"/>
+          </a:xfrm>
+          <a:prstGeom prst="rect">
+            <a:avLst/>
+          </a:prstGeom>
+        </p:spPr>
+      </p:pic>
+      <p:pic>
+        <p:nvPicPr>
+          <p:cNvPr id="16" name="Picture 15">
+            <a:extLst>
+              <a:ext uri="{FF2B5EF4-FFF2-40B4-BE49-F238E27FC236}">
+                <a16:creationId xmlns:a16="http://schemas.microsoft.com/office/drawing/2014/main" id="{D3A366BF-7C43-C670-F9F8-ACB4F7485256}"/>
+              </a:ext>
+            </a:extLst>
+          </p:cNvPr>
+          <p:cNvPicPr>
+            <a:picLocks noChangeAspect="1"/>
+          </p:cNvPicPr>
+          <p:nvPr/>
+        </p:nvPicPr>
+        <p:blipFill rotWithShape="1">
+          <a:blip r:embed="rId8">
+            <a:alphaModFix amt="20000"/>
+            <a:extLst>
+              <a:ext uri="{BEBA8EAE-BF5A-486C-A8C5-ECC9F3942E4B}">
+                <a14:imgProps xmlns:a14="http://schemas.microsoft.com/office/drawing/2010/main">
+                  <a14:imgLayer r:embed="rId9">
+                    <a14:imgEffect>
+                      <a14:artisticBlur/>
+                    </a14:imgEffect>
+                    <a14:imgEffect>
+                      <a14:sharpenSoften amount="50000"/>
+                    </a14:imgEffect>
+                    <a14:imgEffect>
+                      <a14:colorTemperature colorTemp="4700"/>
+                    </a14:imgEffect>
+                  </a14:imgLayer>
+                </a14:imgProps>
+              </a:ext>
+              <a:ext uri="{28A0092B-C50C-407E-A947-70E740481C1C}">
+                <a14:useLocalDpi xmlns:a14="http://schemas.microsoft.com/office/drawing/2010/main" val="0"/>
+              </a:ext>
+            </a:extLst>
+          </a:blip>
+          <a:srcRect l="41247" t="41497" r="41338" b="40544"/>
+          <a:stretch/>
+        </p:blipFill>
+        <p:spPr>
+          <a:xfrm rot="2045323">
+            <a:off x="10208284" y="5100920"/>
+            <a:ext cx="2113038" cy="2179071"/>
+          </a:xfrm>
+          <a:prstGeom prst="rect">
+            <a:avLst/>
+          </a:prstGeom>
+        </p:spPr>
+      </p:pic>
+      <p:pic>
+        <p:nvPicPr>
+          <p:cNvPr id="21" name="Picture 20">
+            <a:extLst>
+              <a:ext uri="{FF2B5EF4-FFF2-40B4-BE49-F238E27FC236}">
+                <a16:creationId xmlns:a16="http://schemas.microsoft.com/office/drawing/2014/main" id="{FE91E27D-27C0-F7FE-6A56-4D6476DD75AE}"/>
+              </a:ext>
+            </a:extLst>
+          </p:cNvPr>
+          <p:cNvPicPr>
+            <a:picLocks noChangeAspect="1"/>
+          </p:cNvPicPr>
+          <p:nvPr/>
+        </p:nvPicPr>
+        <p:blipFill rotWithShape="1">
+          <a:blip r:embed="rId6">
+            <a:alphaModFix amt="20000"/>
+            <a:extLst>
+              <a:ext uri="{BEBA8EAE-BF5A-486C-A8C5-ECC9F3942E4B}">
+                <a14:imgProps xmlns:a14="http://schemas.microsoft.com/office/drawing/2010/main">
+                  <a14:imgLayer r:embed="rId7">
+                    <a14:imgEffect>
+                      <a14:artisticBlur/>
+                    </a14:imgEffect>
+                    <a14:imgEffect>
+                      <a14:sharpenSoften amount="50000"/>
+                    </a14:imgEffect>
+                    <a14:imgEffect>
+                      <a14:colorTemperature colorTemp="4700"/>
+                    </a14:imgEffect>
+                  </a14:imgLayer>
+                </a14:imgProps>
+              </a:ext>
+              <a:ext uri="{28A0092B-C50C-407E-A947-70E740481C1C}">
+                <a14:useLocalDpi xmlns:a14="http://schemas.microsoft.com/office/drawing/2010/main" val="0"/>
+              </a:ext>
+            </a:extLst>
+          </a:blip>
+          <a:srcRect l="42063" t="42857" r="40794" b="43129"/>
+          <a:stretch/>
+        </p:blipFill>
+        <p:spPr>
+          <a:xfrm rot="6789852">
+            <a:off x="9844629" y="-864034"/>
+            <a:ext cx="2967673" cy="2425955"/>
+          </a:xfrm>
+          <a:prstGeom prst="rect">
+            <a:avLst/>
+          </a:prstGeom>
+        </p:spPr>
+      </p:pic>
+      <p:grpSp>
+        <p:nvGrpSpPr>
+          <p:cNvPr id="45" name="Group 44">
+            <a:extLst>
+              <a:ext uri="{FF2B5EF4-FFF2-40B4-BE49-F238E27FC236}">
+                <a16:creationId xmlns:a16="http://schemas.microsoft.com/office/drawing/2014/main" id="{CBE91BDC-36E4-6E8B-E9F3-A49008E93CD5}"/>
+              </a:ext>
+            </a:extLst>
+          </p:cNvPr>
+          <p:cNvGrpSpPr/>
+          <p:nvPr/>
+        </p:nvGrpSpPr>
+        <p:grpSpPr>
+          <a:xfrm>
+            <a:off x="3862156" y="2369725"/>
+            <a:ext cx="4242692" cy="505578"/>
+            <a:chOff x="3862156" y="2369725"/>
+            <a:chExt cx="4242692" cy="505578"/>
+          </a:xfrm>
+        </p:grpSpPr>
+        <p:sp>
+          <p:nvSpPr>
+            <p:cNvPr id="18" name="Oval 17">
+              <a:extLst>
+                <a:ext uri="{FF2B5EF4-FFF2-40B4-BE49-F238E27FC236}">
+                  <a16:creationId xmlns:a16="http://schemas.microsoft.com/office/drawing/2014/main" id="{B91EEC2F-0ECD-AF7C-AA28-3CB1312C87AA}"/>
+                </a:ext>
+              </a:extLst>
+            </p:cNvPr>
+            <p:cNvSpPr/>
+            <p:nvPr/>
+          </p:nvSpPr>
+          <p:spPr>
+            <a:xfrm>
+              <a:off x="3862156" y="2369725"/>
+              <a:ext cx="505578" cy="505578"/>
+            </a:xfrm>
+            <a:prstGeom prst="ellipse">
+              <a:avLst/>
+            </a:prstGeom>
+            <a:solidFill>
+              <a:schemeClr val="accent6">
+                <a:lumMod val="60000"/>
+                <a:lumOff val="40000"/>
+              </a:schemeClr>
+            </a:solidFill>
+            <a:ln>
+              <a:noFill/>
+            </a:ln>
+          </p:spPr>
+          <p:style>
+            <a:lnRef idx="2">
+              <a:schemeClr val="accent1">
+                <a:shade val="15000"/>
+              </a:schemeClr>
+            </a:lnRef>
+            <a:fillRef idx="1">
+              <a:schemeClr val="accent1"/>
+            </a:fillRef>
+            <a:effectRef idx="0">
+              <a:schemeClr val="accent1"/>
+            </a:effectRef>
+            <a:fontRef idx="minor">
+              <a:schemeClr val="lt1"/>
+            </a:fontRef>
+          </p:style>
+          <p:txBody>
+            <a:bodyPr rtlCol="0" anchor="ctr"/>
+            <a:lstStyle/>
+            <a:p>
+              <a:pPr algn="ctr"/>
+              <a:r>
+                <a:rPr lang="en-PH" dirty="0">
+                  <a:solidFill>
+                    <a:schemeClr val="accent6">
+                      <a:lumMod val="50000"/>
+                    </a:schemeClr>
+                  </a:solidFill>
+                  <a:latin typeface="Bahnschrift SemiBold" panose="020B0502040204020203" pitchFamily="34" charset="0"/>
+                </a:rPr>
+                <a:t>1</a:t>
+              </a:r>
+              <a:endParaRPr lang="en-US" dirty="0">
+                <a:solidFill>
+                  <a:schemeClr val="accent6">
+                    <a:lumMod val="50000"/>
+                  </a:schemeClr>
+                </a:solidFill>
+                <a:latin typeface="Bahnschrift SemiBold" panose="020B0502040204020203" pitchFamily="34" charset="0"/>
+              </a:endParaRPr>
+            </a:p>
+          </p:txBody>
+        </p:sp>
+        <p:sp>
+          <p:nvSpPr>
+            <p:cNvPr id="22" name="TextBox 21">
+              <a:extLst>
+                <a:ext uri="{FF2B5EF4-FFF2-40B4-BE49-F238E27FC236}">
+                  <a16:creationId xmlns:a16="http://schemas.microsoft.com/office/drawing/2014/main" id="{F7955DC3-8B7D-8F8F-7C6B-58E564B9391B}"/>
+                </a:ext>
+              </a:extLst>
+            </p:cNvPr>
+            <p:cNvSpPr txBox="1"/>
+            <p:nvPr/>
+          </p:nvSpPr>
+          <p:spPr>
+            <a:xfrm>
+              <a:off x="4627614" y="2369725"/>
+              <a:ext cx="3477234" cy="461665"/>
+            </a:xfrm>
+            <a:prstGeom prst="rect">
+              <a:avLst/>
+            </a:prstGeom>
+            <a:noFill/>
+          </p:spPr>
+          <p:txBody>
+            <a:bodyPr wrap="none" rtlCol="0">
+              <a:spAutoFit/>
+            </a:bodyPr>
+            <a:lstStyle/>
+            <a:p>
+              <a:r>
+                <a:rPr lang="en-PH" sz="2400" dirty="0">
+                  <a:latin typeface="Segoe UI Variable Text Light" pitchFamily="2" charset="0"/>
+                </a:rPr>
+                <a:t>Define what a database is</a:t>
+              </a:r>
+              <a:endParaRPr lang="en-US" sz="2400" dirty="0">
+                <a:latin typeface="Segoe UI Variable Text Light" pitchFamily="2" charset="0"/>
+              </a:endParaRPr>
+            </a:p>
+          </p:txBody>
+        </p:sp>
+      </p:grpSp>
+      <p:grpSp>
+        <p:nvGrpSpPr>
+          <p:cNvPr id="51" name="Group 50">
+            <a:extLst>
+              <a:ext uri="{FF2B5EF4-FFF2-40B4-BE49-F238E27FC236}">
+                <a16:creationId xmlns:a16="http://schemas.microsoft.com/office/drawing/2014/main" id="{77203848-A4E1-5767-DE8F-1E878FFF41C1}"/>
+              </a:ext>
+            </a:extLst>
+          </p:cNvPr>
+          <p:cNvGrpSpPr/>
+          <p:nvPr/>
+        </p:nvGrpSpPr>
+        <p:grpSpPr>
+          <a:xfrm>
+            <a:off x="3862156" y="3121556"/>
+            <a:ext cx="5012133" cy="505578"/>
+            <a:chOff x="3862156" y="3089279"/>
+            <a:chExt cx="5012133" cy="505578"/>
+          </a:xfrm>
+        </p:grpSpPr>
+        <p:sp>
+          <p:nvSpPr>
+            <p:cNvPr id="24" name="Oval 23">
+              <a:extLst>
+                <a:ext uri="{FF2B5EF4-FFF2-40B4-BE49-F238E27FC236}">
+                  <a16:creationId xmlns:a16="http://schemas.microsoft.com/office/drawing/2014/main" id="{20B0E248-C067-907F-3EBE-EC91D42C4758}"/>
+                </a:ext>
+              </a:extLst>
+            </p:cNvPr>
+            <p:cNvSpPr/>
+            <p:nvPr/>
+          </p:nvSpPr>
+          <p:spPr>
+            <a:xfrm>
+              <a:off x="3862156" y="3089279"/>
+              <a:ext cx="505578" cy="505578"/>
+            </a:xfrm>
+            <a:prstGeom prst="ellipse">
+              <a:avLst/>
+            </a:prstGeom>
+            <a:solidFill>
+              <a:schemeClr val="accent6">
+                <a:lumMod val="60000"/>
+                <a:lumOff val="40000"/>
+              </a:schemeClr>
+            </a:solidFill>
+            <a:ln>
+              <a:noFill/>
+            </a:ln>
+          </p:spPr>
+          <p:style>
+            <a:lnRef idx="2">
+              <a:schemeClr val="accent1">
+                <a:shade val="15000"/>
+              </a:schemeClr>
+            </a:lnRef>
+            <a:fillRef idx="1">
+              <a:schemeClr val="accent1"/>
+            </a:fillRef>
+            <a:effectRef idx="0">
+              <a:schemeClr val="accent1"/>
+            </a:effectRef>
+            <a:fontRef idx="minor">
+              <a:schemeClr val="lt1"/>
+            </a:fontRef>
+          </p:style>
+          <p:txBody>
+            <a:bodyPr rtlCol="0" anchor="ctr"/>
+            <a:lstStyle/>
+            <a:p>
+              <a:pPr algn="ctr"/>
+              <a:r>
+                <a:rPr lang="en-PH" dirty="0">
+                  <a:solidFill>
+                    <a:schemeClr val="accent6">
+                      <a:lumMod val="50000"/>
+                    </a:schemeClr>
+                  </a:solidFill>
+                  <a:latin typeface="Bahnschrift SemiBold" panose="020B0502040204020203" pitchFamily="34" charset="0"/>
+                </a:rPr>
+                <a:t>2</a:t>
+              </a:r>
+              <a:endParaRPr lang="en-US" dirty="0">
+                <a:solidFill>
+                  <a:schemeClr val="accent6">
+                    <a:lumMod val="50000"/>
+                  </a:schemeClr>
+                </a:solidFill>
+                <a:latin typeface="Bahnschrift SemiBold" panose="020B0502040204020203" pitchFamily="34" charset="0"/>
+              </a:endParaRPr>
+            </a:p>
+          </p:txBody>
+        </p:sp>
+        <p:sp>
+          <p:nvSpPr>
+            <p:cNvPr id="39" name="TextBox 38">
+              <a:extLst>
+                <a:ext uri="{FF2B5EF4-FFF2-40B4-BE49-F238E27FC236}">
+                  <a16:creationId xmlns:a16="http://schemas.microsoft.com/office/drawing/2014/main" id="{C93B278E-191F-9FD6-5E39-B4B46FF3D20D}"/>
+                </a:ext>
+              </a:extLst>
+            </p:cNvPr>
+            <p:cNvSpPr txBox="1"/>
+            <p:nvPr/>
+          </p:nvSpPr>
+          <p:spPr>
+            <a:xfrm>
+              <a:off x="4627614" y="3089279"/>
+              <a:ext cx="4246675" cy="461665"/>
+            </a:xfrm>
+            <a:prstGeom prst="rect">
+              <a:avLst/>
+            </a:prstGeom>
+            <a:noFill/>
+          </p:spPr>
+          <p:txBody>
+            <a:bodyPr wrap="none" rtlCol="0">
+              <a:spAutoFit/>
+            </a:bodyPr>
+            <a:lstStyle/>
+            <a:p>
+              <a:r>
+                <a:rPr lang="en-PH" sz="2400" dirty="0">
+                  <a:latin typeface="Segoe UI Variable Text Light" pitchFamily="2" charset="0"/>
+                </a:rPr>
+                <a:t>Differentiate SQL from NO-SQL</a:t>
+              </a:r>
+              <a:endParaRPr lang="en-US" sz="2400" dirty="0">
+                <a:latin typeface="Segoe UI Variable Text Light" pitchFamily="2" charset="0"/>
+              </a:endParaRPr>
+            </a:p>
+          </p:txBody>
+        </p:sp>
+      </p:grpSp>
+      <p:grpSp>
+        <p:nvGrpSpPr>
+          <p:cNvPr id="55" name="Group 54">
+            <a:extLst>
+              <a:ext uri="{FF2B5EF4-FFF2-40B4-BE49-F238E27FC236}">
+                <a16:creationId xmlns:a16="http://schemas.microsoft.com/office/drawing/2014/main" id="{D2467A80-BBB2-9747-6EA0-0E3327AD1F67}"/>
+              </a:ext>
+            </a:extLst>
+          </p:cNvPr>
+          <p:cNvGrpSpPr/>
+          <p:nvPr/>
+        </p:nvGrpSpPr>
+        <p:grpSpPr>
+          <a:xfrm>
+            <a:off x="3860164" y="3873387"/>
+            <a:ext cx="4427038" cy="505578"/>
+            <a:chOff x="3862156" y="3089279"/>
+            <a:chExt cx="4427038" cy="505578"/>
+          </a:xfrm>
+        </p:grpSpPr>
+        <p:sp>
+          <p:nvSpPr>
+            <p:cNvPr id="56" name="Oval 55">
+              <a:extLst>
+                <a:ext uri="{FF2B5EF4-FFF2-40B4-BE49-F238E27FC236}">
+                  <a16:creationId xmlns:a16="http://schemas.microsoft.com/office/drawing/2014/main" id="{041F89B7-B42B-D583-69AB-B4EBF60122FA}"/>
+                </a:ext>
+              </a:extLst>
+            </p:cNvPr>
+            <p:cNvSpPr/>
+            <p:nvPr/>
+          </p:nvSpPr>
+          <p:spPr>
+            <a:xfrm>
+              <a:off x="3862156" y="3089279"/>
+              <a:ext cx="505578" cy="505578"/>
+            </a:xfrm>
+            <a:prstGeom prst="ellipse">
+              <a:avLst/>
+            </a:prstGeom>
+            <a:solidFill>
+              <a:schemeClr val="accent6">
+                <a:lumMod val="60000"/>
+                <a:lumOff val="40000"/>
+              </a:schemeClr>
+            </a:solidFill>
+            <a:ln>
+              <a:noFill/>
+            </a:ln>
+          </p:spPr>
+          <p:style>
+            <a:lnRef idx="2">
+              <a:schemeClr val="accent1">
+                <a:shade val="15000"/>
+              </a:schemeClr>
+            </a:lnRef>
+            <a:fillRef idx="1">
+              <a:schemeClr val="accent1"/>
+            </a:fillRef>
+            <a:effectRef idx="0">
+              <a:schemeClr val="accent1"/>
+            </a:effectRef>
+            <a:fontRef idx="minor">
+              <a:schemeClr val="lt1"/>
+            </a:fontRef>
+          </p:style>
+          <p:txBody>
+            <a:bodyPr rtlCol="0" anchor="ctr"/>
+            <a:lstStyle/>
+            <a:p>
+              <a:pPr algn="ctr"/>
+              <a:r>
+                <a:rPr lang="en-PH" dirty="0">
+                  <a:solidFill>
+                    <a:schemeClr val="accent6">
+                      <a:lumMod val="50000"/>
+                    </a:schemeClr>
+                  </a:solidFill>
+                  <a:latin typeface="Bahnschrift SemiBold" panose="020B0502040204020203" pitchFamily="34" charset="0"/>
+                </a:rPr>
+                <a:t>3</a:t>
+              </a:r>
+              <a:endParaRPr lang="en-US" dirty="0">
+                <a:solidFill>
+                  <a:schemeClr val="accent6">
+                    <a:lumMod val="50000"/>
+                  </a:schemeClr>
+                </a:solidFill>
+                <a:latin typeface="Bahnschrift SemiBold" panose="020B0502040204020203" pitchFamily="34" charset="0"/>
+              </a:endParaRPr>
+            </a:p>
+          </p:txBody>
+        </p:sp>
+        <p:sp>
+          <p:nvSpPr>
+            <p:cNvPr id="57" name="TextBox 56">
+              <a:extLst>
+                <a:ext uri="{FF2B5EF4-FFF2-40B4-BE49-F238E27FC236}">
+                  <a16:creationId xmlns:a16="http://schemas.microsoft.com/office/drawing/2014/main" id="{003AFC9A-8AA0-9F70-B81E-29580535E976}"/>
+                </a:ext>
+              </a:extLst>
+            </p:cNvPr>
+            <p:cNvSpPr txBox="1"/>
+            <p:nvPr/>
+          </p:nvSpPr>
+          <p:spPr>
+            <a:xfrm>
+              <a:off x="4627614" y="3089279"/>
+              <a:ext cx="3661580" cy="461665"/>
+            </a:xfrm>
+            <a:prstGeom prst="rect">
+              <a:avLst/>
+            </a:prstGeom>
+            <a:noFill/>
+          </p:spPr>
+          <p:txBody>
+            <a:bodyPr wrap="none" rtlCol="0">
+              <a:spAutoFit/>
+            </a:bodyPr>
+            <a:lstStyle/>
+            <a:p>
+              <a:r>
+                <a:rPr lang="en-PH" sz="2400" dirty="0">
+                  <a:latin typeface="Segoe UI Variable Text Light" pitchFamily="2" charset="0"/>
+                </a:rPr>
+                <a:t>Describe what </a:t>
+              </a:r>
+              <a:r>
+                <a:rPr lang="en-PH" sz="2400" dirty="0" err="1">
+                  <a:latin typeface="Segoe UI Variable Text Light" pitchFamily="2" charset="0"/>
+                </a:rPr>
+                <a:t>mongoDB</a:t>
+              </a:r>
+              <a:r>
+                <a:rPr lang="en-PH" sz="2400" dirty="0">
+                  <a:latin typeface="Segoe UI Variable Text Light" pitchFamily="2" charset="0"/>
+                </a:rPr>
+                <a:t> is</a:t>
+              </a:r>
+              <a:endParaRPr lang="en-US" sz="2400" dirty="0">
+                <a:latin typeface="Segoe UI Variable Text Light" pitchFamily="2" charset="0"/>
+              </a:endParaRPr>
+            </a:p>
+          </p:txBody>
+        </p:sp>
+      </p:grpSp>
+      <p:grpSp>
+        <p:nvGrpSpPr>
+          <p:cNvPr id="58" name="Group 57">
+            <a:extLst>
+              <a:ext uri="{FF2B5EF4-FFF2-40B4-BE49-F238E27FC236}">
+                <a16:creationId xmlns:a16="http://schemas.microsoft.com/office/drawing/2014/main" id="{B759CD0C-A2ED-358A-F3D8-1B81A41FF1FC}"/>
+              </a:ext>
+            </a:extLst>
+          </p:cNvPr>
+          <p:cNvGrpSpPr/>
+          <p:nvPr/>
+        </p:nvGrpSpPr>
+        <p:grpSpPr>
+          <a:xfrm>
+            <a:off x="3860164" y="4625219"/>
+            <a:ext cx="6246446" cy="505578"/>
+            <a:chOff x="3862156" y="3089279"/>
+            <a:chExt cx="6246446" cy="505578"/>
+          </a:xfrm>
+        </p:grpSpPr>
+        <p:sp>
+          <p:nvSpPr>
+            <p:cNvPr id="59" name="Oval 58">
+              <a:extLst>
+                <a:ext uri="{FF2B5EF4-FFF2-40B4-BE49-F238E27FC236}">
+                  <a16:creationId xmlns:a16="http://schemas.microsoft.com/office/drawing/2014/main" id="{B9713C7D-5BA9-E6CF-0D29-897129ECF2A1}"/>
+                </a:ext>
+              </a:extLst>
+            </p:cNvPr>
+            <p:cNvSpPr/>
+            <p:nvPr/>
+          </p:nvSpPr>
+          <p:spPr>
+            <a:xfrm>
+              <a:off x="3862156" y="3089279"/>
+              <a:ext cx="505578" cy="505578"/>
+            </a:xfrm>
+            <a:prstGeom prst="ellipse">
+              <a:avLst/>
+            </a:prstGeom>
+            <a:solidFill>
+              <a:schemeClr val="accent6">
+                <a:lumMod val="60000"/>
+                <a:lumOff val="40000"/>
+              </a:schemeClr>
+            </a:solidFill>
+            <a:ln>
+              <a:noFill/>
+            </a:ln>
+          </p:spPr>
+          <p:style>
+            <a:lnRef idx="2">
+              <a:schemeClr val="accent1">
+                <a:shade val="15000"/>
+              </a:schemeClr>
+            </a:lnRef>
+            <a:fillRef idx="1">
+              <a:schemeClr val="accent1"/>
+            </a:fillRef>
+            <a:effectRef idx="0">
+              <a:schemeClr val="accent1"/>
+            </a:effectRef>
+            <a:fontRef idx="minor">
+              <a:schemeClr val="lt1"/>
+            </a:fontRef>
+          </p:style>
+          <p:txBody>
+            <a:bodyPr rtlCol="0" anchor="ctr"/>
+            <a:lstStyle/>
+            <a:p>
+              <a:pPr algn="ctr"/>
+              <a:r>
+                <a:rPr lang="en-PH" dirty="0">
+                  <a:solidFill>
+                    <a:schemeClr val="accent6">
+                      <a:lumMod val="50000"/>
+                    </a:schemeClr>
+                  </a:solidFill>
+                  <a:latin typeface="Bahnschrift SemiBold" panose="020B0502040204020203" pitchFamily="34" charset="0"/>
+                </a:rPr>
+                <a:t>4</a:t>
+              </a:r>
+              <a:endParaRPr lang="en-US" dirty="0">
+                <a:solidFill>
+                  <a:schemeClr val="accent6">
+                    <a:lumMod val="50000"/>
+                  </a:schemeClr>
+                </a:solidFill>
+                <a:latin typeface="Bahnschrift SemiBold" panose="020B0502040204020203" pitchFamily="34" charset="0"/>
+              </a:endParaRPr>
+            </a:p>
+          </p:txBody>
+        </p:sp>
+        <p:sp>
+          <p:nvSpPr>
+            <p:cNvPr id="60" name="TextBox 59">
+              <a:extLst>
+                <a:ext uri="{FF2B5EF4-FFF2-40B4-BE49-F238E27FC236}">
+                  <a16:creationId xmlns:a16="http://schemas.microsoft.com/office/drawing/2014/main" id="{FB89038B-56F8-9351-6A54-963629F108E7}"/>
+                </a:ext>
+              </a:extLst>
+            </p:cNvPr>
+            <p:cNvSpPr txBox="1"/>
+            <p:nvPr/>
+          </p:nvSpPr>
+          <p:spPr>
+            <a:xfrm>
+              <a:off x="4627614" y="3089279"/>
+              <a:ext cx="5480988" cy="461665"/>
+            </a:xfrm>
+            <a:prstGeom prst="rect">
+              <a:avLst/>
+            </a:prstGeom>
+            <a:noFill/>
+          </p:spPr>
+          <p:txBody>
+            <a:bodyPr wrap="none" rtlCol="0">
+              <a:spAutoFit/>
+            </a:bodyPr>
+            <a:lstStyle/>
+            <a:p>
+              <a:r>
+                <a:rPr lang="en-PH" sz="2400" dirty="0">
+                  <a:latin typeface="Segoe UI Variable Text Light" pitchFamily="2" charset="0"/>
+                </a:rPr>
+                <a:t>Create a database using </a:t>
+              </a:r>
+              <a:r>
+                <a:rPr lang="en-PH" sz="2400" dirty="0" err="1">
+                  <a:latin typeface="Segoe UI Variable Text Light" pitchFamily="2" charset="0"/>
+                </a:rPr>
+                <a:t>mongoDB</a:t>
+              </a:r>
+              <a:r>
+                <a:rPr lang="en-PH" sz="2400" dirty="0">
+                  <a:latin typeface="Segoe UI Variable Text Light" pitchFamily="2" charset="0"/>
+                </a:rPr>
+                <a:t> Atlas </a:t>
+              </a:r>
+              <a:endParaRPr lang="en-US" sz="2400" dirty="0">
+                <a:latin typeface="Segoe UI Variable Text Light" pitchFamily="2" charset="0"/>
+              </a:endParaRPr>
+            </a:p>
+          </p:txBody>
+        </p:sp>
+      </p:grpSp>
+      <p:pic>
+        <p:nvPicPr>
+          <p:cNvPr id="61" name="Picture 60">
+            <a:extLst>
+              <a:ext uri="{FF2B5EF4-FFF2-40B4-BE49-F238E27FC236}">
+                <a16:creationId xmlns:a16="http://schemas.microsoft.com/office/drawing/2014/main" id="{05270D35-1BB5-95D0-EF21-B34D36123165}"/>
+              </a:ext>
+            </a:extLst>
+          </p:cNvPr>
+          <p:cNvPicPr>
+            <a:picLocks noChangeAspect="1"/>
+          </p:cNvPicPr>
+          <p:nvPr/>
+        </p:nvPicPr>
+        <p:blipFill rotWithShape="1">
+          <a:blip r:embed="rId6">
+            <a:alphaModFix amt="5000"/>
+            <a:extLst>
+              <a:ext uri="{BEBA8EAE-BF5A-486C-A8C5-ECC9F3942E4B}">
+                <a14:imgProps xmlns:a14="http://schemas.microsoft.com/office/drawing/2010/main">
+                  <a14:imgLayer r:embed="rId7">
+                    <a14:imgEffect>
+                      <a14:artisticBlur/>
+                    </a14:imgEffect>
+                    <a14:imgEffect>
+                      <a14:sharpenSoften amount="50000"/>
+                    </a14:imgEffect>
+                    <a14:imgEffect>
+                      <a14:colorTemperature colorTemp="4700"/>
+                    </a14:imgEffect>
+                  </a14:imgLayer>
+                </a14:imgProps>
+              </a:ext>
+              <a:ext uri="{28A0092B-C50C-407E-A947-70E740481C1C}">
+                <a14:useLocalDpi xmlns:a14="http://schemas.microsoft.com/office/drawing/2010/main" val="0"/>
+              </a:ext>
+            </a:extLst>
+          </a:blip>
+          <a:srcRect l="42063" t="42857" r="40794" b="43129"/>
+          <a:stretch/>
+        </p:blipFill>
+        <p:spPr>
+          <a:xfrm rot="16200000">
+            <a:off x="5028526" y="1582232"/>
+            <a:ext cx="1929636" cy="1577401"/>
+          </a:xfrm>
+          <a:prstGeom prst="rect">
+            <a:avLst/>
+          </a:prstGeom>
+        </p:spPr>
+      </p:pic>
+      <p:sp>
+        <p:nvSpPr>
+          <p:cNvPr id="62" name="TextBox 61">
+            <a:extLst>
+              <a:ext uri="{FF2B5EF4-FFF2-40B4-BE49-F238E27FC236}">
+                <a16:creationId xmlns:a16="http://schemas.microsoft.com/office/drawing/2014/main" id="{17DA1381-5188-E251-2E3F-D9BB23D9FBBD}"/>
+              </a:ext>
+            </a:extLst>
+          </p:cNvPr>
+          <p:cNvSpPr txBox="1"/>
+          <p:nvPr/>
+        </p:nvSpPr>
+        <p:spPr>
+          <a:xfrm>
+            <a:off x="1535552" y="945024"/>
+            <a:ext cx="4588115" cy="707886"/>
+          </a:xfrm>
+          <a:prstGeom prst="rect">
+            <a:avLst/>
+          </a:prstGeom>
+          <a:noFill/>
+        </p:spPr>
+        <p:txBody>
+          <a:bodyPr wrap="none" rtlCol="0">
+            <a:spAutoFit/>
+          </a:bodyPr>
+          <a:lstStyle/>
+          <a:p>
+            <a:r>
+              <a:rPr lang="en-PH" sz="4000" dirty="0">
+                <a:latin typeface="Segoe UI Variable Text Light" pitchFamily="2" charset="0"/>
+              </a:rPr>
+              <a:t>Wrapping things up!</a:t>
+            </a:r>
+            <a:endParaRPr lang="en-US" sz="4000" dirty="0">
+              <a:latin typeface="Segoe UI Variable Text Light" pitchFamily="2" charset="0"/>
+            </a:endParaRPr>
+          </a:p>
+        </p:txBody>
+      </p:sp>
+    </p:spTree>
+    <p:extLst>
+      <p:ext uri="{BB962C8B-B14F-4D97-AF65-F5344CB8AC3E}">
+        <p14:creationId xmlns:p14="http://schemas.microsoft.com/office/powerpoint/2010/main" val="3474673004"/>
+      </p:ext>
+    </p:extLst>
+  </p:cSld>
+  <p:clrMapOvr>
+    <a:masterClrMapping/>
+  </p:clrMapOvr>
+  <mc:AlternateContent xmlns:mc="http://schemas.openxmlformats.org/markup-compatibility/2006">
+    <mc:Choice xmlns:p159="http://schemas.microsoft.com/office/powerpoint/2015/09/main" Requires="p159">
+      <p:transition spd="med">
+        <p159:morph option="byObject"/>
+      </p:transition>
+    </mc:Choice>
     <mc:Fallback>
-      <p:transition spd="slow">
+      <p:transition spd="med">
         <p:fade/>
       </p:transition>
     </mc:Fallback>
@@ -24017,7 +26620,7 @@
         <p:spPr>
           <a:xfrm>
             <a:off x="2711468" y="1843950"/>
-            <a:ext cx="2840315" cy="2800767"/>
+            <a:ext cx="2840315" cy="2431435"/>
           </a:xfrm>
           <a:prstGeom prst="rect">
             <a:avLst/>
@@ -24069,7 +26672,7 @@
                 <a:latin typeface="Segoe UI Light" panose="020B0502040204020203" pitchFamily="34" charset="0"/>
                 <a:cs typeface="Segoe UI Light" panose="020B0502040204020203" pitchFamily="34" charset="0"/>
               </a:rPr>
-              <a:t>My data are organized through my </a:t>
+              <a:t>My data are organized through </a:t>
             </a:r>
             <a:r>
               <a:rPr lang="en-PH" sz="2400" dirty="0">
@@ -24079,11 +26682,8 @@
                 <a:latin typeface="Segoe UI Light" panose="020B0502040204020203" pitchFamily="34" charset="0"/>
                 <a:cs typeface="Segoe UI Light" panose="020B0502040204020203" pitchFamily="34" charset="0"/>
               </a:rPr>
-              <a:t>columns and rows!</a:t>
+              <a:t>tables. I love relationships!</a:t>
             </a:r>
-          </a:p>
-          <a:p>
-            <a:pPr algn="ctr"/>
             <a:endParaRPr lang="en-US" sz="2400" dirty="0">
               <a:solidFill>
                 <a:schemeClr val="bg1"/>
@@ -24817,7 +27417,7 @@
                 <a:latin typeface="Segoe UI Light" panose="020B0502040204020203" pitchFamily="34" charset="0"/>
                 <a:cs typeface="Segoe UI Light" panose="020B0502040204020203" pitchFamily="34" charset="0"/>
               </a:rPr>
-              <a:t>My data are organized through my </a:t>
+              <a:t>My data are organized through </a:t>
             </a:r>
             <a:r>
               <a:rPr lang="en-PH" sz="2400" dirty="0">
@@ -24827,7 +27427,7 @@
                 <a:latin typeface="Segoe UI Light" panose="020B0502040204020203" pitchFamily="34" charset="0"/>
                 <a:cs typeface="Segoe UI Light" panose="020B0502040204020203" pitchFamily="34" charset="0"/>
               </a:rPr>
-              <a:t>columns and rows!</a:t>
+              <a:t>tables. I love relationships!</a:t>
             </a:r>
             <a:endParaRPr lang="en-US" sz="2400" dirty="0">
               <a:solidFill>
